--- a/ppt/Python Oops concept.pptx
+++ b/ppt/Python Oops concept.pptx
@@ -12,6 +12,10 @@
     <p:sldId id="260" r:id="rId6"/>
     <p:sldId id="261" r:id="rId7"/>
     <p:sldId id="262" r:id="rId8"/>
+    <p:sldId id="263" r:id="rId9"/>
+    <p:sldId id="264" r:id="rId10"/>
+    <p:sldId id="265" r:id="rId11"/>
+    <p:sldId id="266" r:id="rId12"/>
   </p:sldIdLst>
   <p:sldSz cx="12192000" cy="6858000"/>
   <p:notesSz cx="6858000" cy="9144000"/>
@@ -110,6 +114,11 @@
       </a:defRPr>
     </a:lvl9pPr>
   </p:defaultTextStyle>
+  <p:extLst>
+    <p:ext uri="{EFAFB233-063F-42B5-8137-9DF3F51BA10A}">
+      <p15:sldGuideLst xmlns:p15="http://schemas.microsoft.com/office/powerpoint/2012/main"/>
+    </p:ext>
+  </p:extLst>
 </p:presentation>
 </file>
 
@@ -4389,7 +4398,7 @@
           <a:p>
             <a:fld id="{9AB3A824-1A51-4B26-AD58-A6D8E14F6C04}" type="datetimeFigureOut">
               <a:rPr lang="en-US" smtClean="0"/>
-              <a:t>9/16/2018</a:t>
+              <a:t>9/18/2018</a:t>
             </a:fld>
             <a:endParaRPr lang="en-US" dirty="0"/>
           </a:p>
@@ -4661,7 +4670,7 @@
           <a:p>
             <a:fld id="{3CBC1C18-307B-4F68-A007-B5B542270E8D}" type="datetimeFigureOut">
               <a:rPr lang="en-US" smtClean="0"/>
-              <a:t>9/16/2018</a:t>
+              <a:t>9/18/2018</a:t>
             </a:fld>
             <a:endParaRPr lang="en-US" dirty="0"/>
           </a:p>
@@ -4864,7 +4873,7 @@
           <a:p>
             <a:fld id="{3CBC1C18-307B-4F68-A007-B5B542270E8D}" type="datetimeFigureOut">
               <a:rPr lang="en-US" smtClean="0"/>
-              <a:t>9/16/2018</a:t>
+              <a:t>9/18/2018</a:t>
             </a:fld>
             <a:endParaRPr lang="en-US" dirty="0"/>
           </a:p>
@@ -5134,7 +5143,7 @@
           <a:p>
             <a:fld id="{3CBC1C18-307B-4F68-A007-B5B542270E8D}" type="datetimeFigureOut">
               <a:rPr lang="en-US" smtClean="0"/>
-              <a:t>9/16/2018</a:t>
+              <a:t>9/18/2018</a:t>
             </a:fld>
             <a:endParaRPr lang="en-US" dirty="0"/>
           </a:p>
@@ -5575,7 +5584,7 @@
           <a:p>
             <a:fld id="{3CBC1C18-307B-4F68-A007-B5B542270E8D}" type="datetimeFigureOut">
               <a:rPr lang="en-US" smtClean="0"/>
-              <a:t>9/16/2018</a:t>
+              <a:t>9/18/2018</a:t>
             </a:fld>
             <a:endParaRPr lang="en-US" dirty="0"/>
           </a:p>
@@ -6128,7 +6137,7 @@
           <a:p>
             <a:fld id="{3CBC1C18-307B-4F68-A007-B5B542270E8D}" type="datetimeFigureOut">
               <a:rPr lang="en-US" smtClean="0"/>
-              <a:t>9/16/2018</a:t>
+              <a:t>9/18/2018</a:t>
             </a:fld>
             <a:endParaRPr lang="en-US" dirty="0"/>
           </a:p>
@@ -6855,7 +6864,7 @@
           <a:p>
             <a:fld id="{3CBC1C18-307B-4F68-A007-B5B542270E8D}" type="datetimeFigureOut">
               <a:rPr lang="en-US" smtClean="0"/>
-              <a:t>9/16/2018</a:t>
+              <a:t>9/18/2018</a:t>
             </a:fld>
             <a:endParaRPr lang="en-US" dirty="0"/>
           </a:p>
@@ -7032,7 +7041,7 @@
           <a:p>
             <a:fld id="{D857E33E-8B18-4087-B112-809917729534}" type="datetimeFigureOut">
               <a:rPr lang="en-US" smtClean="0"/>
-              <a:t>9/16/2018</a:t>
+              <a:t>9/18/2018</a:t>
             </a:fld>
             <a:endParaRPr lang="en-US" dirty="0"/>
           </a:p>
@@ -7217,7 +7226,7 @@
           <a:p>
             <a:fld id="{D3FFE419-2371-464F-8239-3959401C3561}" type="datetimeFigureOut">
               <a:rPr lang="en-US" smtClean="0"/>
-              <a:t>9/16/2018</a:t>
+              <a:t>9/18/2018</a:t>
             </a:fld>
             <a:endParaRPr lang="en-US" dirty="0"/>
           </a:p>
@@ -7392,7 +7401,7 @@
           <a:p>
             <a:fld id="{97D162C4-EDD9-4389-A98B-B87ECEA2A816}" type="datetimeFigureOut">
               <a:rPr lang="en-US" smtClean="0"/>
-              <a:t>9/16/2018</a:t>
+              <a:t>9/18/2018</a:t>
             </a:fld>
             <a:endParaRPr lang="en-US" dirty="0"/>
           </a:p>
@@ -7647,7 +7656,7 @@
           <a:p>
             <a:fld id="{3E5059C3-6A89-4494-99FF-5A4D6FFD50EB}" type="datetimeFigureOut">
               <a:rPr lang="en-US" smtClean="0"/>
-              <a:t>9/16/2018</a:t>
+              <a:t>9/18/2018</a:t>
             </a:fld>
             <a:endParaRPr lang="en-US" dirty="0"/>
           </a:p>
@@ -7884,7 +7893,7 @@
           <a:p>
             <a:fld id="{CA954B2F-12DE-47F5-8894-472B206D2E1E}" type="datetimeFigureOut">
               <a:rPr lang="en-US" smtClean="0"/>
-              <a:t>9/16/2018</a:t>
+              <a:t>9/18/2018</a:t>
             </a:fld>
             <a:endParaRPr lang="en-US" dirty="0"/>
           </a:p>
@@ -8270,7 +8279,7 @@
           <a:p>
             <a:fld id="{3F30E46F-7819-4ACF-B48B-48222C2ACC88}" type="datetimeFigureOut">
               <a:rPr lang="en-US" smtClean="0"/>
-              <a:t>9/16/2018</a:t>
+              <a:t>9/18/2018</a:t>
             </a:fld>
             <a:endParaRPr lang="en-US" dirty="0"/>
           </a:p>
@@ -8393,7 +8402,7 @@
           <a:p>
             <a:fld id="{1FAF3416-4057-4DAA-829D-4CA07428D088}" type="datetimeFigureOut">
               <a:rPr lang="en-US" smtClean="0"/>
-              <a:t>9/16/2018</a:t>
+              <a:t>9/18/2018</a:t>
             </a:fld>
             <a:endParaRPr lang="en-US" dirty="0"/>
           </a:p>
@@ -8493,7 +8502,7 @@
           <a:p>
             <a:fld id="{921D9284-D300-4297-87F7-E791DCC15DB1}" type="datetimeFigureOut">
               <a:rPr lang="en-US" smtClean="0"/>
-              <a:t>9/16/2018</a:t>
+              <a:t>9/18/2018</a:t>
             </a:fld>
             <a:endParaRPr lang="en-US" dirty="0"/>
           </a:p>
@@ -8747,7 +8756,7 @@
           <a:p>
             <a:fld id="{37D525BB-DA17-4BA0-B3C8-3AC3ABC827E6}" type="datetimeFigureOut">
               <a:rPr lang="en-US" smtClean="0"/>
-              <a:t>9/16/2018</a:t>
+              <a:t>9/18/2018</a:t>
             </a:fld>
             <a:endParaRPr lang="en-US" dirty="0"/>
           </a:p>
@@ -9032,7 +9041,7 @@
           <a:p>
             <a:fld id="{B16C4C9A-3960-41CF-A4E9-2A8FB932454B}" type="datetimeFigureOut">
               <a:rPr lang="en-US" smtClean="0"/>
-              <a:t>9/16/2018</a:t>
+              <a:t>9/18/2018</a:t>
             </a:fld>
             <a:endParaRPr lang="en-US" dirty="0"/>
           </a:p>
@@ -12114,7 +12123,7 @@
           <a:p>
             <a:fld id="{3CBC1C18-307B-4F68-A007-B5B542270E8D}" type="datetimeFigureOut">
               <a:rPr lang="en-US" smtClean="0"/>
-              <a:t>9/16/2018</a:t>
+              <a:t>9/18/2018</a:t>
             </a:fld>
             <a:endParaRPr lang="en-US" dirty="0"/>
           </a:p>
@@ -12596,6 +12605,3558 @@
 </p:sld>
 </file>
 
+<file path=ppt/slides/slide10.xml><?xml version="1.0" encoding="utf-8"?>
+<p:sld xmlns:a="http://schemas.openxmlformats.org/drawingml/2006/main" xmlns:r="http://schemas.openxmlformats.org/officeDocument/2006/relationships" xmlns:p="http://schemas.openxmlformats.org/presentationml/2006/main">
+  <p:cSld>
+    <p:spTree>
+      <p:nvGrpSpPr>
+        <p:cNvPr id="1" name=""/>
+        <p:cNvGrpSpPr/>
+        <p:nvPr/>
+      </p:nvGrpSpPr>
+      <p:grpSpPr>
+        <a:xfrm>
+          <a:off x="0" y="0"/>
+          <a:ext cx="0" cy="0"/>
+          <a:chOff x="0" y="0"/>
+          <a:chExt cx="0" cy="0"/>
+        </a:xfrm>
+      </p:grpSpPr>
+      <p:sp>
+        <p:nvSpPr>
+          <p:cNvPr id="2" name="Title 1"/>
+          <p:cNvSpPr>
+            <a:spLocks noGrp="1"/>
+          </p:cNvSpPr>
+          <p:nvPr>
+            <p:ph type="title"/>
+          </p:nvPr>
+        </p:nvSpPr>
+        <p:spPr/>
+        <p:txBody>
+          <a:bodyPr/>
+          <a:lstStyle/>
+          <a:p>
+            <a:r>
+              <a:rPr lang="en-IN" dirty="0"/>
+              <a:t>Multiple Inheritance</a:t>
+            </a:r>
+          </a:p>
+        </p:txBody>
+      </p:sp>
+      <p:sp>
+        <p:nvSpPr>
+          <p:cNvPr id="8" name="Rectangle 3"/>
+          <p:cNvSpPr>
+            <a:spLocks noGrp="1" noChangeArrowheads="1"/>
+          </p:cNvSpPr>
+          <p:nvPr>
+            <p:ph idx="1"/>
+          </p:nvPr>
+        </p:nvSpPr>
+        <p:spPr bwMode="auto">
+          <a:xfrm>
+            <a:off x="1141412" y="1942852"/>
+            <a:ext cx="9389109" cy="4154984"/>
+          </a:xfrm>
+          <a:prstGeom prst="rect">
+            <a:avLst/>
+          </a:prstGeom>
+          <a:solidFill>
+            <a:srgbClr val="FFFFFF"/>
+          </a:solidFill>
+          <a:ln>
+            <a:noFill/>
+          </a:ln>
+          <a:effectLst/>
+          <a:extLst>
+            <a:ext uri="{91240B29-F687-4F45-9708-019B960494DF}">
+              <a14:hiddenLine xmlns:a14="http://schemas.microsoft.com/office/drawing/2010/main" w="9525">
+                <a:solidFill>
+                  <a:schemeClr val="tx1"/>
+                </a:solidFill>
+                <a:miter lim="800000"/>
+                <a:headEnd/>
+                <a:tailEnd/>
+              </a14:hiddenLine>
+            </a:ext>
+            <a:ext uri="{AF507438-7753-43E0-B8FC-AC1667EBCBE1}">
+              <a14:hiddenEffects xmlns:a14="http://schemas.microsoft.com/office/drawing/2010/main">
+                <a:effectLst>
+                  <a:outerShdw dist="35921" dir="2700000" algn="ctr" rotWithShape="0">
+                    <a:schemeClr val="bg2"/>
+                  </a:outerShdw>
+                </a:effectLst>
+              </a14:hiddenEffects>
+            </a:ext>
+          </a:extLst>
+        </p:spPr>
+        <p:txBody>
+          <a:bodyPr vert="horz" wrap="none" lIns="91440" tIns="45720" rIns="91440" bIns="45720" numCol="1" anchor="ctr" anchorCtr="0" compatLnSpc="1">
+            <a:prstTxWarp prst="textNoShape">
+              <a:avLst/>
+            </a:prstTxWarp>
+            <a:spAutoFit/>
+          </a:bodyPr>
+          <a:lstStyle/>
+          <a:p>
+            <a:pPr marL="0" marR="0" lvl="0" indent="0" algn="l" defTabSz="914400" rtl="0" eaLnBrk="0" fontAlgn="base" latinLnBrk="0" hangingPunct="0">
+              <a:lnSpc>
+                <a:spcPct val="100000"/>
+              </a:lnSpc>
+              <a:spcBef>
+                <a:spcPct val="0"/>
+              </a:spcBef>
+              <a:spcAft>
+                <a:spcPct val="0"/>
+              </a:spcAft>
+              <a:buClrTx/>
+              <a:buSzTx/>
+              <a:buFontTx/>
+              <a:buNone/>
+              <a:tabLst/>
+            </a:pPr>
+            <a:r>
+              <a:rPr kumimoji="0" lang="en-US" altLang="en-US" sz="1200" b="0" i="1" u="none" strike="noStrike" cap="none" normalizeH="0" baseline="0" dirty="0" smtClean="0">
+                <a:ln>
+                  <a:noFill/>
+                </a:ln>
+                <a:solidFill>
+                  <a:srgbClr val="808080"/>
+                </a:solidFill>
+                <a:effectLst/>
+                <a:latin typeface="Courier New" panose="02070309020205020404" pitchFamily="49" charset="0"/>
+                <a:cs typeface="Courier New" panose="02070309020205020404" pitchFamily="49" charset="0"/>
+              </a:rPr>
+              <a:t>#Multiple Inheritance</a:t>
+            </a:r>
+            <a:br>
+              <a:rPr kumimoji="0" lang="en-US" altLang="en-US" sz="1200" b="0" i="1" u="none" strike="noStrike" cap="none" normalizeH="0" baseline="0" dirty="0" smtClean="0">
+                <a:ln>
+                  <a:noFill/>
+                </a:ln>
+                <a:solidFill>
+                  <a:srgbClr val="808080"/>
+                </a:solidFill>
+                <a:effectLst/>
+                <a:latin typeface="Courier New" panose="02070309020205020404" pitchFamily="49" charset="0"/>
+                <a:cs typeface="Courier New" panose="02070309020205020404" pitchFamily="49" charset="0"/>
+              </a:rPr>
+            </a:br>
+            <a:r>
+              <a:rPr kumimoji="0" lang="en-US" altLang="en-US" sz="1200" b="1" i="0" u="none" strike="noStrike" cap="none" normalizeH="0" baseline="0" dirty="0" smtClean="0">
+                <a:ln>
+                  <a:noFill/>
+                </a:ln>
+                <a:solidFill>
+                  <a:srgbClr val="000080"/>
+                </a:solidFill>
+                <a:effectLst/>
+                <a:latin typeface="Courier New" panose="02070309020205020404" pitchFamily="49" charset="0"/>
+                <a:cs typeface="Courier New" panose="02070309020205020404" pitchFamily="49" charset="0"/>
+              </a:rPr>
+              <a:t>class </a:t>
+            </a:r>
+            <a:r>
+              <a:rPr kumimoji="0" lang="en-US" altLang="en-US" sz="1200" b="0" i="0" u="none" strike="noStrike" cap="none" normalizeH="0" baseline="0" dirty="0" smtClean="0">
+                <a:ln>
+                  <a:noFill/>
+                </a:ln>
+                <a:solidFill>
+                  <a:srgbClr val="000000"/>
+                </a:solidFill>
+                <a:effectLst/>
+                <a:latin typeface="Courier New" panose="02070309020205020404" pitchFamily="49" charset="0"/>
+                <a:cs typeface="Courier New" panose="02070309020205020404" pitchFamily="49" charset="0"/>
+              </a:rPr>
+              <a:t>Student:</a:t>
+            </a:r>
+            <a:br>
+              <a:rPr kumimoji="0" lang="en-US" altLang="en-US" sz="1200" b="0" i="0" u="none" strike="noStrike" cap="none" normalizeH="0" baseline="0" dirty="0" smtClean="0">
+                <a:ln>
+                  <a:noFill/>
+                </a:ln>
+                <a:solidFill>
+                  <a:srgbClr val="000000"/>
+                </a:solidFill>
+                <a:effectLst/>
+                <a:latin typeface="Courier New" panose="02070309020205020404" pitchFamily="49" charset="0"/>
+                <a:cs typeface="Courier New" panose="02070309020205020404" pitchFamily="49" charset="0"/>
+              </a:rPr>
+            </a:br>
+            <a:r>
+              <a:rPr kumimoji="0" lang="en-US" altLang="en-US" sz="1200" b="0" i="0" u="none" strike="noStrike" cap="none" normalizeH="0" baseline="0" dirty="0" smtClean="0">
+                <a:ln>
+                  <a:noFill/>
+                </a:ln>
+                <a:solidFill>
+                  <a:srgbClr val="000000"/>
+                </a:solidFill>
+                <a:effectLst/>
+                <a:latin typeface="Courier New" panose="02070309020205020404" pitchFamily="49" charset="0"/>
+                <a:cs typeface="Courier New" panose="02070309020205020404" pitchFamily="49" charset="0"/>
+              </a:rPr>
+              <a:t>    </a:t>
+            </a:r>
+            <a:r>
+              <a:rPr kumimoji="0" lang="en-US" altLang="en-US" sz="1200" b="0" i="0" u="none" strike="noStrike" cap="none" normalizeH="0" baseline="0" dirty="0" err="1" smtClean="0">
+                <a:ln>
+                  <a:noFill/>
+                </a:ln>
+                <a:solidFill>
+                  <a:srgbClr val="000000"/>
+                </a:solidFill>
+                <a:effectLst/>
+                <a:latin typeface="Courier New" panose="02070309020205020404" pitchFamily="49" charset="0"/>
+                <a:cs typeface="Courier New" panose="02070309020205020404" pitchFamily="49" charset="0"/>
+              </a:rPr>
+              <a:t>firstname</a:t>
+            </a:r>
+            <a:r>
+              <a:rPr kumimoji="0" lang="en-US" altLang="en-US" sz="1200" b="0" i="0" u="none" strike="noStrike" cap="none" normalizeH="0" baseline="0" dirty="0" smtClean="0">
+                <a:ln>
+                  <a:noFill/>
+                </a:ln>
+                <a:solidFill>
+                  <a:srgbClr val="000000"/>
+                </a:solidFill>
+                <a:effectLst/>
+                <a:latin typeface="Courier New" panose="02070309020205020404" pitchFamily="49" charset="0"/>
+                <a:cs typeface="Courier New" panose="02070309020205020404" pitchFamily="49" charset="0"/>
+              </a:rPr>
+              <a:t>=</a:t>
+            </a:r>
+            <a:r>
+              <a:rPr kumimoji="0" lang="en-US" altLang="en-US" sz="1200" b="1" i="0" u="none" strike="noStrike" cap="none" normalizeH="0" baseline="0" dirty="0" smtClean="0">
+                <a:ln>
+                  <a:noFill/>
+                </a:ln>
+                <a:solidFill>
+                  <a:srgbClr val="008080"/>
+                </a:solidFill>
+                <a:effectLst/>
+                <a:latin typeface="Courier New" panose="02070309020205020404" pitchFamily="49" charset="0"/>
+                <a:cs typeface="Courier New" panose="02070309020205020404" pitchFamily="49" charset="0"/>
+              </a:rPr>
+              <a:t>""</a:t>
+            </a:r>
+            <a:br>
+              <a:rPr kumimoji="0" lang="en-US" altLang="en-US" sz="1200" b="1" i="0" u="none" strike="noStrike" cap="none" normalizeH="0" baseline="0" dirty="0" smtClean="0">
+                <a:ln>
+                  <a:noFill/>
+                </a:ln>
+                <a:solidFill>
+                  <a:srgbClr val="008080"/>
+                </a:solidFill>
+                <a:effectLst/>
+                <a:latin typeface="Courier New" panose="02070309020205020404" pitchFamily="49" charset="0"/>
+                <a:cs typeface="Courier New" panose="02070309020205020404" pitchFamily="49" charset="0"/>
+              </a:rPr>
+            </a:br>
+            <a:r>
+              <a:rPr kumimoji="0" lang="en-US" altLang="en-US" sz="1200" b="1" i="0" u="none" strike="noStrike" cap="none" normalizeH="0" baseline="0" dirty="0" smtClean="0">
+                <a:ln>
+                  <a:noFill/>
+                </a:ln>
+                <a:solidFill>
+                  <a:srgbClr val="008080"/>
+                </a:solidFill>
+                <a:effectLst/>
+                <a:latin typeface="Courier New" panose="02070309020205020404" pitchFamily="49" charset="0"/>
+                <a:cs typeface="Courier New" panose="02070309020205020404" pitchFamily="49" charset="0"/>
+              </a:rPr>
+              <a:t>    </a:t>
+            </a:r>
+            <a:r>
+              <a:rPr kumimoji="0" lang="en-US" altLang="en-US" sz="1200" b="0" i="0" u="none" strike="noStrike" cap="none" normalizeH="0" baseline="0" dirty="0" err="1" smtClean="0">
+                <a:ln>
+                  <a:noFill/>
+                </a:ln>
+                <a:solidFill>
+                  <a:srgbClr val="000000"/>
+                </a:solidFill>
+                <a:effectLst/>
+                <a:latin typeface="Courier New" panose="02070309020205020404" pitchFamily="49" charset="0"/>
+                <a:cs typeface="Courier New" panose="02070309020205020404" pitchFamily="49" charset="0"/>
+              </a:rPr>
+              <a:t>lastname</a:t>
+            </a:r>
+            <a:r>
+              <a:rPr kumimoji="0" lang="en-US" altLang="en-US" sz="1200" b="0" i="0" u="none" strike="noStrike" cap="none" normalizeH="0" baseline="0" dirty="0" smtClean="0">
+                <a:ln>
+                  <a:noFill/>
+                </a:ln>
+                <a:solidFill>
+                  <a:srgbClr val="000000"/>
+                </a:solidFill>
+                <a:effectLst/>
+                <a:latin typeface="Courier New" panose="02070309020205020404" pitchFamily="49" charset="0"/>
+                <a:cs typeface="Courier New" panose="02070309020205020404" pitchFamily="49" charset="0"/>
+              </a:rPr>
+              <a:t>=</a:t>
+            </a:r>
+            <a:r>
+              <a:rPr kumimoji="0" lang="en-US" altLang="en-US" sz="1200" b="1" i="0" u="none" strike="noStrike" cap="none" normalizeH="0" baseline="0" dirty="0" smtClean="0">
+                <a:ln>
+                  <a:noFill/>
+                </a:ln>
+                <a:solidFill>
+                  <a:srgbClr val="008080"/>
+                </a:solidFill>
+                <a:effectLst/>
+                <a:latin typeface="Courier New" panose="02070309020205020404" pitchFamily="49" charset="0"/>
+                <a:cs typeface="Courier New" panose="02070309020205020404" pitchFamily="49" charset="0"/>
+              </a:rPr>
+              <a:t>""</a:t>
+            </a:r>
+            <a:br>
+              <a:rPr kumimoji="0" lang="en-US" altLang="en-US" sz="1200" b="1" i="0" u="none" strike="noStrike" cap="none" normalizeH="0" baseline="0" dirty="0" smtClean="0">
+                <a:ln>
+                  <a:noFill/>
+                </a:ln>
+                <a:solidFill>
+                  <a:srgbClr val="008080"/>
+                </a:solidFill>
+                <a:effectLst/>
+                <a:latin typeface="Courier New" panose="02070309020205020404" pitchFamily="49" charset="0"/>
+                <a:cs typeface="Courier New" panose="02070309020205020404" pitchFamily="49" charset="0"/>
+              </a:rPr>
+            </a:br>
+            <a:r>
+              <a:rPr kumimoji="0" lang="en-US" altLang="en-US" sz="1200" b="1" i="0" u="none" strike="noStrike" cap="none" normalizeH="0" baseline="0" dirty="0" smtClean="0">
+                <a:ln>
+                  <a:noFill/>
+                </a:ln>
+                <a:solidFill>
+                  <a:srgbClr val="008080"/>
+                </a:solidFill>
+                <a:effectLst/>
+                <a:latin typeface="Courier New" panose="02070309020205020404" pitchFamily="49" charset="0"/>
+                <a:cs typeface="Courier New" panose="02070309020205020404" pitchFamily="49" charset="0"/>
+              </a:rPr>
+              <a:t>    </a:t>
+            </a:r>
+            <a:r>
+              <a:rPr kumimoji="0" lang="en-US" altLang="en-US" sz="1200" b="0" i="0" u="none" strike="noStrike" cap="none" normalizeH="0" baseline="0" dirty="0" err="1" smtClean="0">
+                <a:ln>
+                  <a:noFill/>
+                </a:ln>
+                <a:solidFill>
+                  <a:srgbClr val="000000"/>
+                </a:solidFill>
+                <a:effectLst/>
+                <a:latin typeface="Courier New" panose="02070309020205020404" pitchFamily="49" charset="0"/>
+                <a:cs typeface="Courier New" panose="02070309020205020404" pitchFamily="49" charset="0"/>
+              </a:rPr>
+              <a:t>schoolname</a:t>
+            </a:r>
+            <a:r>
+              <a:rPr kumimoji="0" lang="en-US" altLang="en-US" sz="1200" b="0" i="0" u="none" strike="noStrike" cap="none" normalizeH="0" baseline="0" dirty="0" smtClean="0">
+                <a:ln>
+                  <a:noFill/>
+                </a:ln>
+                <a:solidFill>
+                  <a:srgbClr val="000000"/>
+                </a:solidFill>
+                <a:effectLst/>
+                <a:latin typeface="Courier New" panose="02070309020205020404" pitchFamily="49" charset="0"/>
+                <a:cs typeface="Courier New" panose="02070309020205020404" pitchFamily="49" charset="0"/>
+              </a:rPr>
+              <a:t>=</a:t>
+            </a:r>
+            <a:r>
+              <a:rPr kumimoji="0" lang="en-US" altLang="en-US" sz="1200" b="1" i="0" u="none" strike="noStrike" cap="none" normalizeH="0" baseline="0" dirty="0" smtClean="0">
+                <a:ln>
+                  <a:noFill/>
+                </a:ln>
+                <a:solidFill>
+                  <a:srgbClr val="008080"/>
+                </a:solidFill>
+                <a:effectLst/>
+                <a:latin typeface="Courier New" panose="02070309020205020404" pitchFamily="49" charset="0"/>
+                <a:cs typeface="Courier New" panose="02070309020205020404" pitchFamily="49" charset="0"/>
+              </a:rPr>
+              <a:t>"Don Bosco"</a:t>
+            </a:r>
+            <a:br>
+              <a:rPr kumimoji="0" lang="en-US" altLang="en-US" sz="1200" b="1" i="0" u="none" strike="noStrike" cap="none" normalizeH="0" baseline="0" dirty="0" smtClean="0">
+                <a:ln>
+                  <a:noFill/>
+                </a:ln>
+                <a:solidFill>
+                  <a:srgbClr val="008080"/>
+                </a:solidFill>
+                <a:effectLst/>
+                <a:latin typeface="Courier New" panose="02070309020205020404" pitchFamily="49" charset="0"/>
+                <a:cs typeface="Courier New" panose="02070309020205020404" pitchFamily="49" charset="0"/>
+              </a:rPr>
+            </a:br>
+            <a:r>
+              <a:rPr kumimoji="0" lang="en-US" altLang="en-US" sz="1200" b="1" i="0" u="none" strike="noStrike" cap="none" normalizeH="0" baseline="0" dirty="0" smtClean="0">
+                <a:ln>
+                  <a:noFill/>
+                </a:ln>
+                <a:solidFill>
+                  <a:srgbClr val="008080"/>
+                </a:solidFill>
+                <a:effectLst/>
+                <a:latin typeface="Courier New" panose="02070309020205020404" pitchFamily="49" charset="0"/>
+                <a:cs typeface="Courier New" panose="02070309020205020404" pitchFamily="49" charset="0"/>
+              </a:rPr>
+              <a:t>    </a:t>
+            </a:r>
+            <a:r>
+              <a:rPr kumimoji="0" lang="en-US" altLang="en-US" sz="1200" b="1" i="0" u="none" strike="noStrike" cap="none" normalizeH="0" baseline="0" dirty="0" err="1" smtClean="0">
+                <a:ln>
+                  <a:noFill/>
+                </a:ln>
+                <a:solidFill>
+                  <a:srgbClr val="000080"/>
+                </a:solidFill>
+                <a:effectLst/>
+                <a:latin typeface="Courier New" panose="02070309020205020404" pitchFamily="49" charset="0"/>
+                <a:cs typeface="Courier New" panose="02070309020205020404" pitchFamily="49" charset="0"/>
+              </a:rPr>
+              <a:t>def</a:t>
+            </a:r>
+            <a:r>
+              <a:rPr kumimoji="0" lang="en-US" altLang="en-US" sz="1200" b="1" i="0" u="none" strike="noStrike" cap="none" normalizeH="0" baseline="0" dirty="0" smtClean="0">
+                <a:ln>
+                  <a:noFill/>
+                </a:ln>
+                <a:solidFill>
+                  <a:srgbClr val="000080"/>
+                </a:solidFill>
+                <a:effectLst/>
+                <a:latin typeface="Courier New" panose="02070309020205020404" pitchFamily="49" charset="0"/>
+                <a:cs typeface="Courier New" panose="02070309020205020404" pitchFamily="49" charset="0"/>
+              </a:rPr>
+              <a:t> </a:t>
+            </a:r>
+            <a:r>
+              <a:rPr kumimoji="0" lang="en-US" altLang="en-US" sz="1200" b="0" i="0" u="none" strike="noStrike" cap="none" normalizeH="0" baseline="0" dirty="0" smtClean="0">
+                <a:ln>
+                  <a:noFill/>
+                </a:ln>
+                <a:solidFill>
+                  <a:srgbClr val="000000"/>
+                </a:solidFill>
+                <a:effectLst/>
+                <a:latin typeface="Courier New" panose="02070309020205020404" pitchFamily="49" charset="0"/>
+                <a:cs typeface="Courier New" panose="02070309020205020404" pitchFamily="49" charset="0"/>
+              </a:rPr>
+              <a:t>name(</a:t>
+            </a:r>
+            <a:r>
+              <a:rPr kumimoji="0" lang="en-US" altLang="en-US" sz="1200" b="0" i="0" u="none" strike="noStrike" cap="none" normalizeH="0" baseline="0" dirty="0" err="1" smtClean="0">
+                <a:ln>
+                  <a:noFill/>
+                </a:ln>
+                <a:solidFill>
+                  <a:srgbClr val="94558D"/>
+                </a:solidFill>
+                <a:effectLst/>
+                <a:latin typeface="Courier New" panose="02070309020205020404" pitchFamily="49" charset="0"/>
+                <a:cs typeface="Courier New" panose="02070309020205020404" pitchFamily="49" charset="0"/>
+              </a:rPr>
+              <a:t>self</a:t>
+            </a:r>
+            <a:r>
+              <a:rPr kumimoji="0" lang="en-US" altLang="en-US" sz="1200" b="0" i="0" u="none" strike="noStrike" cap="none" normalizeH="0" baseline="0" dirty="0" err="1" smtClean="0">
+                <a:ln>
+                  <a:noFill/>
+                </a:ln>
+                <a:solidFill>
+                  <a:srgbClr val="000000"/>
+                </a:solidFill>
+                <a:effectLst/>
+                <a:latin typeface="Courier New" panose="02070309020205020404" pitchFamily="49" charset="0"/>
+                <a:cs typeface="Courier New" panose="02070309020205020404" pitchFamily="49" charset="0"/>
+              </a:rPr>
+              <a:t>,fname,lname</a:t>
+            </a:r>
+            <a:r>
+              <a:rPr kumimoji="0" lang="en-US" altLang="en-US" sz="1200" b="0" i="0" u="none" strike="noStrike" cap="none" normalizeH="0" baseline="0" dirty="0" smtClean="0">
+                <a:ln>
+                  <a:noFill/>
+                </a:ln>
+                <a:solidFill>
+                  <a:srgbClr val="000000"/>
+                </a:solidFill>
+                <a:effectLst/>
+                <a:latin typeface="Courier New" panose="02070309020205020404" pitchFamily="49" charset="0"/>
+                <a:cs typeface="Courier New" panose="02070309020205020404" pitchFamily="49" charset="0"/>
+              </a:rPr>
+              <a:t>):</a:t>
+            </a:r>
+            <a:br>
+              <a:rPr kumimoji="0" lang="en-US" altLang="en-US" sz="1200" b="0" i="0" u="none" strike="noStrike" cap="none" normalizeH="0" baseline="0" dirty="0" smtClean="0">
+                <a:ln>
+                  <a:noFill/>
+                </a:ln>
+                <a:solidFill>
+                  <a:srgbClr val="000000"/>
+                </a:solidFill>
+                <a:effectLst/>
+                <a:latin typeface="Courier New" panose="02070309020205020404" pitchFamily="49" charset="0"/>
+                <a:cs typeface="Courier New" panose="02070309020205020404" pitchFamily="49" charset="0"/>
+              </a:rPr>
+            </a:br>
+            <a:r>
+              <a:rPr kumimoji="0" lang="en-US" altLang="en-US" sz="1200" b="0" i="0" u="none" strike="noStrike" cap="none" normalizeH="0" baseline="0" dirty="0" smtClean="0">
+                <a:ln>
+                  <a:noFill/>
+                </a:ln>
+                <a:solidFill>
+                  <a:srgbClr val="000000"/>
+                </a:solidFill>
+                <a:effectLst/>
+                <a:latin typeface="Courier New" panose="02070309020205020404" pitchFamily="49" charset="0"/>
+                <a:cs typeface="Courier New" panose="02070309020205020404" pitchFamily="49" charset="0"/>
+              </a:rPr>
+              <a:t>        </a:t>
+            </a:r>
+            <a:r>
+              <a:rPr kumimoji="0" lang="en-US" altLang="en-US" sz="1200" b="0" i="0" u="none" strike="noStrike" cap="none" normalizeH="0" baseline="0" dirty="0" err="1" smtClean="0">
+                <a:ln>
+                  <a:noFill/>
+                </a:ln>
+                <a:solidFill>
+                  <a:srgbClr val="94558D"/>
+                </a:solidFill>
+                <a:effectLst/>
+                <a:latin typeface="Courier New" panose="02070309020205020404" pitchFamily="49" charset="0"/>
+                <a:cs typeface="Courier New" panose="02070309020205020404" pitchFamily="49" charset="0"/>
+              </a:rPr>
+              <a:t>self</a:t>
+            </a:r>
+            <a:r>
+              <a:rPr kumimoji="0" lang="en-US" altLang="en-US" sz="1200" b="0" i="0" u="none" strike="noStrike" cap="none" normalizeH="0" baseline="0" dirty="0" err="1" smtClean="0">
+                <a:ln>
+                  <a:noFill/>
+                </a:ln>
+                <a:solidFill>
+                  <a:srgbClr val="000000"/>
+                </a:solidFill>
+                <a:effectLst/>
+                <a:latin typeface="Courier New" panose="02070309020205020404" pitchFamily="49" charset="0"/>
+                <a:cs typeface="Courier New" panose="02070309020205020404" pitchFamily="49" charset="0"/>
+              </a:rPr>
+              <a:t>.firstname</a:t>
+            </a:r>
+            <a:r>
+              <a:rPr kumimoji="0" lang="en-US" altLang="en-US" sz="1200" b="0" i="0" u="none" strike="noStrike" cap="none" normalizeH="0" baseline="0" dirty="0" smtClean="0">
+                <a:ln>
+                  <a:noFill/>
+                </a:ln>
+                <a:solidFill>
+                  <a:srgbClr val="000000"/>
+                </a:solidFill>
+                <a:effectLst/>
+                <a:latin typeface="Courier New" panose="02070309020205020404" pitchFamily="49" charset="0"/>
+                <a:cs typeface="Courier New" panose="02070309020205020404" pitchFamily="49" charset="0"/>
+              </a:rPr>
+              <a:t>=</a:t>
+            </a:r>
+            <a:r>
+              <a:rPr kumimoji="0" lang="en-US" altLang="en-US" sz="1200" b="0" i="0" u="none" strike="noStrike" cap="none" normalizeH="0" baseline="0" dirty="0" err="1" smtClean="0">
+                <a:ln>
+                  <a:noFill/>
+                </a:ln>
+                <a:solidFill>
+                  <a:srgbClr val="000000"/>
+                </a:solidFill>
+                <a:effectLst/>
+                <a:latin typeface="Courier New" panose="02070309020205020404" pitchFamily="49" charset="0"/>
+                <a:cs typeface="Courier New" panose="02070309020205020404" pitchFamily="49" charset="0"/>
+              </a:rPr>
+              <a:t>fname</a:t>
+            </a:r>
+            <a:r>
+              <a:rPr kumimoji="0" lang="en-US" altLang="en-US" sz="1200" b="0" i="0" u="none" strike="noStrike" cap="none" normalizeH="0" baseline="0" dirty="0" smtClean="0">
+                <a:ln>
+                  <a:noFill/>
+                </a:ln>
+                <a:solidFill>
+                  <a:srgbClr val="000000"/>
+                </a:solidFill>
+                <a:effectLst/>
+                <a:latin typeface="Courier New" panose="02070309020205020404" pitchFamily="49" charset="0"/>
+                <a:cs typeface="Courier New" panose="02070309020205020404" pitchFamily="49" charset="0"/>
+              </a:rPr>
+              <a:t/>
+            </a:r>
+            <a:br>
+              <a:rPr kumimoji="0" lang="en-US" altLang="en-US" sz="1200" b="0" i="0" u="none" strike="noStrike" cap="none" normalizeH="0" baseline="0" dirty="0" smtClean="0">
+                <a:ln>
+                  <a:noFill/>
+                </a:ln>
+                <a:solidFill>
+                  <a:srgbClr val="000000"/>
+                </a:solidFill>
+                <a:effectLst/>
+                <a:latin typeface="Courier New" panose="02070309020205020404" pitchFamily="49" charset="0"/>
+                <a:cs typeface="Courier New" panose="02070309020205020404" pitchFamily="49" charset="0"/>
+              </a:rPr>
+            </a:br>
+            <a:r>
+              <a:rPr kumimoji="0" lang="en-US" altLang="en-US" sz="1200" b="0" i="0" u="none" strike="noStrike" cap="none" normalizeH="0" baseline="0" dirty="0" smtClean="0">
+                <a:ln>
+                  <a:noFill/>
+                </a:ln>
+                <a:solidFill>
+                  <a:srgbClr val="000000"/>
+                </a:solidFill>
+                <a:effectLst/>
+                <a:latin typeface="Courier New" panose="02070309020205020404" pitchFamily="49" charset="0"/>
+                <a:cs typeface="Courier New" panose="02070309020205020404" pitchFamily="49" charset="0"/>
+              </a:rPr>
+              <a:t>        </a:t>
+            </a:r>
+            <a:r>
+              <a:rPr kumimoji="0" lang="en-US" altLang="en-US" sz="1200" b="0" i="0" u="none" strike="noStrike" cap="none" normalizeH="0" baseline="0" dirty="0" err="1" smtClean="0">
+                <a:ln>
+                  <a:noFill/>
+                </a:ln>
+                <a:solidFill>
+                  <a:srgbClr val="94558D"/>
+                </a:solidFill>
+                <a:effectLst/>
+                <a:latin typeface="Courier New" panose="02070309020205020404" pitchFamily="49" charset="0"/>
+                <a:cs typeface="Courier New" panose="02070309020205020404" pitchFamily="49" charset="0"/>
+              </a:rPr>
+              <a:t>self</a:t>
+            </a:r>
+            <a:r>
+              <a:rPr kumimoji="0" lang="en-US" altLang="en-US" sz="1200" b="0" i="0" u="none" strike="noStrike" cap="none" normalizeH="0" baseline="0" dirty="0" err="1" smtClean="0">
+                <a:ln>
+                  <a:noFill/>
+                </a:ln>
+                <a:solidFill>
+                  <a:srgbClr val="000000"/>
+                </a:solidFill>
+                <a:effectLst/>
+                <a:latin typeface="Courier New" panose="02070309020205020404" pitchFamily="49" charset="0"/>
+                <a:cs typeface="Courier New" panose="02070309020205020404" pitchFamily="49" charset="0"/>
+              </a:rPr>
+              <a:t>.lastname</a:t>
+            </a:r>
+            <a:r>
+              <a:rPr kumimoji="0" lang="en-US" altLang="en-US" sz="1200" b="0" i="0" u="none" strike="noStrike" cap="none" normalizeH="0" baseline="0" dirty="0" smtClean="0">
+                <a:ln>
+                  <a:noFill/>
+                </a:ln>
+                <a:solidFill>
+                  <a:srgbClr val="000000"/>
+                </a:solidFill>
+                <a:effectLst/>
+                <a:latin typeface="Courier New" panose="02070309020205020404" pitchFamily="49" charset="0"/>
+                <a:cs typeface="Courier New" panose="02070309020205020404" pitchFamily="49" charset="0"/>
+              </a:rPr>
+              <a:t>=</a:t>
+            </a:r>
+            <a:r>
+              <a:rPr kumimoji="0" lang="en-US" altLang="en-US" sz="1200" b="0" i="0" u="none" strike="noStrike" cap="none" normalizeH="0" baseline="0" dirty="0" err="1" smtClean="0">
+                <a:ln>
+                  <a:noFill/>
+                </a:ln>
+                <a:solidFill>
+                  <a:srgbClr val="000000"/>
+                </a:solidFill>
+                <a:effectLst/>
+                <a:latin typeface="Courier New" panose="02070309020205020404" pitchFamily="49" charset="0"/>
+                <a:cs typeface="Courier New" panose="02070309020205020404" pitchFamily="49" charset="0"/>
+              </a:rPr>
+              <a:t>lname</a:t>
+            </a:r>
+            <a:r>
+              <a:rPr kumimoji="0" lang="en-US" altLang="en-US" sz="1200" b="0" i="0" u="none" strike="noStrike" cap="none" normalizeH="0" baseline="0" dirty="0" smtClean="0">
+                <a:ln>
+                  <a:noFill/>
+                </a:ln>
+                <a:solidFill>
+                  <a:srgbClr val="000000"/>
+                </a:solidFill>
+                <a:effectLst/>
+                <a:latin typeface="Courier New" panose="02070309020205020404" pitchFamily="49" charset="0"/>
+                <a:cs typeface="Courier New" panose="02070309020205020404" pitchFamily="49" charset="0"/>
+              </a:rPr>
+              <a:t/>
+            </a:r>
+            <a:br>
+              <a:rPr kumimoji="0" lang="en-US" altLang="en-US" sz="1200" b="0" i="0" u="none" strike="noStrike" cap="none" normalizeH="0" baseline="0" dirty="0" smtClean="0">
+                <a:ln>
+                  <a:noFill/>
+                </a:ln>
+                <a:solidFill>
+                  <a:srgbClr val="000000"/>
+                </a:solidFill>
+                <a:effectLst/>
+                <a:latin typeface="Courier New" panose="02070309020205020404" pitchFamily="49" charset="0"/>
+                <a:cs typeface="Courier New" panose="02070309020205020404" pitchFamily="49" charset="0"/>
+              </a:rPr>
+            </a:br>
+            <a:r>
+              <a:rPr kumimoji="0" lang="en-US" altLang="en-US" sz="1200" b="0" i="0" u="none" strike="noStrike" cap="none" normalizeH="0" baseline="0" dirty="0" smtClean="0">
+                <a:ln>
+                  <a:noFill/>
+                </a:ln>
+                <a:solidFill>
+                  <a:srgbClr val="000000"/>
+                </a:solidFill>
+                <a:effectLst/>
+                <a:latin typeface="Courier New" panose="02070309020205020404" pitchFamily="49" charset="0"/>
+                <a:cs typeface="Courier New" panose="02070309020205020404" pitchFamily="49" charset="0"/>
+              </a:rPr>
+              <a:t/>
+            </a:r>
+            <a:br>
+              <a:rPr kumimoji="0" lang="en-US" altLang="en-US" sz="1200" b="0" i="0" u="none" strike="noStrike" cap="none" normalizeH="0" baseline="0" dirty="0" smtClean="0">
+                <a:ln>
+                  <a:noFill/>
+                </a:ln>
+                <a:solidFill>
+                  <a:srgbClr val="000000"/>
+                </a:solidFill>
+                <a:effectLst/>
+                <a:latin typeface="Courier New" panose="02070309020205020404" pitchFamily="49" charset="0"/>
+                <a:cs typeface="Courier New" panose="02070309020205020404" pitchFamily="49" charset="0"/>
+              </a:rPr>
+            </a:br>
+            <a:r>
+              <a:rPr kumimoji="0" lang="en-US" altLang="en-US" sz="1200" b="1" i="0" u="none" strike="noStrike" cap="none" normalizeH="0" baseline="0" dirty="0" smtClean="0">
+                <a:ln>
+                  <a:noFill/>
+                </a:ln>
+                <a:solidFill>
+                  <a:srgbClr val="000080"/>
+                </a:solidFill>
+                <a:effectLst/>
+                <a:latin typeface="Courier New" panose="02070309020205020404" pitchFamily="49" charset="0"/>
+                <a:cs typeface="Courier New" panose="02070309020205020404" pitchFamily="49" charset="0"/>
+              </a:rPr>
+              <a:t>class </a:t>
+            </a:r>
+            <a:r>
+              <a:rPr kumimoji="0" lang="en-US" altLang="en-US" sz="1200" b="0" i="0" u="none" strike="noStrike" cap="none" normalizeH="0" baseline="0" dirty="0" err="1" smtClean="0">
+                <a:ln>
+                  <a:noFill/>
+                </a:ln>
+                <a:solidFill>
+                  <a:srgbClr val="000000"/>
+                </a:solidFill>
+                <a:effectLst/>
+                <a:latin typeface="Courier New" panose="02070309020205020404" pitchFamily="49" charset="0"/>
+                <a:cs typeface="Courier New" panose="02070309020205020404" pitchFamily="49" charset="0"/>
+              </a:rPr>
+              <a:t>BusFee</a:t>
+            </a:r>
+            <a:r>
+              <a:rPr kumimoji="0" lang="en-US" altLang="en-US" sz="1200" b="0" i="0" u="none" strike="noStrike" cap="none" normalizeH="0" baseline="0" dirty="0" smtClean="0">
+                <a:ln>
+                  <a:noFill/>
+                </a:ln>
+                <a:solidFill>
+                  <a:srgbClr val="000000"/>
+                </a:solidFill>
+                <a:effectLst/>
+                <a:latin typeface="Courier New" panose="02070309020205020404" pitchFamily="49" charset="0"/>
+                <a:cs typeface="Courier New" panose="02070309020205020404" pitchFamily="49" charset="0"/>
+              </a:rPr>
+              <a:t>():</a:t>
+            </a:r>
+            <a:br>
+              <a:rPr kumimoji="0" lang="en-US" altLang="en-US" sz="1200" b="0" i="0" u="none" strike="noStrike" cap="none" normalizeH="0" baseline="0" dirty="0" smtClean="0">
+                <a:ln>
+                  <a:noFill/>
+                </a:ln>
+                <a:solidFill>
+                  <a:srgbClr val="000000"/>
+                </a:solidFill>
+                <a:effectLst/>
+                <a:latin typeface="Courier New" panose="02070309020205020404" pitchFamily="49" charset="0"/>
+                <a:cs typeface="Courier New" panose="02070309020205020404" pitchFamily="49" charset="0"/>
+              </a:rPr>
+            </a:br>
+            <a:r>
+              <a:rPr kumimoji="0" lang="en-US" altLang="en-US" sz="1200" b="0" i="0" u="none" strike="noStrike" cap="none" normalizeH="0" baseline="0" dirty="0" smtClean="0">
+                <a:ln>
+                  <a:noFill/>
+                </a:ln>
+                <a:solidFill>
+                  <a:srgbClr val="000000"/>
+                </a:solidFill>
+                <a:effectLst/>
+                <a:latin typeface="Courier New" panose="02070309020205020404" pitchFamily="49" charset="0"/>
+                <a:cs typeface="Courier New" panose="02070309020205020404" pitchFamily="49" charset="0"/>
+              </a:rPr>
+              <a:t>    paid=</a:t>
+            </a:r>
+            <a:r>
+              <a:rPr kumimoji="0" lang="en-US" altLang="en-US" sz="1200" b="1" i="0" u="none" strike="noStrike" cap="none" normalizeH="0" baseline="0" dirty="0" smtClean="0">
+                <a:ln>
+                  <a:noFill/>
+                </a:ln>
+                <a:solidFill>
+                  <a:srgbClr val="008080"/>
+                </a:solidFill>
+                <a:effectLst/>
+                <a:latin typeface="Courier New" panose="02070309020205020404" pitchFamily="49" charset="0"/>
+                <a:cs typeface="Courier New" panose="02070309020205020404" pitchFamily="49" charset="0"/>
+              </a:rPr>
+              <a:t>""</a:t>
+            </a:r>
+            <a:br>
+              <a:rPr kumimoji="0" lang="en-US" altLang="en-US" sz="1200" b="1" i="0" u="none" strike="noStrike" cap="none" normalizeH="0" baseline="0" dirty="0" smtClean="0">
+                <a:ln>
+                  <a:noFill/>
+                </a:ln>
+                <a:solidFill>
+                  <a:srgbClr val="008080"/>
+                </a:solidFill>
+                <a:effectLst/>
+                <a:latin typeface="Courier New" panose="02070309020205020404" pitchFamily="49" charset="0"/>
+                <a:cs typeface="Courier New" panose="02070309020205020404" pitchFamily="49" charset="0"/>
+              </a:rPr>
+            </a:br>
+            <a:r>
+              <a:rPr kumimoji="0" lang="en-US" altLang="en-US" sz="1200" b="1" i="0" u="none" strike="noStrike" cap="none" normalizeH="0" baseline="0" dirty="0" smtClean="0">
+                <a:ln>
+                  <a:noFill/>
+                </a:ln>
+                <a:solidFill>
+                  <a:srgbClr val="008080"/>
+                </a:solidFill>
+                <a:effectLst/>
+                <a:latin typeface="Courier New" panose="02070309020205020404" pitchFamily="49" charset="0"/>
+                <a:cs typeface="Courier New" panose="02070309020205020404" pitchFamily="49" charset="0"/>
+              </a:rPr>
+              <a:t>    </a:t>
+            </a:r>
+            <a:r>
+              <a:rPr kumimoji="0" lang="en-US" altLang="en-US" sz="1200" b="1" i="0" u="none" strike="noStrike" cap="none" normalizeH="0" baseline="0" dirty="0" err="1" smtClean="0">
+                <a:ln>
+                  <a:noFill/>
+                </a:ln>
+                <a:solidFill>
+                  <a:srgbClr val="000080"/>
+                </a:solidFill>
+                <a:effectLst/>
+                <a:latin typeface="Courier New" panose="02070309020205020404" pitchFamily="49" charset="0"/>
+                <a:cs typeface="Courier New" panose="02070309020205020404" pitchFamily="49" charset="0"/>
+              </a:rPr>
+              <a:t>def</a:t>
+            </a:r>
+            <a:r>
+              <a:rPr kumimoji="0" lang="en-US" altLang="en-US" sz="1200" b="1" i="0" u="none" strike="noStrike" cap="none" normalizeH="0" baseline="0" dirty="0" smtClean="0">
+                <a:ln>
+                  <a:noFill/>
+                </a:ln>
+                <a:solidFill>
+                  <a:srgbClr val="000080"/>
+                </a:solidFill>
+                <a:effectLst/>
+                <a:latin typeface="Courier New" panose="02070309020205020404" pitchFamily="49" charset="0"/>
+                <a:cs typeface="Courier New" panose="02070309020205020404" pitchFamily="49" charset="0"/>
+              </a:rPr>
+              <a:t> </a:t>
+            </a:r>
+            <a:r>
+              <a:rPr kumimoji="0" lang="en-US" altLang="en-US" sz="1200" b="0" i="0" u="none" strike="noStrike" cap="none" normalizeH="0" baseline="0" dirty="0" err="1" smtClean="0">
+                <a:ln>
+                  <a:noFill/>
+                </a:ln>
+                <a:solidFill>
+                  <a:srgbClr val="000000"/>
+                </a:solidFill>
+                <a:effectLst/>
+                <a:latin typeface="Courier New" panose="02070309020205020404" pitchFamily="49" charset="0"/>
+                <a:cs typeface="Courier New" panose="02070309020205020404" pitchFamily="49" charset="0"/>
+              </a:rPr>
+              <a:t>setdetails</a:t>
+            </a:r>
+            <a:r>
+              <a:rPr kumimoji="0" lang="en-US" altLang="en-US" sz="1200" b="0" i="0" u="none" strike="noStrike" cap="none" normalizeH="0" baseline="0" dirty="0" smtClean="0">
+                <a:ln>
+                  <a:noFill/>
+                </a:ln>
+                <a:solidFill>
+                  <a:srgbClr val="000000"/>
+                </a:solidFill>
+                <a:effectLst/>
+                <a:latin typeface="Courier New" panose="02070309020205020404" pitchFamily="49" charset="0"/>
+                <a:cs typeface="Courier New" panose="02070309020205020404" pitchFamily="49" charset="0"/>
+              </a:rPr>
+              <a:t>(</a:t>
+            </a:r>
+            <a:r>
+              <a:rPr kumimoji="0" lang="en-US" altLang="en-US" sz="1200" b="0" i="0" u="none" strike="noStrike" cap="none" normalizeH="0" baseline="0" dirty="0" err="1" smtClean="0">
+                <a:ln>
+                  <a:noFill/>
+                </a:ln>
+                <a:solidFill>
+                  <a:srgbClr val="94558D"/>
+                </a:solidFill>
+                <a:effectLst/>
+                <a:latin typeface="Courier New" panose="02070309020205020404" pitchFamily="49" charset="0"/>
+                <a:cs typeface="Courier New" panose="02070309020205020404" pitchFamily="49" charset="0"/>
+              </a:rPr>
+              <a:t>self</a:t>
+            </a:r>
+            <a:r>
+              <a:rPr kumimoji="0" lang="en-US" altLang="en-US" sz="1200" b="0" i="0" u="none" strike="noStrike" cap="none" normalizeH="0" baseline="0" dirty="0" err="1" smtClean="0">
+                <a:ln>
+                  <a:noFill/>
+                </a:ln>
+                <a:solidFill>
+                  <a:srgbClr val="000000"/>
+                </a:solidFill>
+                <a:effectLst/>
+                <a:latin typeface="Courier New" panose="02070309020205020404" pitchFamily="49" charset="0"/>
+                <a:cs typeface="Courier New" panose="02070309020205020404" pitchFamily="49" charset="0"/>
+              </a:rPr>
+              <a:t>,status</a:t>
+            </a:r>
+            <a:r>
+              <a:rPr kumimoji="0" lang="en-US" altLang="en-US" sz="1200" b="0" i="0" u="none" strike="noStrike" cap="none" normalizeH="0" baseline="0" dirty="0" smtClean="0">
+                <a:ln>
+                  <a:noFill/>
+                </a:ln>
+                <a:solidFill>
+                  <a:srgbClr val="000000"/>
+                </a:solidFill>
+                <a:effectLst/>
+                <a:latin typeface="Courier New" panose="02070309020205020404" pitchFamily="49" charset="0"/>
+                <a:cs typeface="Courier New" panose="02070309020205020404" pitchFamily="49" charset="0"/>
+              </a:rPr>
+              <a:t>):</a:t>
+            </a:r>
+            <a:br>
+              <a:rPr kumimoji="0" lang="en-US" altLang="en-US" sz="1200" b="0" i="0" u="none" strike="noStrike" cap="none" normalizeH="0" baseline="0" dirty="0" smtClean="0">
+                <a:ln>
+                  <a:noFill/>
+                </a:ln>
+                <a:solidFill>
+                  <a:srgbClr val="000000"/>
+                </a:solidFill>
+                <a:effectLst/>
+                <a:latin typeface="Courier New" panose="02070309020205020404" pitchFamily="49" charset="0"/>
+                <a:cs typeface="Courier New" panose="02070309020205020404" pitchFamily="49" charset="0"/>
+              </a:rPr>
+            </a:br>
+            <a:r>
+              <a:rPr kumimoji="0" lang="en-US" altLang="en-US" sz="1200" b="0" i="0" u="none" strike="noStrike" cap="none" normalizeH="0" baseline="0" dirty="0" smtClean="0">
+                <a:ln>
+                  <a:noFill/>
+                </a:ln>
+                <a:solidFill>
+                  <a:srgbClr val="000000"/>
+                </a:solidFill>
+                <a:effectLst/>
+                <a:latin typeface="Courier New" panose="02070309020205020404" pitchFamily="49" charset="0"/>
+                <a:cs typeface="Courier New" panose="02070309020205020404" pitchFamily="49" charset="0"/>
+              </a:rPr>
+              <a:t>        </a:t>
+            </a:r>
+            <a:r>
+              <a:rPr kumimoji="0" lang="en-US" altLang="en-US" sz="1200" b="0" i="0" u="none" strike="noStrike" cap="none" normalizeH="0" baseline="0" dirty="0" err="1" smtClean="0">
+                <a:ln>
+                  <a:noFill/>
+                </a:ln>
+                <a:solidFill>
+                  <a:srgbClr val="94558D"/>
+                </a:solidFill>
+                <a:effectLst/>
+                <a:latin typeface="Courier New" panose="02070309020205020404" pitchFamily="49" charset="0"/>
+                <a:cs typeface="Courier New" panose="02070309020205020404" pitchFamily="49" charset="0"/>
+              </a:rPr>
+              <a:t>self</a:t>
+            </a:r>
+            <a:r>
+              <a:rPr kumimoji="0" lang="en-US" altLang="en-US" sz="1200" b="0" i="0" u="none" strike="noStrike" cap="none" normalizeH="0" baseline="0" dirty="0" err="1" smtClean="0">
+                <a:ln>
+                  <a:noFill/>
+                </a:ln>
+                <a:solidFill>
+                  <a:srgbClr val="000000"/>
+                </a:solidFill>
+                <a:effectLst/>
+                <a:latin typeface="Courier New" panose="02070309020205020404" pitchFamily="49" charset="0"/>
+                <a:cs typeface="Courier New" panose="02070309020205020404" pitchFamily="49" charset="0"/>
+              </a:rPr>
+              <a:t>.paid</a:t>
+            </a:r>
+            <a:r>
+              <a:rPr kumimoji="0" lang="en-US" altLang="en-US" sz="1200" b="0" i="0" u="none" strike="noStrike" cap="none" normalizeH="0" baseline="0" dirty="0" smtClean="0">
+                <a:ln>
+                  <a:noFill/>
+                </a:ln>
+                <a:solidFill>
+                  <a:srgbClr val="000000"/>
+                </a:solidFill>
+                <a:effectLst/>
+                <a:latin typeface="Courier New" panose="02070309020205020404" pitchFamily="49" charset="0"/>
+                <a:cs typeface="Courier New" panose="02070309020205020404" pitchFamily="49" charset="0"/>
+              </a:rPr>
+              <a:t>=status</a:t>
+            </a:r>
+            <a:br>
+              <a:rPr kumimoji="0" lang="en-US" altLang="en-US" sz="1200" b="0" i="0" u="none" strike="noStrike" cap="none" normalizeH="0" baseline="0" dirty="0" smtClean="0">
+                <a:ln>
+                  <a:noFill/>
+                </a:ln>
+                <a:solidFill>
+                  <a:srgbClr val="000000"/>
+                </a:solidFill>
+                <a:effectLst/>
+                <a:latin typeface="Courier New" panose="02070309020205020404" pitchFamily="49" charset="0"/>
+                <a:cs typeface="Courier New" panose="02070309020205020404" pitchFamily="49" charset="0"/>
+              </a:rPr>
+            </a:br>
+            <a:r>
+              <a:rPr kumimoji="0" lang="en-US" altLang="en-US" sz="1200" b="0" i="0" u="none" strike="noStrike" cap="none" normalizeH="0" baseline="0" dirty="0" smtClean="0">
+                <a:ln>
+                  <a:noFill/>
+                </a:ln>
+                <a:solidFill>
+                  <a:srgbClr val="000000"/>
+                </a:solidFill>
+                <a:effectLst/>
+                <a:latin typeface="Courier New" panose="02070309020205020404" pitchFamily="49" charset="0"/>
+                <a:cs typeface="Courier New" panose="02070309020205020404" pitchFamily="49" charset="0"/>
+              </a:rPr>
+              <a:t/>
+            </a:r>
+            <a:br>
+              <a:rPr kumimoji="0" lang="en-US" altLang="en-US" sz="1200" b="0" i="0" u="none" strike="noStrike" cap="none" normalizeH="0" baseline="0" dirty="0" smtClean="0">
+                <a:ln>
+                  <a:noFill/>
+                </a:ln>
+                <a:solidFill>
+                  <a:srgbClr val="000000"/>
+                </a:solidFill>
+                <a:effectLst/>
+                <a:latin typeface="Courier New" panose="02070309020205020404" pitchFamily="49" charset="0"/>
+                <a:cs typeface="Courier New" panose="02070309020205020404" pitchFamily="49" charset="0"/>
+              </a:rPr>
+            </a:br>
+            <a:r>
+              <a:rPr kumimoji="0" lang="en-US" altLang="en-US" sz="1200" b="1" i="0" u="none" strike="noStrike" cap="none" normalizeH="0" baseline="0" dirty="0" smtClean="0">
+                <a:ln>
+                  <a:noFill/>
+                </a:ln>
+                <a:solidFill>
+                  <a:srgbClr val="000080"/>
+                </a:solidFill>
+                <a:effectLst/>
+                <a:latin typeface="Courier New" panose="02070309020205020404" pitchFamily="49" charset="0"/>
+                <a:cs typeface="Courier New" panose="02070309020205020404" pitchFamily="49" charset="0"/>
+              </a:rPr>
+              <a:t>class </a:t>
+            </a:r>
+            <a:r>
+              <a:rPr kumimoji="0" lang="en-US" altLang="en-US" sz="1200" b="0" i="0" u="none" strike="noStrike" cap="none" normalizeH="0" baseline="0" dirty="0" err="1" smtClean="0">
+                <a:ln>
+                  <a:noFill/>
+                </a:ln>
+                <a:solidFill>
+                  <a:srgbClr val="000000"/>
+                </a:solidFill>
+                <a:effectLst/>
+                <a:latin typeface="Courier New" panose="02070309020205020404" pitchFamily="49" charset="0"/>
+                <a:cs typeface="Courier New" panose="02070309020205020404" pitchFamily="49" charset="0"/>
+              </a:rPr>
+              <a:t>CompleteDetails</a:t>
+            </a:r>
+            <a:r>
+              <a:rPr kumimoji="0" lang="en-US" altLang="en-US" sz="1200" b="0" i="0" u="none" strike="noStrike" cap="none" normalizeH="0" baseline="0" dirty="0" smtClean="0">
+                <a:ln>
+                  <a:noFill/>
+                </a:ln>
+                <a:solidFill>
+                  <a:srgbClr val="000000"/>
+                </a:solidFill>
+                <a:effectLst/>
+                <a:latin typeface="Courier New" panose="02070309020205020404" pitchFamily="49" charset="0"/>
+                <a:cs typeface="Courier New" panose="02070309020205020404" pitchFamily="49" charset="0"/>
+              </a:rPr>
+              <a:t>(</a:t>
+            </a:r>
+            <a:r>
+              <a:rPr kumimoji="0" lang="en-US" altLang="en-US" sz="1200" b="0" i="0" u="none" strike="noStrike" cap="none" normalizeH="0" baseline="0" dirty="0" err="1" smtClean="0">
+                <a:ln>
+                  <a:noFill/>
+                </a:ln>
+                <a:solidFill>
+                  <a:srgbClr val="000000"/>
+                </a:solidFill>
+                <a:effectLst/>
+                <a:latin typeface="Courier New" panose="02070309020205020404" pitchFamily="49" charset="0"/>
+                <a:cs typeface="Courier New" panose="02070309020205020404" pitchFamily="49" charset="0"/>
+              </a:rPr>
+              <a:t>Student,BusFee</a:t>
+            </a:r>
+            <a:r>
+              <a:rPr kumimoji="0" lang="en-US" altLang="en-US" sz="1200" b="0" i="0" u="none" strike="noStrike" cap="none" normalizeH="0" baseline="0" dirty="0" smtClean="0">
+                <a:ln>
+                  <a:noFill/>
+                </a:ln>
+                <a:solidFill>
+                  <a:srgbClr val="000000"/>
+                </a:solidFill>
+                <a:effectLst/>
+                <a:latin typeface="Courier New" panose="02070309020205020404" pitchFamily="49" charset="0"/>
+                <a:cs typeface="Courier New" panose="02070309020205020404" pitchFamily="49" charset="0"/>
+              </a:rPr>
+              <a:t>):</a:t>
+            </a:r>
+            <a:br>
+              <a:rPr kumimoji="0" lang="en-US" altLang="en-US" sz="1200" b="0" i="0" u="none" strike="noStrike" cap="none" normalizeH="0" baseline="0" dirty="0" smtClean="0">
+                <a:ln>
+                  <a:noFill/>
+                </a:ln>
+                <a:solidFill>
+                  <a:srgbClr val="000000"/>
+                </a:solidFill>
+                <a:effectLst/>
+                <a:latin typeface="Courier New" panose="02070309020205020404" pitchFamily="49" charset="0"/>
+                <a:cs typeface="Courier New" panose="02070309020205020404" pitchFamily="49" charset="0"/>
+              </a:rPr>
+            </a:br>
+            <a:r>
+              <a:rPr kumimoji="0" lang="en-US" altLang="en-US" sz="1200" b="0" i="0" u="none" strike="noStrike" cap="none" normalizeH="0" baseline="0" dirty="0" smtClean="0">
+                <a:ln>
+                  <a:noFill/>
+                </a:ln>
+                <a:solidFill>
+                  <a:srgbClr val="000000"/>
+                </a:solidFill>
+                <a:effectLst/>
+                <a:latin typeface="Courier New" panose="02070309020205020404" pitchFamily="49" charset="0"/>
+                <a:cs typeface="Courier New" panose="02070309020205020404" pitchFamily="49" charset="0"/>
+              </a:rPr>
+              <a:t>    </a:t>
+            </a:r>
+            <a:r>
+              <a:rPr kumimoji="0" lang="en-US" altLang="en-US" sz="1200" b="1" i="0" u="none" strike="noStrike" cap="none" normalizeH="0" baseline="0" dirty="0" err="1" smtClean="0">
+                <a:ln>
+                  <a:noFill/>
+                </a:ln>
+                <a:solidFill>
+                  <a:srgbClr val="000080"/>
+                </a:solidFill>
+                <a:effectLst/>
+                <a:latin typeface="Courier New" panose="02070309020205020404" pitchFamily="49" charset="0"/>
+                <a:cs typeface="Courier New" panose="02070309020205020404" pitchFamily="49" charset="0"/>
+              </a:rPr>
+              <a:t>def</a:t>
+            </a:r>
+            <a:r>
+              <a:rPr kumimoji="0" lang="en-US" altLang="en-US" sz="1200" b="1" i="0" u="none" strike="noStrike" cap="none" normalizeH="0" baseline="0" dirty="0" smtClean="0">
+                <a:ln>
+                  <a:noFill/>
+                </a:ln>
+                <a:solidFill>
+                  <a:srgbClr val="000080"/>
+                </a:solidFill>
+                <a:effectLst/>
+                <a:latin typeface="Courier New" panose="02070309020205020404" pitchFamily="49" charset="0"/>
+                <a:cs typeface="Courier New" panose="02070309020205020404" pitchFamily="49" charset="0"/>
+              </a:rPr>
+              <a:t> </a:t>
+            </a:r>
+            <a:r>
+              <a:rPr kumimoji="0" lang="en-US" altLang="en-US" sz="1200" b="0" i="0" u="none" strike="noStrike" cap="none" normalizeH="0" baseline="0" dirty="0" smtClean="0">
+                <a:ln>
+                  <a:noFill/>
+                </a:ln>
+                <a:solidFill>
+                  <a:srgbClr val="000000"/>
+                </a:solidFill>
+                <a:effectLst/>
+                <a:latin typeface="Courier New" panose="02070309020205020404" pitchFamily="49" charset="0"/>
+                <a:cs typeface="Courier New" panose="02070309020205020404" pitchFamily="49" charset="0"/>
+              </a:rPr>
+              <a:t>details(</a:t>
+            </a:r>
+            <a:r>
+              <a:rPr kumimoji="0" lang="en-US" altLang="en-US" sz="1200" b="0" i="0" u="none" strike="noStrike" cap="none" normalizeH="0" baseline="0" dirty="0" smtClean="0">
+                <a:ln>
+                  <a:noFill/>
+                </a:ln>
+                <a:solidFill>
+                  <a:srgbClr val="94558D"/>
+                </a:solidFill>
+                <a:effectLst/>
+                <a:latin typeface="Courier New" panose="02070309020205020404" pitchFamily="49" charset="0"/>
+                <a:cs typeface="Courier New" panose="02070309020205020404" pitchFamily="49" charset="0"/>
+              </a:rPr>
+              <a:t>self</a:t>
+            </a:r>
+            <a:r>
+              <a:rPr kumimoji="0" lang="en-US" altLang="en-US" sz="1200" b="0" i="0" u="none" strike="noStrike" cap="none" normalizeH="0" baseline="0" dirty="0" smtClean="0">
+                <a:ln>
+                  <a:noFill/>
+                </a:ln>
+                <a:solidFill>
+                  <a:srgbClr val="000000"/>
+                </a:solidFill>
+                <a:effectLst/>
+                <a:latin typeface="Courier New" panose="02070309020205020404" pitchFamily="49" charset="0"/>
+                <a:cs typeface="Courier New" panose="02070309020205020404" pitchFamily="49" charset="0"/>
+              </a:rPr>
+              <a:t>):</a:t>
+            </a:r>
+            <a:br>
+              <a:rPr kumimoji="0" lang="en-US" altLang="en-US" sz="1200" b="0" i="0" u="none" strike="noStrike" cap="none" normalizeH="0" baseline="0" dirty="0" smtClean="0">
+                <a:ln>
+                  <a:noFill/>
+                </a:ln>
+                <a:solidFill>
+                  <a:srgbClr val="000000"/>
+                </a:solidFill>
+                <a:effectLst/>
+                <a:latin typeface="Courier New" panose="02070309020205020404" pitchFamily="49" charset="0"/>
+                <a:cs typeface="Courier New" panose="02070309020205020404" pitchFamily="49" charset="0"/>
+              </a:rPr>
+            </a:br>
+            <a:r>
+              <a:rPr kumimoji="0" lang="en-US" altLang="en-US" sz="1200" b="0" i="0" u="none" strike="noStrike" cap="none" normalizeH="0" baseline="0" dirty="0" smtClean="0">
+                <a:ln>
+                  <a:noFill/>
+                </a:ln>
+                <a:solidFill>
+                  <a:srgbClr val="000000"/>
+                </a:solidFill>
+                <a:effectLst/>
+                <a:latin typeface="Courier New" panose="02070309020205020404" pitchFamily="49" charset="0"/>
+                <a:cs typeface="Courier New" panose="02070309020205020404" pitchFamily="49" charset="0"/>
+              </a:rPr>
+              <a:t>        </a:t>
+            </a:r>
+            <a:r>
+              <a:rPr kumimoji="0" lang="en-US" altLang="en-US" sz="1200" b="1" i="0" u="none" strike="noStrike" cap="none" normalizeH="0" baseline="0" dirty="0" smtClean="0">
+                <a:ln>
+                  <a:noFill/>
+                </a:ln>
+                <a:solidFill>
+                  <a:srgbClr val="000080"/>
+                </a:solidFill>
+                <a:effectLst/>
+                <a:latin typeface="Courier New" panose="02070309020205020404" pitchFamily="49" charset="0"/>
+                <a:cs typeface="Courier New" panose="02070309020205020404" pitchFamily="49" charset="0"/>
+              </a:rPr>
+              <a:t>return </a:t>
+            </a:r>
+            <a:r>
+              <a:rPr kumimoji="0" lang="en-US" altLang="en-US" sz="1200" b="0" i="0" u="none" strike="noStrike" cap="none" normalizeH="0" baseline="0" dirty="0" err="1" smtClean="0">
+                <a:ln>
+                  <a:noFill/>
+                </a:ln>
+                <a:solidFill>
+                  <a:srgbClr val="94558D"/>
+                </a:solidFill>
+                <a:effectLst/>
+                <a:latin typeface="Courier New" panose="02070309020205020404" pitchFamily="49" charset="0"/>
+                <a:cs typeface="Courier New" panose="02070309020205020404" pitchFamily="49" charset="0"/>
+              </a:rPr>
+              <a:t>self</a:t>
+            </a:r>
+            <a:r>
+              <a:rPr kumimoji="0" lang="en-US" altLang="en-US" sz="1200" b="0" i="0" u="none" strike="noStrike" cap="none" normalizeH="0" baseline="0" dirty="0" err="1" smtClean="0">
+                <a:ln>
+                  <a:noFill/>
+                </a:ln>
+                <a:solidFill>
+                  <a:srgbClr val="000000"/>
+                </a:solidFill>
+                <a:effectLst/>
+                <a:latin typeface="Courier New" panose="02070309020205020404" pitchFamily="49" charset="0"/>
+                <a:cs typeface="Courier New" panose="02070309020205020404" pitchFamily="49" charset="0"/>
+              </a:rPr>
+              <a:t>.schoolname</a:t>
+            </a:r>
+            <a:r>
+              <a:rPr kumimoji="0" lang="en-US" altLang="en-US" sz="1200" b="0" i="0" u="none" strike="noStrike" cap="none" normalizeH="0" baseline="0" dirty="0" smtClean="0">
+                <a:ln>
+                  <a:noFill/>
+                </a:ln>
+                <a:solidFill>
+                  <a:srgbClr val="000000"/>
+                </a:solidFill>
+                <a:effectLst/>
+                <a:latin typeface="Courier New" panose="02070309020205020404" pitchFamily="49" charset="0"/>
+                <a:cs typeface="Courier New" panose="02070309020205020404" pitchFamily="49" charset="0"/>
+              </a:rPr>
+              <a:t>+</a:t>
+            </a:r>
+            <a:r>
+              <a:rPr kumimoji="0" lang="en-US" altLang="en-US" sz="1200" b="1" i="0" u="none" strike="noStrike" cap="none" normalizeH="0" baseline="0" dirty="0" smtClean="0">
+                <a:ln>
+                  <a:noFill/>
+                </a:ln>
+                <a:solidFill>
+                  <a:srgbClr val="008080"/>
+                </a:solidFill>
+                <a:effectLst/>
+                <a:latin typeface="Courier New" panose="02070309020205020404" pitchFamily="49" charset="0"/>
+                <a:cs typeface="Courier New" panose="02070309020205020404" pitchFamily="49" charset="0"/>
+              </a:rPr>
+              <a:t>"- "</a:t>
+            </a:r>
+            <a:r>
+              <a:rPr kumimoji="0" lang="en-US" altLang="en-US" sz="1200" b="0" i="0" u="none" strike="noStrike" cap="none" normalizeH="0" baseline="0" dirty="0" smtClean="0">
+                <a:ln>
+                  <a:noFill/>
+                </a:ln>
+                <a:solidFill>
+                  <a:srgbClr val="000000"/>
+                </a:solidFill>
+                <a:effectLst/>
+                <a:latin typeface="Courier New" panose="02070309020205020404" pitchFamily="49" charset="0"/>
+                <a:cs typeface="Courier New" panose="02070309020205020404" pitchFamily="49" charset="0"/>
+              </a:rPr>
+              <a:t>+</a:t>
+            </a:r>
+            <a:r>
+              <a:rPr kumimoji="0" lang="en-US" altLang="en-US" sz="1200" b="0" i="0" u="none" strike="noStrike" cap="none" normalizeH="0" baseline="0" dirty="0" err="1" smtClean="0">
+                <a:ln>
+                  <a:noFill/>
+                </a:ln>
+                <a:solidFill>
+                  <a:srgbClr val="94558D"/>
+                </a:solidFill>
+                <a:effectLst/>
+                <a:latin typeface="Courier New" panose="02070309020205020404" pitchFamily="49" charset="0"/>
+                <a:cs typeface="Courier New" panose="02070309020205020404" pitchFamily="49" charset="0"/>
+              </a:rPr>
+              <a:t>self</a:t>
+            </a:r>
+            <a:r>
+              <a:rPr kumimoji="0" lang="en-US" altLang="en-US" sz="1200" b="0" i="0" u="none" strike="noStrike" cap="none" normalizeH="0" baseline="0" dirty="0" err="1" smtClean="0">
+                <a:ln>
+                  <a:noFill/>
+                </a:ln>
+                <a:solidFill>
+                  <a:srgbClr val="000000"/>
+                </a:solidFill>
+                <a:effectLst/>
+                <a:latin typeface="Courier New" panose="02070309020205020404" pitchFamily="49" charset="0"/>
+                <a:cs typeface="Courier New" panose="02070309020205020404" pitchFamily="49" charset="0"/>
+              </a:rPr>
+              <a:t>.firstname</a:t>
+            </a:r>
+            <a:r>
+              <a:rPr kumimoji="0" lang="en-US" altLang="en-US" sz="1200" b="0" i="0" u="none" strike="noStrike" cap="none" normalizeH="0" baseline="0" dirty="0" smtClean="0">
+                <a:ln>
+                  <a:noFill/>
+                </a:ln>
+                <a:solidFill>
+                  <a:srgbClr val="000000"/>
+                </a:solidFill>
+                <a:effectLst/>
+                <a:latin typeface="Courier New" panose="02070309020205020404" pitchFamily="49" charset="0"/>
+                <a:cs typeface="Courier New" panose="02070309020205020404" pitchFamily="49" charset="0"/>
+              </a:rPr>
+              <a:t>+</a:t>
+            </a:r>
+            <a:r>
+              <a:rPr kumimoji="0" lang="en-US" altLang="en-US" sz="1200" b="1" i="0" u="none" strike="noStrike" cap="none" normalizeH="0" baseline="0" dirty="0" smtClean="0">
+                <a:ln>
+                  <a:noFill/>
+                </a:ln>
+                <a:solidFill>
+                  <a:srgbClr val="008080"/>
+                </a:solidFill>
+                <a:effectLst/>
+                <a:latin typeface="Courier New" panose="02070309020205020404" pitchFamily="49" charset="0"/>
+                <a:cs typeface="Courier New" panose="02070309020205020404" pitchFamily="49" charset="0"/>
+              </a:rPr>
+              <a:t>", "</a:t>
+            </a:r>
+            <a:r>
+              <a:rPr kumimoji="0" lang="en-US" altLang="en-US" sz="1200" b="0" i="0" u="none" strike="noStrike" cap="none" normalizeH="0" baseline="0" dirty="0" smtClean="0">
+                <a:ln>
+                  <a:noFill/>
+                </a:ln>
+                <a:solidFill>
+                  <a:srgbClr val="000000"/>
+                </a:solidFill>
+                <a:effectLst/>
+                <a:latin typeface="Courier New" panose="02070309020205020404" pitchFamily="49" charset="0"/>
+                <a:cs typeface="Courier New" panose="02070309020205020404" pitchFamily="49" charset="0"/>
+              </a:rPr>
+              <a:t>+</a:t>
+            </a:r>
+            <a:r>
+              <a:rPr kumimoji="0" lang="en-US" altLang="en-US" sz="1200" b="0" i="0" u="none" strike="noStrike" cap="none" normalizeH="0" baseline="0" dirty="0" err="1" smtClean="0">
+                <a:ln>
+                  <a:noFill/>
+                </a:ln>
+                <a:solidFill>
+                  <a:srgbClr val="94558D"/>
+                </a:solidFill>
+                <a:effectLst/>
+                <a:latin typeface="Courier New" panose="02070309020205020404" pitchFamily="49" charset="0"/>
+                <a:cs typeface="Courier New" panose="02070309020205020404" pitchFamily="49" charset="0"/>
+              </a:rPr>
+              <a:t>self</a:t>
+            </a:r>
+            <a:r>
+              <a:rPr kumimoji="0" lang="en-US" altLang="en-US" sz="1200" b="0" i="0" u="none" strike="noStrike" cap="none" normalizeH="0" baseline="0" dirty="0" err="1" smtClean="0">
+                <a:ln>
+                  <a:noFill/>
+                </a:ln>
+                <a:solidFill>
+                  <a:srgbClr val="000000"/>
+                </a:solidFill>
+                <a:effectLst/>
+                <a:latin typeface="Courier New" panose="02070309020205020404" pitchFamily="49" charset="0"/>
+                <a:cs typeface="Courier New" panose="02070309020205020404" pitchFamily="49" charset="0"/>
+              </a:rPr>
+              <a:t>.lastname</a:t>
+            </a:r>
+            <a:r>
+              <a:rPr kumimoji="0" lang="en-US" altLang="en-US" sz="1200" b="0" i="0" u="none" strike="noStrike" cap="none" normalizeH="0" baseline="0" dirty="0" smtClean="0">
+                <a:ln>
+                  <a:noFill/>
+                </a:ln>
+                <a:solidFill>
+                  <a:srgbClr val="000000"/>
+                </a:solidFill>
+                <a:effectLst/>
+                <a:latin typeface="Courier New" panose="02070309020205020404" pitchFamily="49" charset="0"/>
+                <a:cs typeface="Courier New" panose="02070309020205020404" pitchFamily="49" charset="0"/>
+              </a:rPr>
+              <a:t>+</a:t>
+            </a:r>
+            <a:r>
+              <a:rPr kumimoji="0" lang="en-US" altLang="en-US" sz="1200" b="1" i="0" u="none" strike="noStrike" cap="none" normalizeH="0" baseline="0" dirty="0" smtClean="0">
+                <a:ln>
+                  <a:noFill/>
+                </a:ln>
+                <a:solidFill>
+                  <a:srgbClr val="008080"/>
+                </a:solidFill>
+                <a:effectLst/>
+                <a:latin typeface="Courier New" panose="02070309020205020404" pitchFamily="49" charset="0"/>
+                <a:cs typeface="Courier New" panose="02070309020205020404" pitchFamily="49" charset="0"/>
+              </a:rPr>
+              <a:t>" Bus Fee Status: "</a:t>
+            </a:r>
+            <a:r>
+              <a:rPr kumimoji="0" lang="en-US" altLang="en-US" sz="1200" b="0" i="0" u="none" strike="noStrike" cap="none" normalizeH="0" baseline="0" dirty="0" smtClean="0">
+                <a:ln>
+                  <a:noFill/>
+                </a:ln>
+                <a:solidFill>
+                  <a:srgbClr val="000000"/>
+                </a:solidFill>
+                <a:effectLst/>
+                <a:latin typeface="Courier New" panose="02070309020205020404" pitchFamily="49" charset="0"/>
+                <a:cs typeface="Courier New" panose="02070309020205020404" pitchFamily="49" charset="0"/>
+              </a:rPr>
+              <a:t>+</a:t>
+            </a:r>
+            <a:r>
+              <a:rPr kumimoji="0" lang="en-US" altLang="en-US" sz="1200" b="0" i="0" u="none" strike="noStrike" cap="none" normalizeH="0" baseline="0" dirty="0" err="1" smtClean="0">
+                <a:ln>
+                  <a:noFill/>
+                </a:ln>
+                <a:solidFill>
+                  <a:srgbClr val="94558D"/>
+                </a:solidFill>
+                <a:effectLst/>
+                <a:latin typeface="Courier New" panose="02070309020205020404" pitchFamily="49" charset="0"/>
+                <a:cs typeface="Courier New" panose="02070309020205020404" pitchFamily="49" charset="0"/>
+              </a:rPr>
+              <a:t>self</a:t>
+            </a:r>
+            <a:r>
+              <a:rPr kumimoji="0" lang="en-US" altLang="en-US" sz="1200" b="0" i="0" u="none" strike="noStrike" cap="none" normalizeH="0" baseline="0" dirty="0" err="1" smtClean="0">
+                <a:ln>
+                  <a:noFill/>
+                </a:ln>
+                <a:solidFill>
+                  <a:srgbClr val="000000"/>
+                </a:solidFill>
+                <a:effectLst/>
+                <a:latin typeface="Courier New" panose="02070309020205020404" pitchFamily="49" charset="0"/>
+                <a:cs typeface="Courier New" panose="02070309020205020404" pitchFamily="49" charset="0"/>
+              </a:rPr>
+              <a:t>.paid</a:t>
+            </a:r>
+            <a:r>
+              <a:rPr kumimoji="0" lang="en-US" altLang="en-US" sz="1200" b="0" i="0" u="none" strike="noStrike" cap="none" normalizeH="0" baseline="0" dirty="0" smtClean="0">
+                <a:ln>
+                  <a:noFill/>
+                </a:ln>
+                <a:solidFill>
+                  <a:srgbClr val="000000"/>
+                </a:solidFill>
+                <a:effectLst/>
+                <a:latin typeface="Courier New" panose="02070309020205020404" pitchFamily="49" charset="0"/>
+                <a:cs typeface="Courier New" panose="02070309020205020404" pitchFamily="49" charset="0"/>
+              </a:rPr>
+              <a:t/>
+            </a:r>
+            <a:br>
+              <a:rPr kumimoji="0" lang="en-US" altLang="en-US" sz="1200" b="0" i="0" u="none" strike="noStrike" cap="none" normalizeH="0" baseline="0" dirty="0" smtClean="0">
+                <a:ln>
+                  <a:noFill/>
+                </a:ln>
+                <a:solidFill>
+                  <a:srgbClr val="000000"/>
+                </a:solidFill>
+                <a:effectLst/>
+                <a:latin typeface="Courier New" panose="02070309020205020404" pitchFamily="49" charset="0"/>
+                <a:cs typeface="Courier New" panose="02070309020205020404" pitchFamily="49" charset="0"/>
+              </a:rPr>
+            </a:br>
+            <a:r>
+              <a:rPr kumimoji="0" lang="en-US" altLang="en-US" sz="1200" b="0" i="0" u="none" strike="noStrike" cap="none" normalizeH="0" baseline="0" dirty="0" smtClean="0">
+                <a:ln>
+                  <a:noFill/>
+                </a:ln>
+                <a:solidFill>
+                  <a:srgbClr val="000000"/>
+                </a:solidFill>
+                <a:effectLst/>
+                <a:latin typeface="Courier New" panose="02070309020205020404" pitchFamily="49" charset="0"/>
+                <a:cs typeface="Courier New" panose="02070309020205020404" pitchFamily="49" charset="0"/>
+              </a:rPr>
+              <a:t/>
+            </a:r>
+            <a:br>
+              <a:rPr kumimoji="0" lang="en-US" altLang="en-US" sz="1200" b="0" i="0" u="none" strike="noStrike" cap="none" normalizeH="0" baseline="0" dirty="0" smtClean="0">
+                <a:ln>
+                  <a:noFill/>
+                </a:ln>
+                <a:solidFill>
+                  <a:srgbClr val="000000"/>
+                </a:solidFill>
+                <a:effectLst/>
+                <a:latin typeface="Courier New" panose="02070309020205020404" pitchFamily="49" charset="0"/>
+                <a:cs typeface="Courier New" panose="02070309020205020404" pitchFamily="49" charset="0"/>
+              </a:rPr>
+            </a:br>
+            <a:r>
+              <a:rPr kumimoji="0" lang="en-US" altLang="en-US" sz="1200" b="0" i="0" u="none" strike="noStrike" cap="none" normalizeH="0" baseline="0" dirty="0" smtClean="0">
+                <a:ln>
+                  <a:noFill/>
+                </a:ln>
+                <a:solidFill>
+                  <a:srgbClr val="000000"/>
+                </a:solidFill>
+                <a:effectLst/>
+                <a:latin typeface="Courier New" panose="02070309020205020404" pitchFamily="49" charset="0"/>
+                <a:cs typeface="Courier New" panose="02070309020205020404" pitchFamily="49" charset="0"/>
+              </a:rPr>
+              <a:t>s1=</a:t>
+            </a:r>
+            <a:r>
+              <a:rPr kumimoji="0" lang="en-US" altLang="en-US" sz="1200" b="0" i="0" u="none" strike="noStrike" cap="none" normalizeH="0" baseline="0" dirty="0" err="1" smtClean="0">
+                <a:ln>
+                  <a:noFill/>
+                </a:ln>
+                <a:solidFill>
+                  <a:srgbClr val="000000"/>
+                </a:solidFill>
+                <a:effectLst/>
+                <a:latin typeface="Courier New" panose="02070309020205020404" pitchFamily="49" charset="0"/>
+                <a:cs typeface="Courier New" panose="02070309020205020404" pitchFamily="49" charset="0"/>
+              </a:rPr>
+              <a:t>CompleteDetails</a:t>
+            </a:r>
+            <a:r>
+              <a:rPr kumimoji="0" lang="en-US" altLang="en-US" sz="1200" b="0" i="0" u="none" strike="noStrike" cap="none" normalizeH="0" baseline="0" dirty="0" smtClean="0">
+                <a:ln>
+                  <a:noFill/>
+                </a:ln>
+                <a:solidFill>
+                  <a:srgbClr val="000000"/>
+                </a:solidFill>
+                <a:effectLst/>
+                <a:latin typeface="Courier New" panose="02070309020205020404" pitchFamily="49" charset="0"/>
+                <a:cs typeface="Courier New" panose="02070309020205020404" pitchFamily="49" charset="0"/>
+              </a:rPr>
+              <a:t>()</a:t>
+            </a:r>
+            <a:br>
+              <a:rPr kumimoji="0" lang="en-US" altLang="en-US" sz="1200" b="0" i="0" u="none" strike="noStrike" cap="none" normalizeH="0" baseline="0" dirty="0" smtClean="0">
+                <a:ln>
+                  <a:noFill/>
+                </a:ln>
+                <a:solidFill>
+                  <a:srgbClr val="000000"/>
+                </a:solidFill>
+                <a:effectLst/>
+                <a:latin typeface="Courier New" panose="02070309020205020404" pitchFamily="49" charset="0"/>
+                <a:cs typeface="Courier New" panose="02070309020205020404" pitchFamily="49" charset="0"/>
+              </a:rPr>
+            </a:br>
+            <a:r>
+              <a:rPr kumimoji="0" lang="en-US" altLang="en-US" sz="1200" b="0" i="0" u="none" strike="noStrike" cap="none" normalizeH="0" baseline="0" dirty="0" smtClean="0">
+                <a:ln>
+                  <a:noFill/>
+                </a:ln>
+                <a:solidFill>
+                  <a:srgbClr val="000000"/>
+                </a:solidFill>
+                <a:effectLst/>
+                <a:latin typeface="Courier New" panose="02070309020205020404" pitchFamily="49" charset="0"/>
+                <a:cs typeface="Courier New" panose="02070309020205020404" pitchFamily="49" charset="0"/>
+              </a:rPr>
+              <a:t>s1.name(</a:t>
+            </a:r>
+            <a:r>
+              <a:rPr kumimoji="0" lang="en-US" altLang="en-US" sz="1200" b="1" i="0" u="none" strike="noStrike" cap="none" normalizeH="0" baseline="0" dirty="0" smtClean="0">
+                <a:ln>
+                  <a:noFill/>
+                </a:ln>
+                <a:solidFill>
+                  <a:srgbClr val="008080"/>
+                </a:solidFill>
+                <a:effectLst/>
+                <a:latin typeface="Courier New" panose="02070309020205020404" pitchFamily="49" charset="0"/>
+                <a:cs typeface="Courier New" panose="02070309020205020404" pitchFamily="49" charset="0"/>
+              </a:rPr>
+              <a:t>'</a:t>
+            </a:r>
+            <a:r>
+              <a:rPr kumimoji="0" lang="en-US" altLang="en-US" sz="1200" b="1" i="0" u="none" strike="noStrike" cap="none" normalizeH="0" baseline="0" dirty="0" err="1" smtClean="0">
+                <a:ln>
+                  <a:noFill/>
+                </a:ln>
+                <a:solidFill>
+                  <a:srgbClr val="008080"/>
+                </a:solidFill>
+                <a:effectLst/>
+                <a:latin typeface="Courier New" panose="02070309020205020404" pitchFamily="49" charset="0"/>
+                <a:cs typeface="Courier New" panose="02070309020205020404" pitchFamily="49" charset="0"/>
+              </a:rPr>
+              <a:t>Roman'</a:t>
+            </a:r>
+            <a:r>
+              <a:rPr kumimoji="0" lang="en-US" altLang="en-US" sz="1200" b="0" i="0" u="none" strike="noStrike" cap="none" normalizeH="0" baseline="0" dirty="0" err="1" smtClean="0">
+                <a:ln>
+                  <a:noFill/>
+                </a:ln>
+                <a:solidFill>
+                  <a:srgbClr val="000000"/>
+                </a:solidFill>
+                <a:effectLst/>
+                <a:latin typeface="Courier New" panose="02070309020205020404" pitchFamily="49" charset="0"/>
+                <a:cs typeface="Courier New" panose="02070309020205020404" pitchFamily="49" charset="0"/>
+              </a:rPr>
+              <a:t>,</a:t>
+            </a:r>
+            <a:r>
+              <a:rPr kumimoji="0" lang="en-US" altLang="en-US" sz="1200" b="1" i="0" u="none" strike="noStrike" cap="none" normalizeH="0" baseline="0" dirty="0" err="1" smtClean="0">
+                <a:ln>
+                  <a:noFill/>
+                </a:ln>
+                <a:solidFill>
+                  <a:srgbClr val="008080"/>
+                </a:solidFill>
+                <a:effectLst/>
+                <a:latin typeface="Courier New" panose="02070309020205020404" pitchFamily="49" charset="0"/>
+                <a:cs typeface="Courier New" panose="02070309020205020404" pitchFamily="49" charset="0"/>
+              </a:rPr>
+              <a:t>'Reigns</a:t>
+            </a:r>
+            <a:r>
+              <a:rPr kumimoji="0" lang="en-US" altLang="en-US" sz="1200" b="1" i="0" u="none" strike="noStrike" cap="none" normalizeH="0" baseline="0" dirty="0" smtClean="0">
+                <a:ln>
+                  <a:noFill/>
+                </a:ln>
+                <a:solidFill>
+                  <a:srgbClr val="008080"/>
+                </a:solidFill>
+                <a:effectLst/>
+                <a:latin typeface="Courier New" panose="02070309020205020404" pitchFamily="49" charset="0"/>
+                <a:cs typeface="Courier New" panose="02070309020205020404" pitchFamily="49" charset="0"/>
+              </a:rPr>
+              <a:t>'</a:t>
+            </a:r>
+            <a:r>
+              <a:rPr kumimoji="0" lang="en-US" altLang="en-US" sz="1200" b="0" i="0" u="none" strike="noStrike" cap="none" normalizeH="0" baseline="0" dirty="0" smtClean="0">
+                <a:ln>
+                  <a:noFill/>
+                </a:ln>
+                <a:solidFill>
+                  <a:srgbClr val="000000"/>
+                </a:solidFill>
+                <a:effectLst/>
+                <a:latin typeface="Courier New" panose="02070309020205020404" pitchFamily="49" charset="0"/>
+                <a:cs typeface="Courier New" panose="02070309020205020404" pitchFamily="49" charset="0"/>
+              </a:rPr>
+              <a:t>)</a:t>
+            </a:r>
+            <a:br>
+              <a:rPr kumimoji="0" lang="en-US" altLang="en-US" sz="1200" b="0" i="0" u="none" strike="noStrike" cap="none" normalizeH="0" baseline="0" dirty="0" smtClean="0">
+                <a:ln>
+                  <a:noFill/>
+                </a:ln>
+                <a:solidFill>
+                  <a:srgbClr val="000000"/>
+                </a:solidFill>
+                <a:effectLst/>
+                <a:latin typeface="Courier New" panose="02070309020205020404" pitchFamily="49" charset="0"/>
+                <a:cs typeface="Courier New" panose="02070309020205020404" pitchFamily="49" charset="0"/>
+              </a:rPr>
+            </a:br>
+            <a:r>
+              <a:rPr kumimoji="0" lang="en-US" altLang="en-US" sz="1200" b="0" i="0" u="none" strike="noStrike" cap="none" normalizeH="0" baseline="0" dirty="0" smtClean="0">
+                <a:ln>
+                  <a:noFill/>
+                </a:ln>
+                <a:solidFill>
+                  <a:srgbClr val="000000"/>
+                </a:solidFill>
+                <a:effectLst/>
+                <a:latin typeface="Courier New" panose="02070309020205020404" pitchFamily="49" charset="0"/>
+                <a:cs typeface="Courier New" panose="02070309020205020404" pitchFamily="49" charset="0"/>
+              </a:rPr>
+              <a:t>s1.setdetails(</a:t>
+            </a:r>
+            <a:r>
+              <a:rPr kumimoji="0" lang="en-US" altLang="en-US" sz="1200" b="1" i="0" u="none" strike="noStrike" cap="none" normalizeH="0" baseline="0" dirty="0" smtClean="0">
+                <a:ln>
+                  <a:noFill/>
+                </a:ln>
+                <a:solidFill>
+                  <a:srgbClr val="008080"/>
+                </a:solidFill>
+                <a:effectLst/>
+                <a:latin typeface="Courier New" panose="02070309020205020404" pitchFamily="49" charset="0"/>
+                <a:cs typeface="Courier New" panose="02070309020205020404" pitchFamily="49" charset="0"/>
+              </a:rPr>
+              <a:t>"Yes"</a:t>
+            </a:r>
+            <a:r>
+              <a:rPr kumimoji="0" lang="en-US" altLang="en-US" sz="1200" b="0" i="0" u="none" strike="noStrike" cap="none" normalizeH="0" baseline="0" dirty="0" smtClean="0">
+                <a:ln>
+                  <a:noFill/>
+                </a:ln>
+                <a:solidFill>
+                  <a:srgbClr val="000000"/>
+                </a:solidFill>
+                <a:effectLst/>
+                <a:latin typeface="Courier New" panose="02070309020205020404" pitchFamily="49" charset="0"/>
+                <a:cs typeface="Courier New" panose="02070309020205020404" pitchFamily="49" charset="0"/>
+              </a:rPr>
+              <a:t>)</a:t>
+            </a:r>
+            <a:br>
+              <a:rPr kumimoji="0" lang="en-US" altLang="en-US" sz="1200" b="0" i="0" u="none" strike="noStrike" cap="none" normalizeH="0" baseline="0" dirty="0" smtClean="0">
+                <a:ln>
+                  <a:noFill/>
+                </a:ln>
+                <a:solidFill>
+                  <a:srgbClr val="000000"/>
+                </a:solidFill>
+                <a:effectLst/>
+                <a:latin typeface="Courier New" panose="02070309020205020404" pitchFamily="49" charset="0"/>
+                <a:cs typeface="Courier New" panose="02070309020205020404" pitchFamily="49" charset="0"/>
+              </a:rPr>
+            </a:br>
+            <a:r>
+              <a:rPr kumimoji="0" lang="en-US" altLang="en-US" sz="1200" b="0" i="0" u="none" strike="noStrike" cap="none" normalizeH="0" baseline="0" dirty="0" smtClean="0">
+                <a:ln>
+                  <a:noFill/>
+                </a:ln>
+                <a:solidFill>
+                  <a:srgbClr val="000080"/>
+                </a:solidFill>
+                <a:effectLst/>
+                <a:latin typeface="Courier New" panose="02070309020205020404" pitchFamily="49" charset="0"/>
+                <a:cs typeface="Courier New" panose="02070309020205020404" pitchFamily="49" charset="0"/>
+              </a:rPr>
+              <a:t>print</a:t>
+            </a:r>
+            <a:r>
+              <a:rPr kumimoji="0" lang="en-US" altLang="en-US" sz="1200" b="0" i="0" u="none" strike="noStrike" cap="none" normalizeH="0" baseline="0" dirty="0" smtClean="0">
+                <a:ln>
+                  <a:noFill/>
+                </a:ln>
+                <a:solidFill>
+                  <a:srgbClr val="000000"/>
+                </a:solidFill>
+                <a:effectLst/>
+                <a:latin typeface="Courier New" panose="02070309020205020404" pitchFamily="49" charset="0"/>
+                <a:cs typeface="Courier New" panose="02070309020205020404" pitchFamily="49" charset="0"/>
+              </a:rPr>
+              <a:t>(s1.details())</a:t>
+            </a:r>
+            <a:endParaRPr kumimoji="0" lang="en-US" altLang="en-US" sz="1600" b="0" i="0" u="none" strike="noStrike" cap="none" normalizeH="0" baseline="0" dirty="0" smtClean="0">
+              <a:ln>
+                <a:noFill/>
+              </a:ln>
+              <a:solidFill>
+                <a:schemeClr val="tx1"/>
+              </a:solidFill>
+              <a:effectLst/>
+              <a:latin typeface="Arial" panose="020B0604020202020204" pitchFamily="34" charset="0"/>
+            </a:endParaRPr>
+          </a:p>
+        </p:txBody>
+      </p:sp>
+    </p:spTree>
+    <p:extLst>
+      <p:ext uri="{BB962C8B-B14F-4D97-AF65-F5344CB8AC3E}">
+        <p14:creationId xmlns:p14="http://schemas.microsoft.com/office/powerpoint/2010/main" val="1546207343"/>
+      </p:ext>
+    </p:extLst>
+  </p:cSld>
+  <p:clrMapOvr>
+    <a:masterClrMapping/>
+  </p:clrMapOvr>
+</p:sld>
+</file>
+
+<file path=ppt/slides/slide11.xml><?xml version="1.0" encoding="utf-8"?>
+<p:sld xmlns:a="http://schemas.openxmlformats.org/drawingml/2006/main" xmlns:r="http://schemas.openxmlformats.org/officeDocument/2006/relationships" xmlns:p="http://schemas.openxmlformats.org/presentationml/2006/main">
+  <p:cSld>
+    <p:spTree>
+      <p:nvGrpSpPr>
+        <p:cNvPr id="1" name=""/>
+        <p:cNvGrpSpPr/>
+        <p:nvPr/>
+      </p:nvGrpSpPr>
+      <p:grpSpPr>
+        <a:xfrm>
+          <a:off x="0" y="0"/>
+          <a:ext cx="0" cy="0"/>
+          <a:chOff x="0" y="0"/>
+          <a:chExt cx="0" cy="0"/>
+        </a:xfrm>
+      </p:grpSpPr>
+      <p:sp>
+        <p:nvSpPr>
+          <p:cNvPr id="2" name="Title 1"/>
+          <p:cNvSpPr>
+            <a:spLocks noGrp="1"/>
+          </p:cNvSpPr>
+          <p:nvPr>
+            <p:ph type="title"/>
+          </p:nvPr>
+        </p:nvSpPr>
+        <p:spPr/>
+        <p:txBody>
+          <a:bodyPr/>
+          <a:lstStyle/>
+          <a:p>
+            <a:r>
+              <a:rPr lang="en-IN" dirty="0"/>
+              <a:t>Private Variable</a:t>
+            </a:r>
+          </a:p>
+        </p:txBody>
+      </p:sp>
+      <p:sp>
+        <p:nvSpPr>
+          <p:cNvPr id="5" name="Rectangle 2"/>
+          <p:cNvSpPr>
+            <a:spLocks noGrp="1" noChangeArrowheads="1"/>
+          </p:cNvSpPr>
+          <p:nvPr>
+            <p:ph idx="1"/>
+          </p:nvPr>
+        </p:nvSpPr>
+        <p:spPr bwMode="auto">
+          <a:xfrm>
+            <a:off x="1141412" y="2127518"/>
+            <a:ext cx="9203160" cy="3785652"/>
+          </a:xfrm>
+          <a:prstGeom prst="rect">
+            <a:avLst/>
+          </a:prstGeom>
+          <a:solidFill>
+            <a:srgbClr val="FFFFFF"/>
+          </a:solidFill>
+          <a:ln>
+            <a:noFill/>
+          </a:ln>
+          <a:effectLst/>
+          <a:extLst>
+            <a:ext uri="{91240B29-F687-4F45-9708-019B960494DF}">
+              <a14:hiddenLine xmlns:a14="http://schemas.microsoft.com/office/drawing/2010/main" w="9525">
+                <a:solidFill>
+                  <a:schemeClr val="tx1"/>
+                </a:solidFill>
+                <a:miter lim="800000"/>
+                <a:headEnd/>
+                <a:tailEnd/>
+              </a14:hiddenLine>
+            </a:ext>
+            <a:ext uri="{AF507438-7753-43E0-B8FC-AC1667EBCBE1}">
+              <a14:hiddenEffects xmlns:a14="http://schemas.microsoft.com/office/drawing/2010/main">
+                <a:effectLst>
+                  <a:outerShdw dist="35921" dir="2700000" algn="ctr" rotWithShape="0">
+                    <a:schemeClr val="bg2"/>
+                  </a:outerShdw>
+                </a:effectLst>
+              </a14:hiddenEffects>
+            </a:ext>
+          </a:extLst>
+        </p:spPr>
+        <p:txBody>
+          <a:bodyPr vert="horz" wrap="none" lIns="91440" tIns="45720" rIns="91440" bIns="45720" numCol="1" anchor="ctr" anchorCtr="0" compatLnSpc="1">
+            <a:prstTxWarp prst="textNoShape">
+              <a:avLst/>
+            </a:prstTxWarp>
+            <a:spAutoFit/>
+          </a:bodyPr>
+          <a:lstStyle/>
+          <a:p>
+            <a:pPr marL="0" marR="0" lvl="0" indent="0" algn="l" defTabSz="914400" rtl="0" eaLnBrk="0" fontAlgn="base" latinLnBrk="0" hangingPunct="0">
+              <a:lnSpc>
+                <a:spcPct val="100000"/>
+              </a:lnSpc>
+              <a:spcBef>
+                <a:spcPct val="0"/>
+              </a:spcBef>
+              <a:spcAft>
+                <a:spcPct val="0"/>
+              </a:spcAft>
+              <a:buClrTx/>
+              <a:buSzTx/>
+              <a:buFontTx/>
+              <a:buNone/>
+              <a:tabLst/>
+            </a:pPr>
+            <a:r>
+              <a:rPr kumimoji="0" lang="en-US" altLang="en-US" sz="1200" b="1" i="0" u="none" strike="noStrike" cap="none" normalizeH="0" baseline="0" dirty="0" smtClean="0">
+                <a:ln>
+                  <a:noFill/>
+                </a:ln>
+                <a:solidFill>
+                  <a:srgbClr val="000080"/>
+                </a:solidFill>
+                <a:effectLst/>
+                <a:latin typeface="Courier New" panose="02070309020205020404" pitchFamily="49" charset="0"/>
+                <a:cs typeface="Courier New" panose="02070309020205020404" pitchFamily="49" charset="0"/>
+              </a:rPr>
+              <a:t>class </a:t>
+            </a:r>
+            <a:r>
+              <a:rPr kumimoji="0" lang="en-US" altLang="en-US" sz="1200" b="0" i="0" u="none" strike="noStrike" cap="none" normalizeH="0" baseline="0" dirty="0" smtClean="0">
+                <a:ln>
+                  <a:noFill/>
+                </a:ln>
+                <a:solidFill>
+                  <a:srgbClr val="000000"/>
+                </a:solidFill>
+                <a:effectLst/>
+                <a:latin typeface="Courier New" panose="02070309020205020404" pitchFamily="49" charset="0"/>
+                <a:cs typeface="Courier New" panose="02070309020205020404" pitchFamily="49" charset="0"/>
+              </a:rPr>
+              <a:t>Student:</a:t>
+            </a:r>
+            <a:br>
+              <a:rPr kumimoji="0" lang="en-US" altLang="en-US" sz="1200" b="0" i="0" u="none" strike="noStrike" cap="none" normalizeH="0" baseline="0" dirty="0" smtClean="0">
+                <a:ln>
+                  <a:noFill/>
+                </a:ln>
+                <a:solidFill>
+                  <a:srgbClr val="000000"/>
+                </a:solidFill>
+                <a:effectLst/>
+                <a:latin typeface="Courier New" panose="02070309020205020404" pitchFamily="49" charset="0"/>
+                <a:cs typeface="Courier New" panose="02070309020205020404" pitchFamily="49" charset="0"/>
+              </a:rPr>
+            </a:br>
+            <a:r>
+              <a:rPr kumimoji="0" lang="en-US" altLang="en-US" sz="1200" b="0" i="0" u="none" strike="noStrike" cap="none" normalizeH="0" baseline="0" dirty="0" smtClean="0">
+                <a:ln>
+                  <a:noFill/>
+                </a:ln>
+                <a:solidFill>
+                  <a:srgbClr val="000000"/>
+                </a:solidFill>
+                <a:effectLst/>
+                <a:latin typeface="Courier New" panose="02070309020205020404" pitchFamily="49" charset="0"/>
+                <a:cs typeface="Courier New" panose="02070309020205020404" pitchFamily="49" charset="0"/>
+              </a:rPr>
+              <a:t>    </a:t>
+            </a:r>
+            <a:r>
+              <a:rPr kumimoji="0" lang="en-US" altLang="en-US" sz="1200" b="0" i="0" u="none" strike="noStrike" cap="none" normalizeH="0" baseline="0" dirty="0" err="1" smtClean="0">
+                <a:ln>
+                  <a:noFill/>
+                </a:ln>
+                <a:solidFill>
+                  <a:srgbClr val="000000"/>
+                </a:solidFill>
+                <a:effectLst/>
+                <a:latin typeface="Courier New" panose="02070309020205020404" pitchFamily="49" charset="0"/>
+                <a:cs typeface="Courier New" panose="02070309020205020404" pitchFamily="49" charset="0"/>
+              </a:rPr>
+              <a:t>firstname</a:t>
+            </a:r>
+            <a:r>
+              <a:rPr kumimoji="0" lang="en-US" altLang="en-US" sz="1200" b="0" i="0" u="none" strike="noStrike" cap="none" normalizeH="0" baseline="0" dirty="0" smtClean="0">
+                <a:ln>
+                  <a:noFill/>
+                </a:ln>
+                <a:solidFill>
+                  <a:srgbClr val="000000"/>
+                </a:solidFill>
+                <a:effectLst/>
+                <a:latin typeface="Courier New" panose="02070309020205020404" pitchFamily="49" charset="0"/>
+                <a:cs typeface="Courier New" panose="02070309020205020404" pitchFamily="49" charset="0"/>
+              </a:rPr>
+              <a:t>=</a:t>
+            </a:r>
+            <a:r>
+              <a:rPr kumimoji="0" lang="en-US" altLang="en-US" sz="1200" b="1" i="0" u="none" strike="noStrike" cap="none" normalizeH="0" baseline="0" dirty="0" smtClean="0">
+                <a:ln>
+                  <a:noFill/>
+                </a:ln>
+                <a:solidFill>
+                  <a:srgbClr val="008080"/>
+                </a:solidFill>
+                <a:effectLst/>
+                <a:latin typeface="Courier New" panose="02070309020205020404" pitchFamily="49" charset="0"/>
+                <a:cs typeface="Courier New" panose="02070309020205020404" pitchFamily="49" charset="0"/>
+              </a:rPr>
+              <a:t>""</a:t>
+            </a:r>
+            <a:br>
+              <a:rPr kumimoji="0" lang="en-US" altLang="en-US" sz="1200" b="1" i="0" u="none" strike="noStrike" cap="none" normalizeH="0" baseline="0" dirty="0" smtClean="0">
+                <a:ln>
+                  <a:noFill/>
+                </a:ln>
+                <a:solidFill>
+                  <a:srgbClr val="008080"/>
+                </a:solidFill>
+                <a:effectLst/>
+                <a:latin typeface="Courier New" panose="02070309020205020404" pitchFamily="49" charset="0"/>
+                <a:cs typeface="Courier New" panose="02070309020205020404" pitchFamily="49" charset="0"/>
+              </a:rPr>
+            </a:br>
+            <a:r>
+              <a:rPr kumimoji="0" lang="en-US" altLang="en-US" sz="1200" b="1" i="0" u="none" strike="noStrike" cap="none" normalizeH="0" baseline="0" dirty="0" smtClean="0">
+                <a:ln>
+                  <a:noFill/>
+                </a:ln>
+                <a:solidFill>
+                  <a:srgbClr val="008080"/>
+                </a:solidFill>
+                <a:effectLst/>
+                <a:latin typeface="Courier New" panose="02070309020205020404" pitchFamily="49" charset="0"/>
+                <a:cs typeface="Courier New" panose="02070309020205020404" pitchFamily="49" charset="0"/>
+              </a:rPr>
+              <a:t>    </a:t>
+            </a:r>
+            <a:r>
+              <a:rPr kumimoji="0" lang="en-US" altLang="en-US" sz="1200" b="0" i="0" u="none" strike="noStrike" cap="none" normalizeH="0" baseline="0" dirty="0" err="1" smtClean="0">
+                <a:ln>
+                  <a:noFill/>
+                </a:ln>
+                <a:solidFill>
+                  <a:srgbClr val="000000"/>
+                </a:solidFill>
+                <a:effectLst/>
+                <a:latin typeface="Courier New" panose="02070309020205020404" pitchFamily="49" charset="0"/>
+                <a:cs typeface="Courier New" panose="02070309020205020404" pitchFamily="49" charset="0"/>
+              </a:rPr>
+              <a:t>lastname</a:t>
+            </a:r>
+            <a:r>
+              <a:rPr kumimoji="0" lang="en-US" altLang="en-US" sz="1200" b="0" i="0" u="none" strike="noStrike" cap="none" normalizeH="0" baseline="0" dirty="0" smtClean="0">
+                <a:ln>
+                  <a:noFill/>
+                </a:ln>
+                <a:solidFill>
+                  <a:srgbClr val="000000"/>
+                </a:solidFill>
+                <a:effectLst/>
+                <a:latin typeface="Courier New" panose="02070309020205020404" pitchFamily="49" charset="0"/>
+                <a:cs typeface="Courier New" panose="02070309020205020404" pitchFamily="49" charset="0"/>
+              </a:rPr>
+              <a:t>=</a:t>
+            </a:r>
+            <a:r>
+              <a:rPr kumimoji="0" lang="en-US" altLang="en-US" sz="1200" b="1" i="0" u="none" strike="noStrike" cap="none" normalizeH="0" baseline="0" dirty="0" smtClean="0">
+                <a:ln>
+                  <a:noFill/>
+                </a:ln>
+                <a:solidFill>
+                  <a:srgbClr val="008080"/>
+                </a:solidFill>
+                <a:effectLst/>
+                <a:latin typeface="Courier New" panose="02070309020205020404" pitchFamily="49" charset="0"/>
+                <a:cs typeface="Courier New" panose="02070309020205020404" pitchFamily="49" charset="0"/>
+              </a:rPr>
+              <a:t>""</a:t>
+            </a:r>
+            <a:br>
+              <a:rPr kumimoji="0" lang="en-US" altLang="en-US" sz="1200" b="1" i="0" u="none" strike="noStrike" cap="none" normalizeH="0" baseline="0" dirty="0" smtClean="0">
+                <a:ln>
+                  <a:noFill/>
+                </a:ln>
+                <a:solidFill>
+                  <a:srgbClr val="008080"/>
+                </a:solidFill>
+                <a:effectLst/>
+                <a:latin typeface="Courier New" panose="02070309020205020404" pitchFamily="49" charset="0"/>
+                <a:cs typeface="Courier New" panose="02070309020205020404" pitchFamily="49" charset="0"/>
+              </a:rPr>
+            </a:br>
+            <a:r>
+              <a:rPr kumimoji="0" lang="en-US" altLang="en-US" sz="1200" b="1" i="0" u="none" strike="noStrike" cap="none" normalizeH="0" baseline="0" dirty="0" smtClean="0">
+                <a:ln>
+                  <a:noFill/>
+                </a:ln>
+                <a:solidFill>
+                  <a:srgbClr val="008080"/>
+                </a:solidFill>
+                <a:effectLst/>
+                <a:latin typeface="Courier New" panose="02070309020205020404" pitchFamily="49" charset="0"/>
+                <a:cs typeface="Courier New" panose="02070309020205020404" pitchFamily="49" charset="0"/>
+              </a:rPr>
+              <a:t>    </a:t>
+            </a:r>
+            <a:r>
+              <a:rPr kumimoji="0" lang="en-US" altLang="en-US" sz="1200" b="0" i="0" u="none" strike="noStrike" cap="none" normalizeH="0" baseline="0" dirty="0" err="1" smtClean="0">
+                <a:ln>
+                  <a:noFill/>
+                </a:ln>
+                <a:solidFill>
+                  <a:srgbClr val="000000"/>
+                </a:solidFill>
+                <a:effectLst/>
+                <a:latin typeface="Courier New" panose="02070309020205020404" pitchFamily="49" charset="0"/>
+                <a:cs typeface="Courier New" panose="02070309020205020404" pitchFamily="49" charset="0"/>
+              </a:rPr>
+              <a:t>schoolname</a:t>
+            </a:r>
+            <a:r>
+              <a:rPr kumimoji="0" lang="en-US" altLang="en-US" sz="1200" b="0" i="0" u="none" strike="noStrike" cap="none" normalizeH="0" baseline="0" dirty="0" smtClean="0">
+                <a:ln>
+                  <a:noFill/>
+                </a:ln>
+                <a:solidFill>
+                  <a:srgbClr val="000000"/>
+                </a:solidFill>
+                <a:effectLst/>
+                <a:latin typeface="Courier New" panose="02070309020205020404" pitchFamily="49" charset="0"/>
+                <a:cs typeface="Courier New" panose="02070309020205020404" pitchFamily="49" charset="0"/>
+              </a:rPr>
+              <a:t>=</a:t>
+            </a:r>
+            <a:r>
+              <a:rPr kumimoji="0" lang="en-US" altLang="en-US" sz="1200" b="1" i="0" u="none" strike="noStrike" cap="none" normalizeH="0" baseline="0" dirty="0" smtClean="0">
+                <a:ln>
+                  <a:noFill/>
+                </a:ln>
+                <a:solidFill>
+                  <a:srgbClr val="008080"/>
+                </a:solidFill>
+                <a:effectLst/>
+                <a:latin typeface="Courier New" panose="02070309020205020404" pitchFamily="49" charset="0"/>
+                <a:cs typeface="Courier New" panose="02070309020205020404" pitchFamily="49" charset="0"/>
+              </a:rPr>
+              <a:t>"Don Bosco"</a:t>
+            </a:r>
+            <a:br>
+              <a:rPr kumimoji="0" lang="en-US" altLang="en-US" sz="1200" b="1" i="0" u="none" strike="noStrike" cap="none" normalizeH="0" baseline="0" dirty="0" smtClean="0">
+                <a:ln>
+                  <a:noFill/>
+                </a:ln>
+                <a:solidFill>
+                  <a:srgbClr val="008080"/>
+                </a:solidFill>
+                <a:effectLst/>
+                <a:latin typeface="Courier New" panose="02070309020205020404" pitchFamily="49" charset="0"/>
+                <a:cs typeface="Courier New" panose="02070309020205020404" pitchFamily="49" charset="0"/>
+              </a:rPr>
+            </a:br>
+            <a:r>
+              <a:rPr kumimoji="0" lang="en-US" altLang="en-US" sz="1200" b="1" i="0" u="none" strike="noStrike" cap="none" normalizeH="0" baseline="0" dirty="0" smtClean="0">
+                <a:ln>
+                  <a:noFill/>
+                </a:ln>
+                <a:solidFill>
+                  <a:srgbClr val="008080"/>
+                </a:solidFill>
+                <a:effectLst/>
+                <a:latin typeface="Courier New" panose="02070309020205020404" pitchFamily="49" charset="0"/>
+                <a:cs typeface="Courier New" panose="02070309020205020404" pitchFamily="49" charset="0"/>
+              </a:rPr>
+              <a:t>    </a:t>
+            </a:r>
+            <a:r>
+              <a:rPr kumimoji="0" lang="en-US" altLang="en-US" sz="1200" b="1" i="0" u="none" strike="noStrike" cap="none" normalizeH="0" baseline="0" dirty="0" err="1" smtClean="0">
+                <a:ln>
+                  <a:noFill/>
+                </a:ln>
+                <a:solidFill>
+                  <a:srgbClr val="000080"/>
+                </a:solidFill>
+                <a:effectLst/>
+                <a:latin typeface="Courier New" panose="02070309020205020404" pitchFamily="49" charset="0"/>
+                <a:cs typeface="Courier New" panose="02070309020205020404" pitchFamily="49" charset="0"/>
+              </a:rPr>
+              <a:t>def</a:t>
+            </a:r>
+            <a:r>
+              <a:rPr kumimoji="0" lang="en-US" altLang="en-US" sz="1200" b="1" i="0" u="none" strike="noStrike" cap="none" normalizeH="0" baseline="0" dirty="0" smtClean="0">
+                <a:ln>
+                  <a:noFill/>
+                </a:ln>
+                <a:solidFill>
+                  <a:srgbClr val="000080"/>
+                </a:solidFill>
+                <a:effectLst/>
+                <a:latin typeface="Courier New" panose="02070309020205020404" pitchFamily="49" charset="0"/>
+                <a:cs typeface="Courier New" panose="02070309020205020404" pitchFamily="49" charset="0"/>
+              </a:rPr>
+              <a:t> </a:t>
+            </a:r>
+            <a:r>
+              <a:rPr kumimoji="0" lang="en-US" altLang="en-US" sz="1200" b="0" i="0" u="none" strike="noStrike" cap="none" normalizeH="0" baseline="0" dirty="0" smtClean="0">
+                <a:ln>
+                  <a:noFill/>
+                </a:ln>
+                <a:solidFill>
+                  <a:srgbClr val="000000"/>
+                </a:solidFill>
+                <a:effectLst/>
+                <a:latin typeface="Courier New" panose="02070309020205020404" pitchFamily="49" charset="0"/>
+                <a:cs typeface="Courier New" panose="02070309020205020404" pitchFamily="49" charset="0"/>
+              </a:rPr>
+              <a:t>name(</a:t>
+            </a:r>
+            <a:r>
+              <a:rPr kumimoji="0" lang="en-US" altLang="en-US" sz="1200" b="0" i="0" u="none" strike="noStrike" cap="none" normalizeH="0" baseline="0" dirty="0" err="1" smtClean="0">
+                <a:ln>
+                  <a:noFill/>
+                </a:ln>
+                <a:solidFill>
+                  <a:srgbClr val="94558D"/>
+                </a:solidFill>
+                <a:effectLst/>
+                <a:latin typeface="Courier New" panose="02070309020205020404" pitchFamily="49" charset="0"/>
+                <a:cs typeface="Courier New" panose="02070309020205020404" pitchFamily="49" charset="0"/>
+              </a:rPr>
+              <a:t>self</a:t>
+            </a:r>
+            <a:r>
+              <a:rPr kumimoji="0" lang="en-US" altLang="en-US" sz="1200" b="0" i="0" u="none" strike="noStrike" cap="none" normalizeH="0" baseline="0" dirty="0" err="1" smtClean="0">
+                <a:ln>
+                  <a:noFill/>
+                </a:ln>
+                <a:solidFill>
+                  <a:srgbClr val="000000"/>
+                </a:solidFill>
+                <a:effectLst/>
+                <a:latin typeface="Courier New" panose="02070309020205020404" pitchFamily="49" charset="0"/>
+                <a:cs typeface="Courier New" panose="02070309020205020404" pitchFamily="49" charset="0"/>
+              </a:rPr>
+              <a:t>,fname,lname</a:t>
+            </a:r>
+            <a:r>
+              <a:rPr kumimoji="0" lang="en-US" altLang="en-US" sz="1200" b="0" i="0" u="none" strike="noStrike" cap="none" normalizeH="0" baseline="0" dirty="0" smtClean="0">
+                <a:ln>
+                  <a:noFill/>
+                </a:ln>
+                <a:solidFill>
+                  <a:srgbClr val="000000"/>
+                </a:solidFill>
+                <a:effectLst/>
+                <a:latin typeface="Courier New" panose="02070309020205020404" pitchFamily="49" charset="0"/>
+                <a:cs typeface="Courier New" panose="02070309020205020404" pitchFamily="49" charset="0"/>
+              </a:rPr>
+              <a:t>):</a:t>
+            </a:r>
+            <a:br>
+              <a:rPr kumimoji="0" lang="en-US" altLang="en-US" sz="1200" b="0" i="0" u="none" strike="noStrike" cap="none" normalizeH="0" baseline="0" dirty="0" smtClean="0">
+                <a:ln>
+                  <a:noFill/>
+                </a:ln>
+                <a:solidFill>
+                  <a:srgbClr val="000000"/>
+                </a:solidFill>
+                <a:effectLst/>
+                <a:latin typeface="Courier New" panose="02070309020205020404" pitchFamily="49" charset="0"/>
+                <a:cs typeface="Courier New" panose="02070309020205020404" pitchFamily="49" charset="0"/>
+              </a:rPr>
+            </a:br>
+            <a:r>
+              <a:rPr kumimoji="0" lang="en-US" altLang="en-US" sz="1200" b="0" i="0" u="none" strike="noStrike" cap="none" normalizeH="0" baseline="0" dirty="0" smtClean="0">
+                <a:ln>
+                  <a:noFill/>
+                </a:ln>
+                <a:solidFill>
+                  <a:srgbClr val="000000"/>
+                </a:solidFill>
+                <a:effectLst/>
+                <a:latin typeface="Courier New" panose="02070309020205020404" pitchFamily="49" charset="0"/>
+                <a:cs typeface="Courier New" panose="02070309020205020404" pitchFamily="49" charset="0"/>
+              </a:rPr>
+              <a:t>        </a:t>
+            </a:r>
+            <a:r>
+              <a:rPr kumimoji="0" lang="en-US" altLang="en-US" sz="1200" b="0" i="0" u="none" strike="noStrike" cap="none" normalizeH="0" baseline="0" dirty="0" err="1" smtClean="0">
+                <a:ln>
+                  <a:noFill/>
+                </a:ln>
+                <a:solidFill>
+                  <a:srgbClr val="94558D"/>
+                </a:solidFill>
+                <a:effectLst/>
+                <a:latin typeface="Courier New" panose="02070309020205020404" pitchFamily="49" charset="0"/>
+                <a:cs typeface="Courier New" panose="02070309020205020404" pitchFamily="49" charset="0"/>
+              </a:rPr>
+              <a:t>self</a:t>
+            </a:r>
+            <a:r>
+              <a:rPr kumimoji="0" lang="en-US" altLang="en-US" sz="1200" b="0" i="0" u="none" strike="noStrike" cap="none" normalizeH="0" baseline="0" dirty="0" err="1" smtClean="0">
+                <a:ln>
+                  <a:noFill/>
+                </a:ln>
+                <a:solidFill>
+                  <a:srgbClr val="000000"/>
+                </a:solidFill>
+                <a:effectLst/>
+                <a:latin typeface="Courier New" panose="02070309020205020404" pitchFamily="49" charset="0"/>
+                <a:cs typeface="Courier New" panose="02070309020205020404" pitchFamily="49" charset="0"/>
+              </a:rPr>
+              <a:t>.firstname</a:t>
+            </a:r>
+            <a:r>
+              <a:rPr kumimoji="0" lang="en-US" altLang="en-US" sz="1200" b="0" i="0" u="none" strike="noStrike" cap="none" normalizeH="0" baseline="0" dirty="0" smtClean="0">
+                <a:ln>
+                  <a:noFill/>
+                </a:ln>
+                <a:solidFill>
+                  <a:srgbClr val="000000"/>
+                </a:solidFill>
+                <a:effectLst/>
+                <a:latin typeface="Courier New" panose="02070309020205020404" pitchFamily="49" charset="0"/>
+                <a:cs typeface="Courier New" panose="02070309020205020404" pitchFamily="49" charset="0"/>
+              </a:rPr>
+              <a:t>=</a:t>
+            </a:r>
+            <a:r>
+              <a:rPr kumimoji="0" lang="en-US" altLang="en-US" sz="1200" b="0" i="0" u="none" strike="noStrike" cap="none" normalizeH="0" baseline="0" dirty="0" err="1" smtClean="0">
+                <a:ln>
+                  <a:noFill/>
+                </a:ln>
+                <a:solidFill>
+                  <a:srgbClr val="000000"/>
+                </a:solidFill>
+                <a:effectLst/>
+                <a:latin typeface="Courier New" panose="02070309020205020404" pitchFamily="49" charset="0"/>
+                <a:cs typeface="Courier New" panose="02070309020205020404" pitchFamily="49" charset="0"/>
+              </a:rPr>
+              <a:t>fname</a:t>
+            </a:r>
+            <a:r>
+              <a:rPr kumimoji="0" lang="en-US" altLang="en-US" sz="1200" b="0" i="0" u="none" strike="noStrike" cap="none" normalizeH="0" baseline="0" dirty="0" smtClean="0">
+                <a:ln>
+                  <a:noFill/>
+                </a:ln>
+                <a:solidFill>
+                  <a:srgbClr val="000000"/>
+                </a:solidFill>
+                <a:effectLst/>
+                <a:latin typeface="Courier New" panose="02070309020205020404" pitchFamily="49" charset="0"/>
+                <a:cs typeface="Courier New" panose="02070309020205020404" pitchFamily="49" charset="0"/>
+              </a:rPr>
+              <a:t/>
+            </a:r>
+            <a:br>
+              <a:rPr kumimoji="0" lang="en-US" altLang="en-US" sz="1200" b="0" i="0" u="none" strike="noStrike" cap="none" normalizeH="0" baseline="0" dirty="0" smtClean="0">
+                <a:ln>
+                  <a:noFill/>
+                </a:ln>
+                <a:solidFill>
+                  <a:srgbClr val="000000"/>
+                </a:solidFill>
+                <a:effectLst/>
+                <a:latin typeface="Courier New" panose="02070309020205020404" pitchFamily="49" charset="0"/>
+                <a:cs typeface="Courier New" panose="02070309020205020404" pitchFamily="49" charset="0"/>
+              </a:rPr>
+            </a:br>
+            <a:r>
+              <a:rPr kumimoji="0" lang="en-US" altLang="en-US" sz="1200" b="0" i="0" u="none" strike="noStrike" cap="none" normalizeH="0" baseline="0" dirty="0" smtClean="0">
+                <a:ln>
+                  <a:noFill/>
+                </a:ln>
+                <a:solidFill>
+                  <a:srgbClr val="000000"/>
+                </a:solidFill>
+                <a:effectLst/>
+                <a:latin typeface="Courier New" panose="02070309020205020404" pitchFamily="49" charset="0"/>
+                <a:cs typeface="Courier New" panose="02070309020205020404" pitchFamily="49" charset="0"/>
+              </a:rPr>
+              <a:t>        </a:t>
+            </a:r>
+            <a:r>
+              <a:rPr kumimoji="0" lang="en-US" altLang="en-US" sz="1200" b="0" i="0" u="none" strike="noStrike" cap="none" normalizeH="0" baseline="0" dirty="0" err="1" smtClean="0">
+                <a:ln>
+                  <a:noFill/>
+                </a:ln>
+                <a:solidFill>
+                  <a:srgbClr val="94558D"/>
+                </a:solidFill>
+                <a:effectLst/>
+                <a:latin typeface="Courier New" panose="02070309020205020404" pitchFamily="49" charset="0"/>
+                <a:cs typeface="Courier New" panose="02070309020205020404" pitchFamily="49" charset="0"/>
+              </a:rPr>
+              <a:t>self</a:t>
+            </a:r>
+            <a:r>
+              <a:rPr kumimoji="0" lang="en-US" altLang="en-US" sz="1200" b="0" i="0" u="none" strike="noStrike" cap="none" normalizeH="0" baseline="0" dirty="0" err="1" smtClean="0">
+                <a:ln>
+                  <a:noFill/>
+                </a:ln>
+                <a:solidFill>
+                  <a:srgbClr val="000000"/>
+                </a:solidFill>
+                <a:effectLst/>
+                <a:latin typeface="Courier New" panose="02070309020205020404" pitchFamily="49" charset="0"/>
+                <a:cs typeface="Courier New" panose="02070309020205020404" pitchFamily="49" charset="0"/>
+              </a:rPr>
+              <a:t>.lastname</a:t>
+            </a:r>
+            <a:r>
+              <a:rPr kumimoji="0" lang="en-US" altLang="en-US" sz="1200" b="0" i="0" u="none" strike="noStrike" cap="none" normalizeH="0" baseline="0" dirty="0" smtClean="0">
+                <a:ln>
+                  <a:noFill/>
+                </a:ln>
+                <a:solidFill>
+                  <a:srgbClr val="000000"/>
+                </a:solidFill>
+                <a:effectLst/>
+                <a:latin typeface="Courier New" panose="02070309020205020404" pitchFamily="49" charset="0"/>
+                <a:cs typeface="Courier New" panose="02070309020205020404" pitchFamily="49" charset="0"/>
+              </a:rPr>
+              <a:t>=</a:t>
+            </a:r>
+            <a:r>
+              <a:rPr kumimoji="0" lang="en-US" altLang="en-US" sz="1200" b="0" i="0" u="none" strike="noStrike" cap="none" normalizeH="0" baseline="0" dirty="0" err="1" smtClean="0">
+                <a:ln>
+                  <a:noFill/>
+                </a:ln>
+                <a:solidFill>
+                  <a:srgbClr val="000000"/>
+                </a:solidFill>
+                <a:effectLst/>
+                <a:latin typeface="Courier New" panose="02070309020205020404" pitchFamily="49" charset="0"/>
+                <a:cs typeface="Courier New" panose="02070309020205020404" pitchFamily="49" charset="0"/>
+              </a:rPr>
+              <a:t>lname</a:t>
+            </a:r>
+            <a:r>
+              <a:rPr kumimoji="0" lang="en-US" altLang="en-US" sz="1200" b="0" i="0" u="none" strike="noStrike" cap="none" normalizeH="0" baseline="0" dirty="0" smtClean="0">
+                <a:ln>
+                  <a:noFill/>
+                </a:ln>
+                <a:solidFill>
+                  <a:srgbClr val="000000"/>
+                </a:solidFill>
+                <a:effectLst/>
+                <a:latin typeface="Courier New" panose="02070309020205020404" pitchFamily="49" charset="0"/>
+                <a:cs typeface="Courier New" panose="02070309020205020404" pitchFamily="49" charset="0"/>
+              </a:rPr>
+              <a:t/>
+            </a:r>
+            <a:br>
+              <a:rPr kumimoji="0" lang="en-US" altLang="en-US" sz="1200" b="0" i="0" u="none" strike="noStrike" cap="none" normalizeH="0" baseline="0" dirty="0" smtClean="0">
+                <a:ln>
+                  <a:noFill/>
+                </a:ln>
+                <a:solidFill>
+                  <a:srgbClr val="000000"/>
+                </a:solidFill>
+                <a:effectLst/>
+                <a:latin typeface="Courier New" panose="02070309020205020404" pitchFamily="49" charset="0"/>
+                <a:cs typeface="Courier New" panose="02070309020205020404" pitchFamily="49" charset="0"/>
+              </a:rPr>
+            </a:br>
+            <a:r>
+              <a:rPr kumimoji="0" lang="en-US" altLang="en-US" sz="1200" b="0" i="0" u="none" strike="noStrike" cap="none" normalizeH="0" baseline="0" dirty="0" smtClean="0">
+                <a:ln>
+                  <a:noFill/>
+                </a:ln>
+                <a:solidFill>
+                  <a:srgbClr val="000000"/>
+                </a:solidFill>
+                <a:effectLst/>
+                <a:latin typeface="Courier New" panose="02070309020205020404" pitchFamily="49" charset="0"/>
+                <a:cs typeface="Courier New" panose="02070309020205020404" pitchFamily="49" charset="0"/>
+              </a:rPr>
+              <a:t/>
+            </a:r>
+            <a:br>
+              <a:rPr kumimoji="0" lang="en-US" altLang="en-US" sz="1200" b="0" i="0" u="none" strike="noStrike" cap="none" normalizeH="0" baseline="0" dirty="0" smtClean="0">
+                <a:ln>
+                  <a:noFill/>
+                </a:ln>
+                <a:solidFill>
+                  <a:srgbClr val="000000"/>
+                </a:solidFill>
+                <a:effectLst/>
+                <a:latin typeface="Courier New" panose="02070309020205020404" pitchFamily="49" charset="0"/>
+                <a:cs typeface="Courier New" panose="02070309020205020404" pitchFamily="49" charset="0"/>
+              </a:rPr>
+            </a:br>
+            <a:r>
+              <a:rPr kumimoji="0" lang="en-US" altLang="en-US" sz="1200" b="1" i="0" u="none" strike="noStrike" cap="none" normalizeH="0" baseline="0" dirty="0" smtClean="0">
+                <a:ln>
+                  <a:noFill/>
+                </a:ln>
+                <a:solidFill>
+                  <a:srgbClr val="000080"/>
+                </a:solidFill>
+                <a:effectLst/>
+                <a:latin typeface="Courier New" panose="02070309020205020404" pitchFamily="49" charset="0"/>
+                <a:cs typeface="Courier New" panose="02070309020205020404" pitchFamily="49" charset="0"/>
+              </a:rPr>
+              <a:t>class </a:t>
+            </a:r>
+            <a:r>
+              <a:rPr kumimoji="0" lang="en-US" altLang="en-US" sz="1200" b="0" i="0" u="none" strike="noStrike" cap="none" normalizeH="0" baseline="0" dirty="0" smtClean="0">
+                <a:ln>
+                  <a:noFill/>
+                </a:ln>
+                <a:solidFill>
+                  <a:srgbClr val="000000"/>
+                </a:solidFill>
+                <a:effectLst/>
+                <a:latin typeface="Courier New" panose="02070309020205020404" pitchFamily="49" charset="0"/>
+                <a:cs typeface="Courier New" panose="02070309020205020404" pitchFamily="49" charset="0"/>
+              </a:rPr>
+              <a:t>Address():</a:t>
+            </a:r>
+            <a:br>
+              <a:rPr kumimoji="0" lang="en-US" altLang="en-US" sz="1200" b="0" i="0" u="none" strike="noStrike" cap="none" normalizeH="0" baseline="0" dirty="0" smtClean="0">
+                <a:ln>
+                  <a:noFill/>
+                </a:ln>
+                <a:solidFill>
+                  <a:srgbClr val="000000"/>
+                </a:solidFill>
+                <a:effectLst/>
+                <a:latin typeface="Courier New" panose="02070309020205020404" pitchFamily="49" charset="0"/>
+                <a:cs typeface="Courier New" panose="02070309020205020404" pitchFamily="49" charset="0"/>
+              </a:rPr>
+            </a:br>
+            <a:r>
+              <a:rPr kumimoji="0" lang="en-US" altLang="en-US" sz="1200" b="0" i="0" u="none" strike="noStrike" cap="none" normalizeH="0" baseline="0" dirty="0" smtClean="0">
+                <a:ln>
+                  <a:noFill/>
+                </a:ln>
+                <a:solidFill>
+                  <a:srgbClr val="000000"/>
+                </a:solidFill>
+                <a:effectLst/>
+                <a:latin typeface="Courier New" panose="02070309020205020404" pitchFamily="49" charset="0"/>
+                <a:cs typeface="Courier New" panose="02070309020205020404" pitchFamily="49" charset="0"/>
+              </a:rPr>
+              <a:t>    __address=</a:t>
+            </a:r>
+            <a:r>
+              <a:rPr kumimoji="0" lang="en-US" altLang="en-US" sz="1200" b="1" i="0" u="none" strike="noStrike" cap="none" normalizeH="0" baseline="0" dirty="0" smtClean="0">
+                <a:ln>
+                  <a:noFill/>
+                </a:ln>
+                <a:solidFill>
+                  <a:srgbClr val="008080"/>
+                </a:solidFill>
+                <a:effectLst/>
+                <a:latin typeface="Courier New" panose="02070309020205020404" pitchFamily="49" charset="0"/>
+                <a:cs typeface="Courier New" panose="02070309020205020404" pitchFamily="49" charset="0"/>
+              </a:rPr>
+              <a:t>""</a:t>
+            </a:r>
+            <a:br>
+              <a:rPr kumimoji="0" lang="en-US" altLang="en-US" sz="1200" b="1" i="0" u="none" strike="noStrike" cap="none" normalizeH="0" baseline="0" dirty="0" smtClean="0">
+                <a:ln>
+                  <a:noFill/>
+                </a:ln>
+                <a:solidFill>
+                  <a:srgbClr val="008080"/>
+                </a:solidFill>
+                <a:effectLst/>
+                <a:latin typeface="Courier New" panose="02070309020205020404" pitchFamily="49" charset="0"/>
+                <a:cs typeface="Courier New" panose="02070309020205020404" pitchFamily="49" charset="0"/>
+              </a:rPr>
+            </a:br>
+            <a:r>
+              <a:rPr kumimoji="0" lang="en-US" altLang="en-US" sz="1200" b="1" i="0" u="none" strike="noStrike" cap="none" normalizeH="0" baseline="0" dirty="0" smtClean="0">
+                <a:ln>
+                  <a:noFill/>
+                </a:ln>
+                <a:solidFill>
+                  <a:srgbClr val="008080"/>
+                </a:solidFill>
+                <a:effectLst/>
+                <a:latin typeface="Courier New" panose="02070309020205020404" pitchFamily="49" charset="0"/>
+                <a:cs typeface="Courier New" panose="02070309020205020404" pitchFamily="49" charset="0"/>
+              </a:rPr>
+              <a:t>    </a:t>
+            </a:r>
+            <a:r>
+              <a:rPr kumimoji="0" lang="en-US" altLang="en-US" sz="1200" b="1" i="0" u="none" strike="noStrike" cap="none" normalizeH="0" baseline="0" dirty="0" err="1" smtClean="0">
+                <a:ln>
+                  <a:noFill/>
+                </a:ln>
+                <a:solidFill>
+                  <a:srgbClr val="000080"/>
+                </a:solidFill>
+                <a:effectLst/>
+                <a:latin typeface="Courier New" panose="02070309020205020404" pitchFamily="49" charset="0"/>
+                <a:cs typeface="Courier New" panose="02070309020205020404" pitchFamily="49" charset="0"/>
+              </a:rPr>
+              <a:t>def</a:t>
+            </a:r>
+            <a:r>
+              <a:rPr kumimoji="0" lang="en-US" altLang="en-US" sz="1200" b="1" i="0" u="none" strike="noStrike" cap="none" normalizeH="0" baseline="0" dirty="0" smtClean="0">
+                <a:ln>
+                  <a:noFill/>
+                </a:ln>
+                <a:solidFill>
+                  <a:srgbClr val="000080"/>
+                </a:solidFill>
+                <a:effectLst/>
+                <a:latin typeface="Courier New" panose="02070309020205020404" pitchFamily="49" charset="0"/>
+                <a:cs typeface="Courier New" panose="02070309020205020404" pitchFamily="49" charset="0"/>
+              </a:rPr>
+              <a:t> </a:t>
+            </a:r>
+            <a:r>
+              <a:rPr kumimoji="0" lang="en-US" altLang="en-US" sz="1200" b="0" i="0" u="none" strike="noStrike" cap="none" normalizeH="0" baseline="0" dirty="0" err="1" smtClean="0">
+                <a:ln>
+                  <a:noFill/>
+                </a:ln>
+                <a:solidFill>
+                  <a:srgbClr val="000000"/>
+                </a:solidFill>
+                <a:effectLst/>
+                <a:latin typeface="Courier New" panose="02070309020205020404" pitchFamily="49" charset="0"/>
+                <a:cs typeface="Courier New" panose="02070309020205020404" pitchFamily="49" charset="0"/>
+              </a:rPr>
+              <a:t>setaddress</a:t>
+            </a:r>
+            <a:r>
+              <a:rPr kumimoji="0" lang="en-US" altLang="en-US" sz="1200" b="0" i="0" u="none" strike="noStrike" cap="none" normalizeH="0" baseline="0" dirty="0" smtClean="0">
+                <a:ln>
+                  <a:noFill/>
+                </a:ln>
+                <a:solidFill>
+                  <a:srgbClr val="000000"/>
+                </a:solidFill>
+                <a:effectLst/>
+                <a:latin typeface="Courier New" panose="02070309020205020404" pitchFamily="49" charset="0"/>
+                <a:cs typeface="Courier New" panose="02070309020205020404" pitchFamily="49" charset="0"/>
+              </a:rPr>
+              <a:t>(</a:t>
+            </a:r>
+            <a:r>
+              <a:rPr kumimoji="0" lang="en-US" altLang="en-US" sz="1200" b="0" i="0" u="none" strike="noStrike" cap="none" normalizeH="0" baseline="0" dirty="0" err="1" smtClean="0">
+                <a:ln>
+                  <a:noFill/>
+                </a:ln>
+                <a:solidFill>
+                  <a:srgbClr val="94558D"/>
+                </a:solidFill>
+                <a:effectLst/>
+                <a:latin typeface="Courier New" panose="02070309020205020404" pitchFamily="49" charset="0"/>
+                <a:cs typeface="Courier New" panose="02070309020205020404" pitchFamily="49" charset="0"/>
+              </a:rPr>
+              <a:t>self</a:t>
+            </a:r>
+            <a:r>
+              <a:rPr kumimoji="0" lang="en-US" altLang="en-US" sz="1200" b="0" i="0" u="none" strike="noStrike" cap="none" normalizeH="0" baseline="0" dirty="0" err="1" smtClean="0">
+                <a:ln>
+                  <a:noFill/>
+                </a:ln>
+                <a:solidFill>
+                  <a:srgbClr val="000000"/>
+                </a:solidFill>
+                <a:effectLst/>
+                <a:latin typeface="Courier New" panose="02070309020205020404" pitchFamily="49" charset="0"/>
+                <a:cs typeface="Courier New" panose="02070309020205020404" pitchFamily="49" charset="0"/>
+              </a:rPr>
+              <a:t>,address</a:t>
+            </a:r>
+            <a:r>
+              <a:rPr kumimoji="0" lang="en-US" altLang="en-US" sz="1200" b="0" i="0" u="none" strike="noStrike" cap="none" normalizeH="0" baseline="0" dirty="0" smtClean="0">
+                <a:ln>
+                  <a:noFill/>
+                </a:ln>
+                <a:solidFill>
+                  <a:srgbClr val="000000"/>
+                </a:solidFill>
+                <a:effectLst/>
+                <a:latin typeface="Courier New" panose="02070309020205020404" pitchFamily="49" charset="0"/>
+                <a:cs typeface="Courier New" panose="02070309020205020404" pitchFamily="49" charset="0"/>
+              </a:rPr>
+              <a:t>):</a:t>
+            </a:r>
+            <a:br>
+              <a:rPr kumimoji="0" lang="en-US" altLang="en-US" sz="1200" b="0" i="0" u="none" strike="noStrike" cap="none" normalizeH="0" baseline="0" dirty="0" smtClean="0">
+                <a:ln>
+                  <a:noFill/>
+                </a:ln>
+                <a:solidFill>
+                  <a:srgbClr val="000000"/>
+                </a:solidFill>
+                <a:effectLst/>
+                <a:latin typeface="Courier New" panose="02070309020205020404" pitchFamily="49" charset="0"/>
+                <a:cs typeface="Courier New" panose="02070309020205020404" pitchFamily="49" charset="0"/>
+              </a:rPr>
+            </a:br>
+            <a:r>
+              <a:rPr kumimoji="0" lang="en-US" altLang="en-US" sz="1200" b="0" i="0" u="none" strike="noStrike" cap="none" normalizeH="0" baseline="0" dirty="0" smtClean="0">
+                <a:ln>
+                  <a:noFill/>
+                </a:ln>
+                <a:solidFill>
+                  <a:srgbClr val="000000"/>
+                </a:solidFill>
+                <a:effectLst/>
+                <a:latin typeface="Courier New" panose="02070309020205020404" pitchFamily="49" charset="0"/>
+                <a:cs typeface="Courier New" panose="02070309020205020404" pitchFamily="49" charset="0"/>
+              </a:rPr>
+              <a:t>        </a:t>
+            </a:r>
+            <a:r>
+              <a:rPr kumimoji="0" lang="en-US" altLang="en-US" sz="1200" b="0" i="0" u="none" strike="noStrike" cap="none" normalizeH="0" baseline="0" dirty="0" err="1" smtClean="0">
+                <a:ln>
+                  <a:noFill/>
+                </a:ln>
+                <a:solidFill>
+                  <a:srgbClr val="94558D"/>
+                </a:solidFill>
+                <a:effectLst/>
+                <a:latin typeface="Courier New" panose="02070309020205020404" pitchFamily="49" charset="0"/>
+                <a:cs typeface="Courier New" panose="02070309020205020404" pitchFamily="49" charset="0"/>
+              </a:rPr>
+              <a:t>self</a:t>
+            </a:r>
+            <a:r>
+              <a:rPr kumimoji="0" lang="en-US" altLang="en-US" sz="1200" b="0" i="0" u="none" strike="noStrike" cap="none" normalizeH="0" baseline="0" dirty="0" err="1" smtClean="0">
+                <a:ln>
+                  <a:noFill/>
+                </a:ln>
+                <a:solidFill>
+                  <a:srgbClr val="000000"/>
+                </a:solidFill>
+                <a:effectLst/>
+                <a:latin typeface="Courier New" panose="02070309020205020404" pitchFamily="49" charset="0"/>
+                <a:cs typeface="Courier New" panose="02070309020205020404" pitchFamily="49" charset="0"/>
+              </a:rPr>
+              <a:t>.__address</a:t>
+            </a:r>
+            <a:r>
+              <a:rPr kumimoji="0" lang="en-US" altLang="en-US" sz="1200" b="0" i="0" u="none" strike="noStrike" cap="none" normalizeH="0" baseline="0" dirty="0" smtClean="0">
+                <a:ln>
+                  <a:noFill/>
+                </a:ln>
+                <a:solidFill>
+                  <a:srgbClr val="000000"/>
+                </a:solidFill>
+                <a:effectLst/>
+                <a:latin typeface="Courier New" panose="02070309020205020404" pitchFamily="49" charset="0"/>
+                <a:cs typeface="Courier New" panose="02070309020205020404" pitchFamily="49" charset="0"/>
+              </a:rPr>
+              <a:t>=address</a:t>
+            </a:r>
+            <a:br>
+              <a:rPr kumimoji="0" lang="en-US" altLang="en-US" sz="1200" b="0" i="0" u="none" strike="noStrike" cap="none" normalizeH="0" baseline="0" dirty="0" smtClean="0">
+                <a:ln>
+                  <a:noFill/>
+                </a:ln>
+                <a:solidFill>
+                  <a:srgbClr val="000000"/>
+                </a:solidFill>
+                <a:effectLst/>
+                <a:latin typeface="Courier New" panose="02070309020205020404" pitchFamily="49" charset="0"/>
+                <a:cs typeface="Courier New" panose="02070309020205020404" pitchFamily="49" charset="0"/>
+              </a:rPr>
+            </a:br>
+            <a:r>
+              <a:rPr kumimoji="0" lang="en-US" altLang="en-US" sz="1200" b="0" i="0" u="none" strike="noStrike" cap="none" normalizeH="0" baseline="0" dirty="0" smtClean="0">
+                <a:ln>
+                  <a:noFill/>
+                </a:ln>
+                <a:solidFill>
+                  <a:srgbClr val="000000"/>
+                </a:solidFill>
+                <a:effectLst/>
+                <a:latin typeface="Courier New" panose="02070309020205020404" pitchFamily="49" charset="0"/>
+                <a:cs typeface="Courier New" panose="02070309020205020404" pitchFamily="49" charset="0"/>
+              </a:rPr>
+              <a:t/>
+            </a:r>
+            <a:br>
+              <a:rPr kumimoji="0" lang="en-US" altLang="en-US" sz="1200" b="0" i="0" u="none" strike="noStrike" cap="none" normalizeH="0" baseline="0" dirty="0" smtClean="0">
+                <a:ln>
+                  <a:noFill/>
+                </a:ln>
+                <a:solidFill>
+                  <a:srgbClr val="000000"/>
+                </a:solidFill>
+                <a:effectLst/>
+                <a:latin typeface="Courier New" panose="02070309020205020404" pitchFamily="49" charset="0"/>
+                <a:cs typeface="Courier New" panose="02070309020205020404" pitchFamily="49" charset="0"/>
+              </a:rPr>
+            </a:br>
+            <a:r>
+              <a:rPr kumimoji="0" lang="en-US" altLang="en-US" sz="1200" b="1" i="0" u="none" strike="noStrike" cap="none" normalizeH="0" baseline="0" dirty="0" smtClean="0">
+                <a:ln>
+                  <a:noFill/>
+                </a:ln>
+                <a:solidFill>
+                  <a:srgbClr val="000080"/>
+                </a:solidFill>
+                <a:effectLst/>
+                <a:latin typeface="Courier New" panose="02070309020205020404" pitchFamily="49" charset="0"/>
+                <a:cs typeface="Courier New" panose="02070309020205020404" pitchFamily="49" charset="0"/>
+              </a:rPr>
+              <a:t>class </a:t>
+            </a:r>
+            <a:r>
+              <a:rPr kumimoji="0" lang="en-US" altLang="en-US" sz="1200" b="0" i="0" u="none" strike="noStrike" cap="none" normalizeH="0" baseline="0" dirty="0" err="1" smtClean="0">
+                <a:ln>
+                  <a:noFill/>
+                </a:ln>
+                <a:solidFill>
+                  <a:srgbClr val="000000"/>
+                </a:solidFill>
+                <a:effectLst/>
+                <a:latin typeface="Courier New" panose="02070309020205020404" pitchFamily="49" charset="0"/>
+                <a:cs typeface="Courier New" panose="02070309020205020404" pitchFamily="49" charset="0"/>
+              </a:rPr>
+              <a:t>CompleteDetails</a:t>
+            </a:r>
+            <a:r>
+              <a:rPr kumimoji="0" lang="en-US" altLang="en-US" sz="1200" b="0" i="0" u="none" strike="noStrike" cap="none" normalizeH="0" baseline="0" dirty="0" smtClean="0">
+                <a:ln>
+                  <a:noFill/>
+                </a:ln>
+                <a:solidFill>
+                  <a:srgbClr val="000000"/>
+                </a:solidFill>
+                <a:effectLst/>
+                <a:latin typeface="Courier New" panose="02070309020205020404" pitchFamily="49" charset="0"/>
+                <a:cs typeface="Courier New" panose="02070309020205020404" pitchFamily="49" charset="0"/>
+              </a:rPr>
+              <a:t>(</a:t>
+            </a:r>
+            <a:r>
+              <a:rPr kumimoji="0" lang="en-US" altLang="en-US" sz="1200" b="0" i="0" u="none" strike="noStrike" cap="none" normalizeH="0" baseline="0" dirty="0" err="1" smtClean="0">
+                <a:ln>
+                  <a:noFill/>
+                </a:ln>
+                <a:solidFill>
+                  <a:srgbClr val="000000"/>
+                </a:solidFill>
+                <a:effectLst/>
+                <a:latin typeface="Courier New" panose="02070309020205020404" pitchFamily="49" charset="0"/>
+                <a:cs typeface="Courier New" panose="02070309020205020404" pitchFamily="49" charset="0"/>
+              </a:rPr>
+              <a:t>Student,Address</a:t>
+            </a:r>
+            <a:r>
+              <a:rPr kumimoji="0" lang="en-US" altLang="en-US" sz="1200" b="0" i="0" u="none" strike="noStrike" cap="none" normalizeH="0" baseline="0" dirty="0" smtClean="0">
+                <a:ln>
+                  <a:noFill/>
+                </a:ln>
+                <a:solidFill>
+                  <a:srgbClr val="000000"/>
+                </a:solidFill>
+                <a:effectLst/>
+                <a:latin typeface="Courier New" panose="02070309020205020404" pitchFamily="49" charset="0"/>
+                <a:cs typeface="Courier New" panose="02070309020205020404" pitchFamily="49" charset="0"/>
+              </a:rPr>
+              <a:t>):</a:t>
+            </a:r>
+            <a:br>
+              <a:rPr kumimoji="0" lang="en-US" altLang="en-US" sz="1200" b="0" i="0" u="none" strike="noStrike" cap="none" normalizeH="0" baseline="0" dirty="0" smtClean="0">
+                <a:ln>
+                  <a:noFill/>
+                </a:ln>
+                <a:solidFill>
+                  <a:srgbClr val="000000"/>
+                </a:solidFill>
+                <a:effectLst/>
+                <a:latin typeface="Courier New" panose="02070309020205020404" pitchFamily="49" charset="0"/>
+                <a:cs typeface="Courier New" panose="02070309020205020404" pitchFamily="49" charset="0"/>
+              </a:rPr>
+            </a:br>
+            <a:r>
+              <a:rPr kumimoji="0" lang="en-US" altLang="en-US" sz="1200" b="0" i="0" u="none" strike="noStrike" cap="none" normalizeH="0" baseline="0" dirty="0" smtClean="0">
+                <a:ln>
+                  <a:noFill/>
+                </a:ln>
+                <a:solidFill>
+                  <a:srgbClr val="000000"/>
+                </a:solidFill>
+                <a:effectLst/>
+                <a:latin typeface="Courier New" panose="02070309020205020404" pitchFamily="49" charset="0"/>
+                <a:cs typeface="Courier New" panose="02070309020205020404" pitchFamily="49" charset="0"/>
+              </a:rPr>
+              <a:t>    </a:t>
+            </a:r>
+            <a:r>
+              <a:rPr kumimoji="0" lang="en-US" altLang="en-US" sz="1200" b="1" i="0" u="none" strike="noStrike" cap="none" normalizeH="0" baseline="0" dirty="0" err="1" smtClean="0">
+                <a:ln>
+                  <a:noFill/>
+                </a:ln>
+                <a:solidFill>
+                  <a:srgbClr val="000080"/>
+                </a:solidFill>
+                <a:effectLst/>
+                <a:latin typeface="Courier New" panose="02070309020205020404" pitchFamily="49" charset="0"/>
+                <a:cs typeface="Courier New" panose="02070309020205020404" pitchFamily="49" charset="0"/>
+              </a:rPr>
+              <a:t>def</a:t>
+            </a:r>
+            <a:r>
+              <a:rPr kumimoji="0" lang="en-US" altLang="en-US" sz="1200" b="1" i="0" u="none" strike="noStrike" cap="none" normalizeH="0" baseline="0" dirty="0" smtClean="0">
+                <a:ln>
+                  <a:noFill/>
+                </a:ln>
+                <a:solidFill>
+                  <a:srgbClr val="000080"/>
+                </a:solidFill>
+                <a:effectLst/>
+                <a:latin typeface="Courier New" panose="02070309020205020404" pitchFamily="49" charset="0"/>
+                <a:cs typeface="Courier New" panose="02070309020205020404" pitchFamily="49" charset="0"/>
+              </a:rPr>
+              <a:t> </a:t>
+            </a:r>
+            <a:r>
+              <a:rPr kumimoji="0" lang="en-US" altLang="en-US" sz="1200" b="0" i="0" u="none" strike="noStrike" cap="none" normalizeH="0" baseline="0" dirty="0" smtClean="0">
+                <a:ln>
+                  <a:noFill/>
+                </a:ln>
+                <a:solidFill>
+                  <a:srgbClr val="000000"/>
+                </a:solidFill>
+                <a:effectLst/>
+                <a:latin typeface="Courier New" panose="02070309020205020404" pitchFamily="49" charset="0"/>
+                <a:cs typeface="Courier New" panose="02070309020205020404" pitchFamily="49" charset="0"/>
+              </a:rPr>
+              <a:t>details(</a:t>
+            </a:r>
+            <a:r>
+              <a:rPr kumimoji="0" lang="en-US" altLang="en-US" sz="1200" b="0" i="0" u="none" strike="noStrike" cap="none" normalizeH="0" baseline="0" dirty="0" smtClean="0">
+                <a:ln>
+                  <a:noFill/>
+                </a:ln>
+                <a:solidFill>
+                  <a:srgbClr val="94558D"/>
+                </a:solidFill>
+                <a:effectLst/>
+                <a:latin typeface="Courier New" panose="02070309020205020404" pitchFamily="49" charset="0"/>
+                <a:cs typeface="Courier New" panose="02070309020205020404" pitchFamily="49" charset="0"/>
+              </a:rPr>
+              <a:t>self</a:t>
+            </a:r>
+            <a:r>
+              <a:rPr kumimoji="0" lang="en-US" altLang="en-US" sz="1200" b="0" i="0" u="none" strike="noStrike" cap="none" normalizeH="0" baseline="0" dirty="0" smtClean="0">
+                <a:ln>
+                  <a:noFill/>
+                </a:ln>
+                <a:solidFill>
+                  <a:srgbClr val="000000"/>
+                </a:solidFill>
+                <a:effectLst/>
+                <a:latin typeface="Courier New" panose="02070309020205020404" pitchFamily="49" charset="0"/>
+                <a:cs typeface="Courier New" panose="02070309020205020404" pitchFamily="49" charset="0"/>
+              </a:rPr>
+              <a:t>):</a:t>
+            </a:r>
+            <a:br>
+              <a:rPr kumimoji="0" lang="en-US" altLang="en-US" sz="1200" b="0" i="0" u="none" strike="noStrike" cap="none" normalizeH="0" baseline="0" dirty="0" smtClean="0">
+                <a:ln>
+                  <a:noFill/>
+                </a:ln>
+                <a:solidFill>
+                  <a:srgbClr val="000000"/>
+                </a:solidFill>
+                <a:effectLst/>
+                <a:latin typeface="Courier New" panose="02070309020205020404" pitchFamily="49" charset="0"/>
+                <a:cs typeface="Courier New" panose="02070309020205020404" pitchFamily="49" charset="0"/>
+              </a:rPr>
+            </a:br>
+            <a:r>
+              <a:rPr kumimoji="0" lang="en-US" altLang="en-US" sz="1200" b="0" i="0" u="none" strike="noStrike" cap="none" normalizeH="0" baseline="0" dirty="0" smtClean="0">
+                <a:ln>
+                  <a:noFill/>
+                </a:ln>
+                <a:solidFill>
+                  <a:srgbClr val="000000"/>
+                </a:solidFill>
+                <a:effectLst/>
+                <a:latin typeface="Courier New" panose="02070309020205020404" pitchFamily="49" charset="0"/>
+                <a:cs typeface="Courier New" panose="02070309020205020404" pitchFamily="49" charset="0"/>
+              </a:rPr>
+              <a:t>        </a:t>
+            </a:r>
+            <a:r>
+              <a:rPr kumimoji="0" lang="en-US" altLang="en-US" sz="1200" b="1" i="0" u="none" strike="noStrike" cap="none" normalizeH="0" baseline="0" dirty="0" smtClean="0">
+                <a:ln>
+                  <a:noFill/>
+                </a:ln>
+                <a:solidFill>
+                  <a:srgbClr val="000080"/>
+                </a:solidFill>
+                <a:effectLst/>
+                <a:latin typeface="Courier New" panose="02070309020205020404" pitchFamily="49" charset="0"/>
+                <a:cs typeface="Courier New" panose="02070309020205020404" pitchFamily="49" charset="0"/>
+              </a:rPr>
+              <a:t>return </a:t>
+            </a:r>
+            <a:r>
+              <a:rPr kumimoji="0" lang="en-US" altLang="en-US" sz="1200" b="0" i="0" u="none" strike="noStrike" cap="none" normalizeH="0" baseline="0" dirty="0" err="1" smtClean="0">
+                <a:ln>
+                  <a:noFill/>
+                </a:ln>
+                <a:solidFill>
+                  <a:srgbClr val="94558D"/>
+                </a:solidFill>
+                <a:effectLst/>
+                <a:latin typeface="Courier New" panose="02070309020205020404" pitchFamily="49" charset="0"/>
+                <a:cs typeface="Courier New" panose="02070309020205020404" pitchFamily="49" charset="0"/>
+              </a:rPr>
+              <a:t>self</a:t>
+            </a:r>
+            <a:r>
+              <a:rPr kumimoji="0" lang="en-US" altLang="en-US" sz="1200" b="0" i="0" u="none" strike="noStrike" cap="none" normalizeH="0" baseline="0" dirty="0" err="1" smtClean="0">
+                <a:ln>
+                  <a:noFill/>
+                </a:ln>
+                <a:solidFill>
+                  <a:srgbClr val="000000"/>
+                </a:solidFill>
+                <a:effectLst/>
+                <a:latin typeface="Courier New" panose="02070309020205020404" pitchFamily="49" charset="0"/>
+                <a:cs typeface="Courier New" panose="02070309020205020404" pitchFamily="49" charset="0"/>
+              </a:rPr>
+              <a:t>.schoolname</a:t>
+            </a:r>
+            <a:r>
+              <a:rPr kumimoji="0" lang="en-US" altLang="en-US" sz="1200" b="0" i="0" u="none" strike="noStrike" cap="none" normalizeH="0" baseline="0" dirty="0" smtClean="0">
+                <a:ln>
+                  <a:noFill/>
+                </a:ln>
+                <a:solidFill>
+                  <a:srgbClr val="000000"/>
+                </a:solidFill>
+                <a:effectLst/>
+                <a:latin typeface="Courier New" panose="02070309020205020404" pitchFamily="49" charset="0"/>
+                <a:cs typeface="Courier New" panose="02070309020205020404" pitchFamily="49" charset="0"/>
+              </a:rPr>
+              <a:t>+</a:t>
+            </a:r>
+            <a:r>
+              <a:rPr kumimoji="0" lang="en-US" altLang="en-US" sz="1200" b="1" i="0" u="none" strike="noStrike" cap="none" normalizeH="0" baseline="0" dirty="0" smtClean="0">
+                <a:ln>
+                  <a:noFill/>
+                </a:ln>
+                <a:solidFill>
+                  <a:srgbClr val="008080"/>
+                </a:solidFill>
+                <a:effectLst/>
+                <a:latin typeface="Courier New" panose="02070309020205020404" pitchFamily="49" charset="0"/>
+                <a:cs typeface="Courier New" panose="02070309020205020404" pitchFamily="49" charset="0"/>
+              </a:rPr>
+              <a:t>"- "</a:t>
+            </a:r>
+            <a:r>
+              <a:rPr kumimoji="0" lang="en-US" altLang="en-US" sz="1200" b="0" i="0" u="none" strike="noStrike" cap="none" normalizeH="0" baseline="0" dirty="0" smtClean="0">
+                <a:ln>
+                  <a:noFill/>
+                </a:ln>
+                <a:solidFill>
+                  <a:srgbClr val="000000"/>
+                </a:solidFill>
+                <a:effectLst/>
+                <a:latin typeface="Courier New" panose="02070309020205020404" pitchFamily="49" charset="0"/>
+                <a:cs typeface="Courier New" panose="02070309020205020404" pitchFamily="49" charset="0"/>
+              </a:rPr>
+              <a:t>+</a:t>
+            </a:r>
+            <a:r>
+              <a:rPr kumimoji="0" lang="en-US" altLang="en-US" sz="1200" b="0" i="0" u="none" strike="noStrike" cap="none" normalizeH="0" baseline="0" dirty="0" err="1" smtClean="0">
+                <a:ln>
+                  <a:noFill/>
+                </a:ln>
+                <a:solidFill>
+                  <a:srgbClr val="94558D"/>
+                </a:solidFill>
+                <a:effectLst/>
+                <a:latin typeface="Courier New" panose="02070309020205020404" pitchFamily="49" charset="0"/>
+                <a:cs typeface="Courier New" panose="02070309020205020404" pitchFamily="49" charset="0"/>
+              </a:rPr>
+              <a:t>self</a:t>
+            </a:r>
+            <a:r>
+              <a:rPr kumimoji="0" lang="en-US" altLang="en-US" sz="1200" b="0" i="0" u="none" strike="noStrike" cap="none" normalizeH="0" baseline="0" dirty="0" err="1" smtClean="0">
+                <a:ln>
+                  <a:noFill/>
+                </a:ln>
+                <a:solidFill>
+                  <a:srgbClr val="000000"/>
+                </a:solidFill>
+                <a:effectLst/>
+                <a:latin typeface="Courier New" panose="02070309020205020404" pitchFamily="49" charset="0"/>
+                <a:cs typeface="Courier New" panose="02070309020205020404" pitchFamily="49" charset="0"/>
+              </a:rPr>
+              <a:t>.firstname</a:t>
+            </a:r>
+            <a:r>
+              <a:rPr kumimoji="0" lang="en-US" altLang="en-US" sz="1200" b="0" i="0" u="none" strike="noStrike" cap="none" normalizeH="0" baseline="0" dirty="0" smtClean="0">
+                <a:ln>
+                  <a:noFill/>
+                </a:ln>
+                <a:solidFill>
+                  <a:srgbClr val="000000"/>
+                </a:solidFill>
+                <a:effectLst/>
+                <a:latin typeface="Courier New" panose="02070309020205020404" pitchFamily="49" charset="0"/>
+                <a:cs typeface="Courier New" panose="02070309020205020404" pitchFamily="49" charset="0"/>
+              </a:rPr>
+              <a:t>+</a:t>
+            </a:r>
+            <a:r>
+              <a:rPr kumimoji="0" lang="en-US" altLang="en-US" sz="1200" b="1" i="0" u="none" strike="noStrike" cap="none" normalizeH="0" baseline="0" dirty="0" smtClean="0">
+                <a:ln>
+                  <a:noFill/>
+                </a:ln>
+                <a:solidFill>
+                  <a:srgbClr val="008080"/>
+                </a:solidFill>
+                <a:effectLst/>
+                <a:latin typeface="Courier New" panose="02070309020205020404" pitchFamily="49" charset="0"/>
+                <a:cs typeface="Courier New" panose="02070309020205020404" pitchFamily="49" charset="0"/>
+              </a:rPr>
+              <a:t>", "</a:t>
+            </a:r>
+            <a:r>
+              <a:rPr kumimoji="0" lang="en-US" altLang="en-US" sz="1200" b="0" i="0" u="none" strike="noStrike" cap="none" normalizeH="0" baseline="0" dirty="0" smtClean="0">
+                <a:ln>
+                  <a:noFill/>
+                </a:ln>
+                <a:solidFill>
+                  <a:srgbClr val="000000"/>
+                </a:solidFill>
+                <a:effectLst/>
+                <a:latin typeface="Courier New" panose="02070309020205020404" pitchFamily="49" charset="0"/>
+                <a:cs typeface="Courier New" panose="02070309020205020404" pitchFamily="49" charset="0"/>
+              </a:rPr>
+              <a:t>+</a:t>
+            </a:r>
+            <a:r>
+              <a:rPr kumimoji="0" lang="en-US" altLang="en-US" sz="1200" b="0" i="0" u="none" strike="noStrike" cap="none" normalizeH="0" baseline="0" dirty="0" err="1" smtClean="0">
+                <a:ln>
+                  <a:noFill/>
+                </a:ln>
+                <a:solidFill>
+                  <a:srgbClr val="94558D"/>
+                </a:solidFill>
+                <a:effectLst/>
+                <a:latin typeface="Courier New" panose="02070309020205020404" pitchFamily="49" charset="0"/>
+                <a:cs typeface="Courier New" panose="02070309020205020404" pitchFamily="49" charset="0"/>
+              </a:rPr>
+              <a:t>self</a:t>
+            </a:r>
+            <a:r>
+              <a:rPr kumimoji="0" lang="en-US" altLang="en-US" sz="1200" b="0" i="0" u="none" strike="noStrike" cap="none" normalizeH="0" baseline="0" dirty="0" err="1" smtClean="0">
+                <a:ln>
+                  <a:noFill/>
+                </a:ln>
+                <a:solidFill>
+                  <a:srgbClr val="000000"/>
+                </a:solidFill>
+                <a:effectLst/>
+                <a:latin typeface="Courier New" panose="02070309020205020404" pitchFamily="49" charset="0"/>
+                <a:cs typeface="Courier New" panose="02070309020205020404" pitchFamily="49" charset="0"/>
+              </a:rPr>
+              <a:t>.lastname</a:t>
+            </a:r>
+            <a:r>
+              <a:rPr kumimoji="0" lang="en-US" altLang="en-US" sz="1200" b="0" i="0" u="none" strike="noStrike" cap="none" normalizeH="0" baseline="0" dirty="0" smtClean="0">
+                <a:ln>
+                  <a:noFill/>
+                </a:ln>
+                <a:solidFill>
+                  <a:srgbClr val="000000"/>
+                </a:solidFill>
+                <a:effectLst/>
+                <a:latin typeface="Courier New" panose="02070309020205020404" pitchFamily="49" charset="0"/>
+                <a:cs typeface="Courier New" panose="02070309020205020404" pitchFamily="49" charset="0"/>
+              </a:rPr>
+              <a:t>+</a:t>
+            </a:r>
+            <a:r>
+              <a:rPr kumimoji="0" lang="en-US" altLang="en-US" sz="1200" b="1" i="0" u="none" strike="noStrike" cap="none" normalizeH="0" baseline="0" dirty="0" smtClean="0">
+                <a:ln>
+                  <a:noFill/>
+                </a:ln>
+                <a:solidFill>
+                  <a:srgbClr val="008080"/>
+                </a:solidFill>
+                <a:effectLst/>
+                <a:latin typeface="Courier New" panose="02070309020205020404" pitchFamily="49" charset="0"/>
+                <a:cs typeface="Courier New" panose="02070309020205020404" pitchFamily="49" charset="0"/>
+              </a:rPr>
+              <a:t>" Address: "</a:t>
+            </a:r>
+            <a:r>
+              <a:rPr kumimoji="0" lang="en-US" altLang="en-US" sz="1200" b="0" i="0" u="none" strike="noStrike" cap="none" normalizeH="0" baseline="0" dirty="0" smtClean="0">
+                <a:ln>
+                  <a:noFill/>
+                </a:ln>
+                <a:solidFill>
+                  <a:srgbClr val="000000"/>
+                </a:solidFill>
+                <a:effectLst/>
+                <a:latin typeface="Courier New" panose="02070309020205020404" pitchFamily="49" charset="0"/>
+                <a:cs typeface="Courier New" panose="02070309020205020404" pitchFamily="49" charset="0"/>
+              </a:rPr>
+              <a:t>+</a:t>
+            </a:r>
+            <a:r>
+              <a:rPr kumimoji="0" lang="en-US" altLang="en-US" sz="1200" b="0" i="0" u="none" strike="noStrike" cap="none" normalizeH="0" baseline="0" dirty="0" err="1" smtClean="0">
+                <a:ln>
+                  <a:noFill/>
+                </a:ln>
+                <a:solidFill>
+                  <a:srgbClr val="94558D"/>
+                </a:solidFill>
+                <a:effectLst/>
+                <a:latin typeface="Courier New" panose="02070309020205020404" pitchFamily="49" charset="0"/>
+                <a:cs typeface="Courier New" panose="02070309020205020404" pitchFamily="49" charset="0"/>
+              </a:rPr>
+              <a:t>self</a:t>
+            </a:r>
+            <a:r>
+              <a:rPr kumimoji="0" lang="en-US" altLang="en-US" sz="1200" b="0" i="0" u="none" strike="noStrike" cap="none" normalizeH="0" baseline="0" dirty="0" err="1" smtClean="0">
+                <a:ln>
+                  <a:noFill/>
+                </a:ln>
+                <a:solidFill>
+                  <a:srgbClr val="000000"/>
+                </a:solidFill>
+                <a:effectLst/>
+                <a:latin typeface="Courier New" panose="02070309020205020404" pitchFamily="49" charset="0"/>
+                <a:cs typeface="Courier New" panose="02070309020205020404" pitchFamily="49" charset="0"/>
+              </a:rPr>
+              <a:t>.__address</a:t>
+            </a:r>
+            <a:r>
+              <a:rPr kumimoji="0" lang="en-US" altLang="en-US" sz="1200" b="0" i="0" u="none" strike="noStrike" cap="none" normalizeH="0" baseline="0" dirty="0" smtClean="0">
+                <a:ln>
+                  <a:noFill/>
+                </a:ln>
+                <a:solidFill>
+                  <a:srgbClr val="000000"/>
+                </a:solidFill>
+                <a:effectLst/>
+                <a:latin typeface="Courier New" panose="02070309020205020404" pitchFamily="49" charset="0"/>
+                <a:cs typeface="Courier New" panose="02070309020205020404" pitchFamily="49" charset="0"/>
+              </a:rPr>
+              <a:t/>
+            </a:r>
+            <a:br>
+              <a:rPr kumimoji="0" lang="en-US" altLang="en-US" sz="1200" b="0" i="0" u="none" strike="noStrike" cap="none" normalizeH="0" baseline="0" dirty="0" smtClean="0">
+                <a:ln>
+                  <a:noFill/>
+                </a:ln>
+                <a:solidFill>
+                  <a:srgbClr val="000000"/>
+                </a:solidFill>
+                <a:effectLst/>
+                <a:latin typeface="Courier New" panose="02070309020205020404" pitchFamily="49" charset="0"/>
+                <a:cs typeface="Courier New" panose="02070309020205020404" pitchFamily="49" charset="0"/>
+              </a:rPr>
+            </a:br>
+            <a:r>
+              <a:rPr kumimoji="0" lang="en-US" altLang="en-US" sz="1200" b="0" i="0" u="none" strike="noStrike" cap="none" normalizeH="0" baseline="0" dirty="0" smtClean="0">
+                <a:ln>
+                  <a:noFill/>
+                </a:ln>
+                <a:solidFill>
+                  <a:srgbClr val="000000"/>
+                </a:solidFill>
+                <a:effectLst/>
+                <a:latin typeface="Courier New" panose="02070309020205020404" pitchFamily="49" charset="0"/>
+                <a:cs typeface="Courier New" panose="02070309020205020404" pitchFamily="49" charset="0"/>
+              </a:rPr>
+              <a:t>s1=</a:t>
+            </a:r>
+            <a:r>
+              <a:rPr kumimoji="0" lang="en-US" altLang="en-US" sz="1200" b="0" i="0" u="none" strike="noStrike" cap="none" normalizeH="0" baseline="0" dirty="0" err="1" smtClean="0">
+                <a:ln>
+                  <a:noFill/>
+                </a:ln>
+                <a:solidFill>
+                  <a:srgbClr val="000000"/>
+                </a:solidFill>
+                <a:effectLst/>
+                <a:latin typeface="Courier New" panose="02070309020205020404" pitchFamily="49" charset="0"/>
+                <a:cs typeface="Courier New" panose="02070309020205020404" pitchFamily="49" charset="0"/>
+              </a:rPr>
+              <a:t>CompleteDetails</a:t>
+            </a:r>
+            <a:r>
+              <a:rPr kumimoji="0" lang="en-US" altLang="en-US" sz="1200" b="0" i="0" u="none" strike="noStrike" cap="none" normalizeH="0" baseline="0" dirty="0" smtClean="0">
+                <a:ln>
+                  <a:noFill/>
+                </a:ln>
+                <a:solidFill>
+                  <a:srgbClr val="000000"/>
+                </a:solidFill>
+                <a:effectLst/>
+                <a:latin typeface="Courier New" panose="02070309020205020404" pitchFamily="49" charset="0"/>
+                <a:cs typeface="Courier New" panose="02070309020205020404" pitchFamily="49" charset="0"/>
+              </a:rPr>
+              <a:t>()</a:t>
+            </a:r>
+            <a:br>
+              <a:rPr kumimoji="0" lang="en-US" altLang="en-US" sz="1200" b="0" i="0" u="none" strike="noStrike" cap="none" normalizeH="0" baseline="0" dirty="0" smtClean="0">
+                <a:ln>
+                  <a:noFill/>
+                </a:ln>
+                <a:solidFill>
+                  <a:srgbClr val="000000"/>
+                </a:solidFill>
+                <a:effectLst/>
+                <a:latin typeface="Courier New" panose="02070309020205020404" pitchFamily="49" charset="0"/>
+                <a:cs typeface="Courier New" panose="02070309020205020404" pitchFamily="49" charset="0"/>
+              </a:rPr>
+            </a:br>
+            <a:r>
+              <a:rPr kumimoji="0" lang="en-US" altLang="en-US" sz="1200" b="0" i="0" u="none" strike="noStrike" cap="none" normalizeH="0" baseline="0" dirty="0" smtClean="0">
+                <a:ln>
+                  <a:noFill/>
+                </a:ln>
+                <a:solidFill>
+                  <a:srgbClr val="000000"/>
+                </a:solidFill>
+                <a:effectLst/>
+                <a:latin typeface="Courier New" panose="02070309020205020404" pitchFamily="49" charset="0"/>
+                <a:cs typeface="Courier New" panose="02070309020205020404" pitchFamily="49" charset="0"/>
+              </a:rPr>
+              <a:t>s1.name(</a:t>
+            </a:r>
+            <a:r>
+              <a:rPr kumimoji="0" lang="en-US" altLang="en-US" sz="1200" b="1" i="0" u="none" strike="noStrike" cap="none" normalizeH="0" baseline="0" dirty="0" smtClean="0">
+                <a:ln>
+                  <a:noFill/>
+                </a:ln>
+                <a:solidFill>
+                  <a:srgbClr val="008080"/>
+                </a:solidFill>
+                <a:effectLst/>
+                <a:latin typeface="Courier New" panose="02070309020205020404" pitchFamily="49" charset="0"/>
+                <a:cs typeface="Courier New" panose="02070309020205020404" pitchFamily="49" charset="0"/>
+              </a:rPr>
+              <a:t>'</a:t>
+            </a:r>
+            <a:r>
+              <a:rPr kumimoji="0" lang="en-US" altLang="en-US" sz="1200" b="1" i="0" u="none" strike="noStrike" cap="none" normalizeH="0" baseline="0" dirty="0" err="1" smtClean="0">
+                <a:ln>
+                  <a:noFill/>
+                </a:ln>
+                <a:solidFill>
+                  <a:srgbClr val="008080"/>
+                </a:solidFill>
+                <a:effectLst/>
+                <a:latin typeface="Courier New" panose="02070309020205020404" pitchFamily="49" charset="0"/>
+                <a:cs typeface="Courier New" panose="02070309020205020404" pitchFamily="49" charset="0"/>
+              </a:rPr>
+              <a:t>Roman'</a:t>
+            </a:r>
+            <a:r>
+              <a:rPr kumimoji="0" lang="en-US" altLang="en-US" sz="1200" b="0" i="0" u="none" strike="noStrike" cap="none" normalizeH="0" baseline="0" dirty="0" err="1" smtClean="0">
+                <a:ln>
+                  <a:noFill/>
+                </a:ln>
+                <a:solidFill>
+                  <a:srgbClr val="000000"/>
+                </a:solidFill>
+                <a:effectLst/>
+                <a:latin typeface="Courier New" panose="02070309020205020404" pitchFamily="49" charset="0"/>
+                <a:cs typeface="Courier New" panose="02070309020205020404" pitchFamily="49" charset="0"/>
+              </a:rPr>
+              <a:t>,</a:t>
+            </a:r>
+            <a:r>
+              <a:rPr kumimoji="0" lang="en-US" altLang="en-US" sz="1200" b="1" i="0" u="none" strike="noStrike" cap="none" normalizeH="0" baseline="0" dirty="0" err="1" smtClean="0">
+                <a:ln>
+                  <a:noFill/>
+                </a:ln>
+                <a:solidFill>
+                  <a:srgbClr val="008080"/>
+                </a:solidFill>
+                <a:effectLst/>
+                <a:latin typeface="Courier New" panose="02070309020205020404" pitchFamily="49" charset="0"/>
+                <a:cs typeface="Courier New" panose="02070309020205020404" pitchFamily="49" charset="0"/>
+              </a:rPr>
+              <a:t>'Reigns</a:t>
+            </a:r>
+            <a:r>
+              <a:rPr kumimoji="0" lang="en-US" altLang="en-US" sz="1200" b="1" i="0" u="none" strike="noStrike" cap="none" normalizeH="0" baseline="0" dirty="0" smtClean="0">
+                <a:ln>
+                  <a:noFill/>
+                </a:ln>
+                <a:solidFill>
+                  <a:srgbClr val="008080"/>
+                </a:solidFill>
+                <a:effectLst/>
+                <a:latin typeface="Courier New" panose="02070309020205020404" pitchFamily="49" charset="0"/>
+                <a:cs typeface="Courier New" panose="02070309020205020404" pitchFamily="49" charset="0"/>
+              </a:rPr>
+              <a:t>'</a:t>
+            </a:r>
+            <a:r>
+              <a:rPr kumimoji="0" lang="en-US" altLang="en-US" sz="1200" b="0" i="0" u="none" strike="noStrike" cap="none" normalizeH="0" baseline="0" dirty="0" smtClean="0">
+                <a:ln>
+                  <a:noFill/>
+                </a:ln>
+                <a:solidFill>
+                  <a:srgbClr val="000000"/>
+                </a:solidFill>
+                <a:effectLst/>
+                <a:latin typeface="Courier New" panose="02070309020205020404" pitchFamily="49" charset="0"/>
+                <a:cs typeface="Courier New" panose="02070309020205020404" pitchFamily="49" charset="0"/>
+              </a:rPr>
+              <a:t>)</a:t>
+            </a:r>
+            <a:br>
+              <a:rPr kumimoji="0" lang="en-US" altLang="en-US" sz="1200" b="0" i="0" u="none" strike="noStrike" cap="none" normalizeH="0" baseline="0" dirty="0" smtClean="0">
+                <a:ln>
+                  <a:noFill/>
+                </a:ln>
+                <a:solidFill>
+                  <a:srgbClr val="000000"/>
+                </a:solidFill>
+                <a:effectLst/>
+                <a:latin typeface="Courier New" panose="02070309020205020404" pitchFamily="49" charset="0"/>
+                <a:cs typeface="Courier New" panose="02070309020205020404" pitchFamily="49" charset="0"/>
+              </a:rPr>
+            </a:br>
+            <a:r>
+              <a:rPr kumimoji="0" lang="en-US" altLang="en-US" sz="1200" b="0" i="0" u="none" strike="noStrike" cap="none" normalizeH="0" baseline="0" dirty="0" smtClean="0">
+                <a:ln>
+                  <a:noFill/>
+                </a:ln>
+                <a:solidFill>
+                  <a:srgbClr val="000000"/>
+                </a:solidFill>
+                <a:effectLst/>
+                <a:latin typeface="Courier New" panose="02070309020205020404" pitchFamily="49" charset="0"/>
+                <a:cs typeface="Courier New" panose="02070309020205020404" pitchFamily="49" charset="0"/>
+              </a:rPr>
+              <a:t>s1.setaddress(</a:t>
+            </a:r>
+            <a:r>
+              <a:rPr kumimoji="0" lang="en-US" altLang="en-US" sz="1200" b="1" i="0" u="none" strike="noStrike" cap="none" normalizeH="0" baseline="0" dirty="0" smtClean="0">
+                <a:ln>
+                  <a:noFill/>
+                </a:ln>
+                <a:solidFill>
+                  <a:srgbClr val="008080"/>
+                </a:solidFill>
+                <a:effectLst/>
+                <a:latin typeface="Courier New" panose="02070309020205020404" pitchFamily="49" charset="0"/>
+                <a:cs typeface="Courier New" panose="02070309020205020404" pitchFamily="49" charset="0"/>
+              </a:rPr>
+              <a:t>"Bangalore"</a:t>
+            </a:r>
+            <a:r>
+              <a:rPr kumimoji="0" lang="en-US" altLang="en-US" sz="1200" b="0" i="0" u="none" strike="noStrike" cap="none" normalizeH="0" baseline="0" dirty="0" smtClean="0">
+                <a:ln>
+                  <a:noFill/>
+                </a:ln>
+                <a:solidFill>
+                  <a:srgbClr val="000000"/>
+                </a:solidFill>
+                <a:effectLst/>
+                <a:latin typeface="Courier New" panose="02070309020205020404" pitchFamily="49" charset="0"/>
+                <a:cs typeface="Courier New" panose="02070309020205020404" pitchFamily="49" charset="0"/>
+              </a:rPr>
+              <a:t>)</a:t>
+            </a:r>
+            <a:br>
+              <a:rPr kumimoji="0" lang="en-US" altLang="en-US" sz="1200" b="0" i="0" u="none" strike="noStrike" cap="none" normalizeH="0" baseline="0" dirty="0" smtClean="0">
+                <a:ln>
+                  <a:noFill/>
+                </a:ln>
+                <a:solidFill>
+                  <a:srgbClr val="000000"/>
+                </a:solidFill>
+                <a:effectLst/>
+                <a:latin typeface="Courier New" panose="02070309020205020404" pitchFamily="49" charset="0"/>
+                <a:cs typeface="Courier New" panose="02070309020205020404" pitchFamily="49" charset="0"/>
+              </a:rPr>
+            </a:br>
+            <a:r>
+              <a:rPr kumimoji="0" lang="en-US" altLang="en-US" sz="1200" b="0" i="0" u="none" strike="noStrike" cap="none" normalizeH="0" baseline="0" dirty="0" smtClean="0">
+                <a:ln>
+                  <a:noFill/>
+                </a:ln>
+                <a:solidFill>
+                  <a:srgbClr val="000080"/>
+                </a:solidFill>
+                <a:effectLst/>
+                <a:latin typeface="Courier New" panose="02070309020205020404" pitchFamily="49" charset="0"/>
+                <a:cs typeface="Courier New" panose="02070309020205020404" pitchFamily="49" charset="0"/>
+              </a:rPr>
+              <a:t>print</a:t>
+            </a:r>
+            <a:r>
+              <a:rPr kumimoji="0" lang="en-US" altLang="en-US" sz="1200" b="0" i="0" u="none" strike="noStrike" cap="none" normalizeH="0" baseline="0" dirty="0" smtClean="0">
+                <a:ln>
+                  <a:noFill/>
+                </a:ln>
+                <a:solidFill>
+                  <a:srgbClr val="000000"/>
+                </a:solidFill>
+                <a:effectLst/>
+                <a:latin typeface="Courier New" panose="02070309020205020404" pitchFamily="49" charset="0"/>
+                <a:cs typeface="Courier New" panose="02070309020205020404" pitchFamily="49" charset="0"/>
+              </a:rPr>
+              <a:t>(s1.details())</a:t>
+            </a:r>
+            <a:endParaRPr kumimoji="0" lang="en-US" altLang="en-US" sz="1600" b="0" i="0" u="none" strike="noStrike" cap="none" normalizeH="0" baseline="0" dirty="0" smtClean="0">
+              <a:ln>
+                <a:noFill/>
+              </a:ln>
+              <a:solidFill>
+                <a:schemeClr val="tx1"/>
+              </a:solidFill>
+              <a:effectLst/>
+              <a:latin typeface="Arial" panose="020B0604020202020204" pitchFamily="34" charset="0"/>
+            </a:endParaRPr>
+          </a:p>
+        </p:txBody>
+      </p:sp>
+    </p:spTree>
+    <p:extLst>
+      <p:ext uri="{BB962C8B-B14F-4D97-AF65-F5344CB8AC3E}">
+        <p14:creationId xmlns:p14="http://schemas.microsoft.com/office/powerpoint/2010/main" val="849558941"/>
+      </p:ext>
+    </p:extLst>
+  </p:cSld>
+  <p:clrMapOvr>
+    <a:masterClrMapping/>
+  </p:clrMapOvr>
+</p:sld>
+</file>
+
 <file path=ppt/slides/slide2.xml><?xml version="1.0" encoding="utf-8"?>
 <p:sld xmlns:a="http://schemas.openxmlformats.org/drawingml/2006/main" xmlns:r="http://schemas.openxmlformats.org/officeDocument/2006/relationships" xmlns:p="http://schemas.openxmlformats.org/presentationml/2006/main">
   <p:cSld>
@@ -14833,6 +18394,2327 @@
     <p:extLst>
       <p:ext uri="{BB962C8B-B14F-4D97-AF65-F5344CB8AC3E}">
         <p14:creationId xmlns:p14="http://schemas.microsoft.com/office/powerpoint/2010/main" val="490891807"/>
+      </p:ext>
+    </p:extLst>
+  </p:cSld>
+  <p:clrMapOvr>
+    <a:masterClrMapping/>
+  </p:clrMapOvr>
+</p:sld>
+</file>
+
+<file path=ppt/slides/slide8.xml><?xml version="1.0" encoding="utf-8"?>
+<p:sld xmlns:a="http://schemas.openxmlformats.org/drawingml/2006/main" xmlns:r="http://schemas.openxmlformats.org/officeDocument/2006/relationships" xmlns:p="http://schemas.openxmlformats.org/presentationml/2006/main">
+  <p:cSld>
+    <p:spTree>
+      <p:nvGrpSpPr>
+        <p:cNvPr id="1" name=""/>
+        <p:cNvGrpSpPr/>
+        <p:nvPr/>
+      </p:nvGrpSpPr>
+      <p:grpSpPr>
+        <a:xfrm>
+          <a:off x="0" y="0"/>
+          <a:ext cx="0" cy="0"/>
+          <a:chOff x="0" y="0"/>
+          <a:chExt cx="0" cy="0"/>
+        </a:xfrm>
+      </p:grpSpPr>
+      <p:sp>
+        <p:nvSpPr>
+          <p:cNvPr id="2" name="Title 1"/>
+          <p:cNvSpPr>
+            <a:spLocks noGrp="1"/>
+          </p:cNvSpPr>
+          <p:nvPr>
+            <p:ph type="title"/>
+          </p:nvPr>
+        </p:nvSpPr>
+        <p:spPr/>
+        <p:txBody>
+          <a:bodyPr/>
+          <a:lstStyle/>
+          <a:p>
+            <a:r>
+              <a:rPr lang="en-IN" dirty="0"/>
+              <a:t>Deleting Objects</a:t>
+            </a:r>
+          </a:p>
+        </p:txBody>
+      </p:sp>
+      <p:sp>
+        <p:nvSpPr>
+          <p:cNvPr id="6" name="Rectangle 2"/>
+          <p:cNvSpPr>
+            <a:spLocks noGrp="1" noChangeArrowheads="1"/>
+          </p:cNvSpPr>
+          <p:nvPr>
+            <p:ph sz="half" idx="1"/>
+          </p:nvPr>
+        </p:nvSpPr>
+        <p:spPr bwMode="auto">
+          <a:xfrm>
+            <a:off x="1141410" y="2466071"/>
+            <a:ext cx="7001104" cy="3108543"/>
+          </a:xfrm>
+          <a:prstGeom prst="rect">
+            <a:avLst/>
+          </a:prstGeom>
+          <a:solidFill>
+            <a:srgbClr val="FFFFFF"/>
+          </a:solidFill>
+          <a:ln>
+            <a:noFill/>
+          </a:ln>
+          <a:effectLst/>
+          <a:extLst>
+            <a:ext uri="{91240B29-F687-4F45-9708-019B960494DF}">
+              <a14:hiddenLine xmlns:a14="http://schemas.microsoft.com/office/drawing/2010/main" w="9525">
+                <a:solidFill>
+                  <a:schemeClr val="tx1"/>
+                </a:solidFill>
+                <a:miter lim="800000"/>
+                <a:headEnd/>
+                <a:tailEnd/>
+              </a14:hiddenLine>
+            </a:ext>
+            <a:ext uri="{AF507438-7753-43E0-B8FC-AC1667EBCBE1}">
+              <a14:hiddenEffects xmlns:a14="http://schemas.microsoft.com/office/drawing/2010/main">
+                <a:effectLst>
+                  <a:outerShdw dist="35921" dir="2700000" algn="ctr" rotWithShape="0">
+                    <a:schemeClr val="bg2"/>
+                  </a:outerShdw>
+                </a:effectLst>
+              </a14:hiddenEffects>
+            </a:ext>
+          </a:extLst>
+        </p:spPr>
+        <p:txBody>
+          <a:bodyPr vert="horz" wrap="square" lIns="91440" tIns="45720" rIns="91440" bIns="45720" numCol="1" anchor="ctr" anchorCtr="0" compatLnSpc="1">
+            <a:prstTxWarp prst="textNoShape">
+              <a:avLst/>
+            </a:prstTxWarp>
+            <a:spAutoFit/>
+          </a:bodyPr>
+          <a:lstStyle/>
+          <a:p>
+            <a:pPr marL="0" marR="0" lvl="0" indent="0" algn="l" defTabSz="914400" rtl="0" eaLnBrk="0" fontAlgn="base" latinLnBrk="0" hangingPunct="0">
+              <a:lnSpc>
+                <a:spcPct val="100000"/>
+              </a:lnSpc>
+              <a:spcBef>
+                <a:spcPct val="0"/>
+              </a:spcBef>
+              <a:spcAft>
+                <a:spcPct val="0"/>
+              </a:spcAft>
+              <a:buClrTx/>
+              <a:buSzTx/>
+              <a:buFontTx/>
+              <a:buNone/>
+              <a:tabLst/>
+            </a:pPr>
+            <a:r>
+              <a:rPr kumimoji="0" lang="en-US" altLang="en-US" sz="1400" b="0" i="1" u="none" strike="noStrike" cap="none" normalizeH="0" baseline="0" dirty="0" smtClean="0">
+                <a:ln>
+                  <a:noFill/>
+                </a:ln>
+                <a:solidFill>
+                  <a:srgbClr val="808080"/>
+                </a:solidFill>
+                <a:effectLst/>
+                <a:latin typeface="Courier New" panose="02070309020205020404" pitchFamily="49" charset="0"/>
+                <a:cs typeface="Courier New" panose="02070309020205020404" pitchFamily="49" charset="0"/>
+              </a:rPr>
+              <a:t>#Deleting Objects</a:t>
+            </a:r>
+            <a:br>
+              <a:rPr kumimoji="0" lang="en-US" altLang="en-US" sz="1400" b="0" i="1" u="none" strike="noStrike" cap="none" normalizeH="0" baseline="0" dirty="0" smtClean="0">
+                <a:ln>
+                  <a:noFill/>
+                </a:ln>
+                <a:solidFill>
+                  <a:srgbClr val="808080"/>
+                </a:solidFill>
+                <a:effectLst/>
+                <a:latin typeface="Courier New" panose="02070309020205020404" pitchFamily="49" charset="0"/>
+                <a:cs typeface="Courier New" panose="02070309020205020404" pitchFamily="49" charset="0"/>
+              </a:rPr>
+            </a:br>
+            <a:r>
+              <a:rPr kumimoji="0" lang="en-US" altLang="en-US" sz="1400" b="1" i="0" u="none" strike="noStrike" cap="none" normalizeH="0" baseline="0" dirty="0" smtClean="0">
+                <a:ln>
+                  <a:noFill/>
+                </a:ln>
+                <a:solidFill>
+                  <a:srgbClr val="000080"/>
+                </a:solidFill>
+                <a:effectLst/>
+                <a:latin typeface="Courier New" panose="02070309020205020404" pitchFamily="49" charset="0"/>
+                <a:cs typeface="Courier New" panose="02070309020205020404" pitchFamily="49" charset="0"/>
+              </a:rPr>
+              <a:t>class </a:t>
+            </a:r>
+            <a:r>
+              <a:rPr kumimoji="0" lang="en-US" altLang="en-US" sz="1400" b="0" i="0" u="none" strike="noStrike" cap="none" normalizeH="0" baseline="0" dirty="0" err="1" smtClean="0">
+                <a:ln>
+                  <a:noFill/>
+                </a:ln>
+                <a:solidFill>
+                  <a:srgbClr val="000000"/>
+                </a:solidFill>
+                <a:effectLst/>
+                <a:latin typeface="Courier New" panose="02070309020205020404" pitchFamily="49" charset="0"/>
+                <a:cs typeface="Courier New" panose="02070309020205020404" pitchFamily="49" charset="0"/>
+              </a:rPr>
+              <a:t>ComplexNumber</a:t>
+            </a:r>
+            <a:r>
+              <a:rPr kumimoji="0" lang="en-US" altLang="en-US" sz="1400" b="0" i="0" u="none" strike="noStrike" cap="none" normalizeH="0" baseline="0" dirty="0" smtClean="0">
+                <a:ln>
+                  <a:noFill/>
+                </a:ln>
+                <a:solidFill>
+                  <a:srgbClr val="000000"/>
+                </a:solidFill>
+                <a:effectLst/>
+                <a:latin typeface="Courier New" panose="02070309020205020404" pitchFamily="49" charset="0"/>
+                <a:cs typeface="Courier New" panose="02070309020205020404" pitchFamily="49" charset="0"/>
+              </a:rPr>
+              <a:t>:</a:t>
+            </a:r>
+            <a:br>
+              <a:rPr kumimoji="0" lang="en-US" altLang="en-US" sz="1400" b="0" i="0" u="none" strike="noStrike" cap="none" normalizeH="0" baseline="0" dirty="0" smtClean="0">
+                <a:ln>
+                  <a:noFill/>
+                </a:ln>
+                <a:solidFill>
+                  <a:srgbClr val="000000"/>
+                </a:solidFill>
+                <a:effectLst/>
+                <a:latin typeface="Courier New" panose="02070309020205020404" pitchFamily="49" charset="0"/>
+                <a:cs typeface="Courier New" panose="02070309020205020404" pitchFamily="49" charset="0"/>
+              </a:rPr>
+            </a:br>
+            <a:r>
+              <a:rPr kumimoji="0" lang="en-US" altLang="en-US" sz="1400" b="0" i="0" u="none" strike="noStrike" cap="none" normalizeH="0" baseline="0" dirty="0" smtClean="0">
+                <a:ln>
+                  <a:noFill/>
+                </a:ln>
+                <a:solidFill>
+                  <a:srgbClr val="000000"/>
+                </a:solidFill>
+                <a:effectLst/>
+                <a:latin typeface="Courier New" panose="02070309020205020404" pitchFamily="49" charset="0"/>
+                <a:cs typeface="Courier New" panose="02070309020205020404" pitchFamily="49" charset="0"/>
+              </a:rPr>
+              <a:t>    </a:t>
+            </a:r>
+            <a:r>
+              <a:rPr kumimoji="0" lang="en-US" altLang="en-US" sz="1400" b="1" i="0" u="none" strike="noStrike" cap="none" normalizeH="0" baseline="0" dirty="0" err="1" smtClean="0">
+                <a:ln>
+                  <a:noFill/>
+                </a:ln>
+                <a:solidFill>
+                  <a:srgbClr val="000080"/>
+                </a:solidFill>
+                <a:effectLst/>
+                <a:latin typeface="Courier New" panose="02070309020205020404" pitchFamily="49" charset="0"/>
+                <a:cs typeface="Courier New" panose="02070309020205020404" pitchFamily="49" charset="0"/>
+              </a:rPr>
+              <a:t>def</a:t>
+            </a:r>
+            <a:r>
+              <a:rPr kumimoji="0" lang="en-US" altLang="en-US" sz="1400" b="1" i="0" u="none" strike="noStrike" cap="none" normalizeH="0" baseline="0" dirty="0" smtClean="0">
+                <a:ln>
+                  <a:noFill/>
+                </a:ln>
+                <a:solidFill>
+                  <a:srgbClr val="000080"/>
+                </a:solidFill>
+                <a:effectLst/>
+                <a:latin typeface="Courier New" panose="02070309020205020404" pitchFamily="49" charset="0"/>
+                <a:cs typeface="Courier New" panose="02070309020205020404" pitchFamily="49" charset="0"/>
+              </a:rPr>
+              <a:t> </a:t>
+            </a:r>
+            <a:r>
+              <a:rPr kumimoji="0" lang="en-US" altLang="en-US" sz="1400" b="0" i="0" u="none" strike="noStrike" cap="none" normalizeH="0" baseline="0" dirty="0" smtClean="0">
+                <a:ln>
+                  <a:noFill/>
+                </a:ln>
+                <a:solidFill>
+                  <a:srgbClr val="B200B2"/>
+                </a:solidFill>
+                <a:effectLst/>
+                <a:latin typeface="Courier New" panose="02070309020205020404" pitchFamily="49" charset="0"/>
+                <a:cs typeface="Courier New" panose="02070309020205020404" pitchFamily="49" charset="0"/>
+              </a:rPr>
+              <a:t>__</a:t>
+            </a:r>
+            <a:r>
+              <a:rPr kumimoji="0" lang="en-US" altLang="en-US" sz="1400" b="0" i="0" u="none" strike="noStrike" cap="none" normalizeH="0" baseline="0" dirty="0" err="1" smtClean="0">
+                <a:ln>
+                  <a:noFill/>
+                </a:ln>
+                <a:solidFill>
+                  <a:srgbClr val="B200B2"/>
+                </a:solidFill>
+                <a:effectLst/>
+                <a:latin typeface="Courier New" panose="02070309020205020404" pitchFamily="49" charset="0"/>
+                <a:cs typeface="Courier New" panose="02070309020205020404" pitchFamily="49" charset="0"/>
+              </a:rPr>
+              <a:t>init</a:t>
+            </a:r>
+            <a:r>
+              <a:rPr kumimoji="0" lang="en-US" altLang="en-US" sz="1400" b="0" i="0" u="none" strike="noStrike" cap="none" normalizeH="0" baseline="0" dirty="0" smtClean="0">
+                <a:ln>
+                  <a:noFill/>
+                </a:ln>
+                <a:solidFill>
+                  <a:srgbClr val="B200B2"/>
+                </a:solidFill>
+                <a:effectLst/>
+                <a:latin typeface="Courier New" panose="02070309020205020404" pitchFamily="49" charset="0"/>
+                <a:cs typeface="Courier New" panose="02070309020205020404" pitchFamily="49" charset="0"/>
+              </a:rPr>
+              <a:t>__</a:t>
+            </a:r>
+            <a:r>
+              <a:rPr kumimoji="0" lang="en-US" altLang="en-US" sz="1400" b="0" i="0" u="none" strike="noStrike" cap="none" normalizeH="0" baseline="0" dirty="0" smtClean="0">
+                <a:ln>
+                  <a:noFill/>
+                </a:ln>
+                <a:solidFill>
+                  <a:srgbClr val="000000"/>
+                </a:solidFill>
+                <a:effectLst/>
+                <a:latin typeface="Courier New" panose="02070309020205020404" pitchFamily="49" charset="0"/>
+                <a:cs typeface="Courier New" panose="02070309020205020404" pitchFamily="49" charset="0"/>
+              </a:rPr>
+              <a:t>(</a:t>
+            </a:r>
+            <a:r>
+              <a:rPr kumimoji="0" lang="en-US" altLang="en-US" sz="1400" b="0" i="0" u="none" strike="noStrike" cap="none" normalizeH="0" baseline="0" dirty="0" err="1" smtClean="0">
+                <a:ln>
+                  <a:noFill/>
+                </a:ln>
+                <a:solidFill>
+                  <a:srgbClr val="94558D"/>
+                </a:solidFill>
+                <a:effectLst/>
+                <a:latin typeface="Courier New" panose="02070309020205020404" pitchFamily="49" charset="0"/>
+                <a:cs typeface="Courier New" panose="02070309020205020404" pitchFamily="49" charset="0"/>
+              </a:rPr>
+              <a:t>self</a:t>
+            </a:r>
+            <a:r>
+              <a:rPr kumimoji="0" lang="en-US" altLang="en-US" sz="1400" b="0" i="0" u="none" strike="noStrike" cap="none" normalizeH="0" baseline="0" dirty="0" err="1" smtClean="0">
+                <a:ln>
+                  <a:noFill/>
+                </a:ln>
+                <a:solidFill>
+                  <a:srgbClr val="000000"/>
+                </a:solidFill>
+                <a:effectLst/>
+                <a:latin typeface="Courier New" panose="02070309020205020404" pitchFamily="49" charset="0"/>
+                <a:cs typeface="Courier New" panose="02070309020205020404" pitchFamily="49" charset="0"/>
+              </a:rPr>
+              <a:t>,r</a:t>
+            </a:r>
+            <a:r>
+              <a:rPr kumimoji="0" lang="en-US" altLang="en-US" sz="1400" b="0" i="0" u="none" strike="noStrike" cap="none" normalizeH="0" baseline="0" dirty="0" smtClean="0">
+                <a:ln>
+                  <a:noFill/>
+                </a:ln>
+                <a:solidFill>
+                  <a:srgbClr val="000000"/>
+                </a:solidFill>
+                <a:effectLst/>
+                <a:latin typeface="Courier New" panose="02070309020205020404" pitchFamily="49" charset="0"/>
+                <a:cs typeface="Courier New" panose="02070309020205020404" pitchFamily="49" charset="0"/>
+              </a:rPr>
+              <a:t> = </a:t>
+            </a:r>
+            <a:r>
+              <a:rPr kumimoji="0" lang="en-US" altLang="en-US" sz="1400" b="0" i="0" u="none" strike="noStrike" cap="none" normalizeH="0" baseline="0" dirty="0" smtClean="0">
+                <a:ln>
+                  <a:noFill/>
+                </a:ln>
+                <a:solidFill>
+                  <a:srgbClr val="0000FF"/>
+                </a:solidFill>
+                <a:effectLst/>
+                <a:latin typeface="Courier New" panose="02070309020205020404" pitchFamily="49" charset="0"/>
+                <a:cs typeface="Courier New" panose="02070309020205020404" pitchFamily="49" charset="0"/>
+              </a:rPr>
+              <a:t>0</a:t>
+            </a:r>
+            <a:r>
+              <a:rPr kumimoji="0" lang="en-US" altLang="en-US" sz="1400" b="0" i="0" u="none" strike="noStrike" cap="none" normalizeH="0" baseline="0" dirty="0" smtClean="0">
+                <a:ln>
+                  <a:noFill/>
+                </a:ln>
+                <a:solidFill>
+                  <a:srgbClr val="000000"/>
+                </a:solidFill>
+                <a:effectLst/>
+                <a:latin typeface="Courier New" panose="02070309020205020404" pitchFamily="49" charset="0"/>
+                <a:cs typeface="Courier New" panose="02070309020205020404" pitchFamily="49" charset="0"/>
+              </a:rPr>
+              <a:t>,i = </a:t>
+            </a:r>
+            <a:r>
+              <a:rPr kumimoji="0" lang="en-US" altLang="en-US" sz="1400" b="0" i="0" u="none" strike="noStrike" cap="none" normalizeH="0" baseline="0" dirty="0" smtClean="0">
+                <a:ln>
+                  <a:noFill/>
+                </a:ln>
+                <a:solidFill>
+                  <a:srgbClr val="0000FF"/>
+                </a:solidFill>
+                <a:effectLst/>
+                <a:latin typeface="Courier New" panose="02070309020205020404" pitchFamily="49" charset="0"/>
+                <a:cs typeface="Courier New" panose="02070309020205020404" pitchFamily="49" charset="0"/>
+              </a:rPr>
+              <a:t>0</a:t>
+            </a:r>
+            <a:r>
+              <a:rPr kumimoji="0" lang="en-US" altLang="en-US" sz="1400" b="0" i="0" u="none" strike="noStrike" cap="none" normalizeH="0" baseline="0" dirty="0" smtClean="0">
+                <a:ln>
+                  <a:noFill/>
+                </a:ln>
+                <a:solidFill>
+                  <a:srgbClr val="000000"/>
+                </a:solidFill>
+                <a:effectLst/>
+                <a:latin typeface="Courier New" panose="02070309020205020404" pitchFamily="49" charset="0"/>
+                <a:cs typeface="Courier New" panose="02070309020205020404" pitchFamily="49" charset="0"/>
+              </a:rPr>
+              <a:t>):</a:t>
+            </a:r>
+            <a:br>
+              <a:rPr kumimoji="0" lang="en-US" altLang="en-US" sz="1400" b="0" i="0" u="none" strike="noStrike" cap="none" normalizeH="0" baseline="0" dirty="0" smtClean="0">
+                <a:ln>
+                  <a:noFill/>
+                </a:ln>
+                <a:solidFill>
+                  <a:srgbClr val="000000"/>
+                </a:solidFill>
+                <a:effectLst/>
+                <a:latin typeface="Courier New" panose="02070309020205020404" pitchFamily="49" charset="0"/>
+                <a:cs typeface="Courier New" panose="02070309020205020404" pitchFamily="49" charset="0"/>
+              </a:rPr>
+            </a:br>
+            <a:r>
+              <a:rPr kumimoji="0" lang="en-US" altLang="en-US" sz="1400" b="0" i="0" u="none" strike="noStrike" cap="none" normalizeH="0" baseline="0" dirty="0" smtClean="0">
+                <a:ln>
+                  <a:noFill/>
+                </a:ln>
+                <a:solidFill>
+                  <a:srgbClr val="000000"/>
+                </a:solidFill>
+                <a:effectLst/>
+                <a:latin typeface="Courier New" panose="02070309020205020404" pitchFamily="49" charset="0"/>
+                <a:cs typeface="Courier New" panose="02070309020205020404" pitchFamily="49" charset="0"/>
+              </a:rPr>
+              <a:t>        </a:t>
+            </a:r>
+            <a:r>
+              <a:rPr kumimoji="0" lang="en-US" altLang="en-US" sz="1400" b="0" i="0" u="none" strike="noStrike" cap="none" normalizeH="0" baseline="0" dirty="0" err="1" smtClean="0">
+                <a:ln>
+                  <a:noFill/>
+                </a:ln>
+                <a:solidFill>
+                  <a:srgbClr val="94558D"/>
+                </a:solidFill>
+                <a:effectLst/>
+                <a:latin typeface="Courier New" panose="02070309020205020404" pitchFamily="49" charset="0"/>
+                <a:cs typeface="Courier New" panose="02070309020205020404" pitchFamily="49" charset="0"/>
+              </a:rPr>
+              <a:t>self</a:t>
+            </a:r>
+            <a:r>
+              <a:rPr kumimoji="0" lang="en-US" altLang="en-US" sz="1400" b="0" i="0" u="none" strike="noStrike" cap="none" normalizeH="0" baseline="0" dirty="0" err="1" smtClean="0">
+                <a:ln>
+                  <a:noFill/>
+                </a:ln>
+                <a:solidFill>
+                  <a:srgbClr val="000000"/>
+                </a:solidFill>
+                <a:effectLst/>
+                <a:latin typeface="Courier New" panose="02070309020205020404" pitchFamily="49" charset="0"/>
+                <a:cs typeface="Courier New" panose="02070309020205020404" pitchFamily="49" charset="0"/>
+              </a:rPr>
+              <a:t>.real</a:t>
+            </a:r>
+            <a:r>
+              <a:rPr kumimoji="0" lang="en-US" altLang="en-US" sz="1400" b="0" i="0" u="none" strike="noStrike" cap="none" normalizeH="0" baseline="0" dirty="0" smtClean="0">
+                <a:ln>
+                  <a:noFill/>
+                </a:ln>
+                <a:solidFill>
+                  <a:srgbClr val="000000"/>
+                </a:solidFill>
+                <a:effectLst/>
+                <a:latin typeface="Courier New" panose="02070309020205020404" pitchFamily="49" charset="0"/>
+                <a:cs typeface="Courier New" panose="02070309020205020404" pitchFamily="49" charset="0"/>
+              </a:rPr>
+              <a:t> = r</a:t>
+            </a:r>
+            <a:br>
+              <a:rPr kumimoji="0" lang="en-US" altLang="en-US" sz="1400" b="0" i="0" u="none" strike="noStrike" cap="none" normalizeH="0" baseline="0" dirty="0" smtClean="0">
+                <a:ln>
+                  <a:noFill/>
+                </a:ln>
+                <a:solidFill>
+                  <a:srgbClr val="000000"/>
+                </a:solidFill>
+                <a:effectLst/>
+                <a:latin typeface="Courier New" panose="02070309020205020404" pitchFamily="49" charset="0"/>
+                <a:cs typeface="Courier New" panose="02070309020205020404" pitchFamily="49" charset="0"/>
+              </a:rPr>
+            </a:br>
+            <a:r>
+              <a:rPr kumimoji="0" lang="en-US" altLang="en-US" sz="1400" b="0" i="0" u="none" strike="noStrike" cap="none" normalizeH="0" baseline="0" dirty="0" smtClean="0">
+                <a:ln>
+                  <a:noFill/>
+                </a:ln>
+                <a:solidFill>
+                  <a:srgbClr val="000000"/>
+                </a:solidFill>
+                <a:effectLst/>
+                <a:latin typeface="Courier New" panose="02070309020205020404" pitchFamily="49" charset="0"/>
+                <a:cs typeface="Courier New" panose="02070309020205020404" pitchFamily="49" charset="0"/>
+              </a:rPr>
+              <a:t>        </a:t>
+            </a:r>
+            <a:r>
+              <a:rPr kumimoji="0" lang="en-US" altLang="en-US" sz="1400" b="0" i="0" u="none" strike="noStrike" cap="none" normalizeH="0" baseline="0" dirty="0" err="1" smtClean="0">
+                <a:ln>
+                  <a:noFill/>
+                </a:ln>
+                <a:solidFill>
+                  <a:srgbClr val="94558D"/>
+                </a:solidFill>
+                <a:effectLst/>
+                <a:latin typeface="Courier New" panose="02070309020205020404" pitchFamily="49" charset="0"/>
+                <a:cs typeface="Courier New" panose="02070309020205020404" pitchFamily="49" charset="0"/>
+              </a:rPr>
+              <a:t>self</a:t>
+            </a:r>
+            <a:r>
+              <a:rPr kumimoji="0" lang="en-US" altLang="en-US" sz="1400" b="0" i="0" u="none" strike="noStrike" cap="none" normalizeH="0" baseline="0" dirty="0" err="1" smtClean="0">
+                <a:ln>
+                  <a:noFill/>
+                </a:ln>
+                <a:solidFill>
+                  <a:srgbClr val="000000"/>
+                </a:solidFill>
+                <a:effectLst/>
+                <a:latin typeface="Courier New" panose="02070309020205020404" pitchFamily="49" charset="0"/>
+                <a:cs typeface="Courier New" panose="02070309020205020404" pitchFamily="49" charset="0"/>
+              </a:rPr>
+              <a:t>.imag</a:t>
+            </a:r>
+            <a:r>
+              <a:rPr kumimoji="0" lang="en-US" altLang="en-US" sz="1400" b="0" i="0" u="none" strike="noStrike" cap="none" normalizeH="0" baseline="0" dirty="0" smtClean="0">
+                <a:ln>
+                  <a:noFill/>
+                </a:ln>
+                <a:solidFill>
+                  <a:srgbClr val="000000"/>
+                </a:solidFill>
+                <a:effectLst/>
+                <a:latin typeface="Courier New" panose="02070309020205020404" pitchFamily="49" charset="0"/>
+                <a:cs typeface="Courier New" panose="02070309020205020404" pitchFamily="49" charset="0"/>
+              </a:rPr>
+              <a:t> = </a:t>
+            </a:r>
+            <a:r>
+              <a:rPr kumimoji="0" lang="en-US" altLang="en-US" sz="1400" b="0" i="0" u="none" strike="noStrike" cap="none" normalizeH="0" baseline="0" dirty="0" err="1" smtClean="0">
+                <a:ln>
+                  <a:noFill/>
+                </a:ln>
+                <a:solidFill>
+                  <a:srgbClr val="000000"/>
+                </a:solidFill>
+                <a:effectLst/>
+                <a:latin typeface="Courier New" panose="02070309020205020404" pitchFamily="49" charset="0"/>
+                <a:cs typeface="Courier New" panose="02070309020205020404" pitchFamily="49" charset="0"/>
+              </a:rPr>
+              <a:t>i</a:t>
+            </a:r>
+            <a:r>
+              <a:rPr kumimoji="0" lang="en-US" altLang="en-US" sz="1400" b="0" i="0" u="none" strike="noStrike" cap="none" normalizeH="0" baseline="0" dirty="0" smtClean="0">
+                <a:ln>
+                  <a:noFill/>
+                </a:ln>
+                <a:solidFill>
+                  <a:srgbClr val="000000"/>
+                </a:solidFill>
+                <a:effectLst/>
+                <a:latin typeface="Courier New" panose="02070309020205020404" pitchFamily="49" charset="0"/>
+                <a:cs typeface="Courier New" panose="02070309020205020404" pitchFamily="49" charset="0"/>
+              </a:rPr>
+              <a:t/>
+            </a:r>
+            <a:br>
+              <a:rPr kumimoji="0" lang="en-US" altLang="en-US" sz="1400" b="0" i="0" u="none" strike="noStrike" cap="none" normalizeH="0" baseline="0" dirty="0" smtClean="0">
+                <a:ln>
+                  <a:noFill/>
+                </a:ln>
+                <a:solidFill>
+                  <a:srgbClr val="000000"/>
+                </a:solidFill>
+                <a:effectLst/>
+                <a:latin typeface="Courier New" panose="02070309020205020404" pitchFamily="49" charset="0"/>
+                <a:cs typeface="Courier New" panose="02070309020205020404" pitchFamily="49" charset="0"/>
+              </a:rPr>
+            </a:br>
+            <a:r>
+              <a:rPr kumimoji="0" lang="en-US" altLang="en-US" sz="1400" b="0" i="0" u="none" strike="noStrike" cap="none" normalizeH="0" baseline="0" dirty="0" smtClean="0">
+                <a:ln>
+                  <a:noFill/>
+                </a:ln>
+                <a:solidFill>
+                  <a:srgbClr val="000000"/>
+                </a:solidFill>
+                <a:effectLst/>
+                <a:latin typeface="Courier New" panose="02070309020205020404" pitchFamily="49" charset="0"/>
+                <a:cs typeface="Courier New" panose="02070309020205020404" pitchFamily="49" charset="0"/>
+              </a:rPr>
+              <a:t/>
+            </a:r>
+            <a:br>
+              <a:rPr kumimoji="0" lang="en-US" altLang="en-US" sz="1400" b="0" i="0" u="none" strike="noStrike" cap="none" normalizeH="0" baseline="0" dirty="0" smtClean="0">
+                <a:ln>
+                  <a:noFill/>
+                </a:ln>
+                <a:solidFill>
+                  <a:srgbClr val="000000"/>
+                </a:solidFill>
+                <a:effectLst/>
+                <a:latin typeface="Courier New" panose="02070309020205020404" pitchFamily="49" charset="0"/>
+                <a:cs typeface="Courier New" panose="02070309020205020404" pitchFamily="49" charset="0"/>
+              </a:rPr>
+            </a:br>
+            <a:r>
+              <a:rPr kumimoji="0" lang="en-US" altLang="en-US" sz="1400" b="0" i="0" u="none" strike="noStrike" cap="none" normalizeH="0" baseline="0" dirty="0" smtClean="0">
+                <a:ln>
+                  <a:noFill/>
+                </a:ln>
+                <a:solidFill>
+                  <a:srgbClr val="000000"/>
+                </a:solidFill>
+                <a:effectLst/>
+                <a:latin typeface="Courier New" panose="02070309020205020404" pitchFamily="49" charset="0"/>
+                <a:cs typeface="Courier New" panose="02070309020205020404" pitchFamily="49" charset="0"/>
+              </a:rPr>
+              <a:t>    </a:t>
+            </a:r>
+            <a:r>
+              <a:rPr kumimoji="0" lang="en-US" altLang="en-US" sz="1400" b="1" i="0" u="none" strike="noStrike" cap="none" normalizeH="0" baseline="0" dirty="0" err="1" smtClean="0">
+                <a:ln>
+                  <a:noFill/>
+                </a:ln>
+                <a:solidFill>
+                  <a:srgbClr val="000080"/>
+                </a:solidFill>
+                <a:effectLst/>
+                <a:latin typeface="Courier New" panose="02070309020205020404" pitchFamily="49" charset="0"/>
+                <a:cs typeface="Courier New" panose="02070309020205020404" pitchFamily="49" charset="0"/>
+              </a:rPr>
+              <a:t>def</a:t>
+            </a:r>
+            <a:r>
+              <a:rPr kumimoji="0" lang="en-US" altLang="en-US" sz="1400" b="1" i="0" u="none" strike="noStrike" cap="none" normalizeH="0" baseline="0" dirty="0" smtClean="0">
+                <a:ln>
+                  <a:noFill/>
+                </a:ln>
+                <a:solidFill>
+                  <a:srgbClr val="000080"/>
+                </a:solidFill>
+                <a:effectLst/>
+                <a:latin typeface="Courier New" panose="02070309020205020404" pitchFamily="49" charset="0"/>
+                <a:cs typeface="Courier New" panose="02070309020205020404" pitchFamily="49" charset="0"/>
+              </a:rPr>
+              <a:t> </a:t>
+            </a:r>
+            <a:r>
+              <a:rPr kumimoji="0" lang="en-US" altLang="en-US" sz="1400" b="0" i="0" u="none" strike="noStrike" cap="none" normalizeH="0" baseline="0" dirty="0" err="1" smtClean="0">
+                <a:ln>
+                  <a:noFill/>
+                </a:ln>
+                <a:solidFill>
+                  <a:srgbClr val="000000"/>
+                </a:solidFill>
+                <a:effectLst/>
+                <a:latin typeface="Courier New" panose="02070309020205020404" pitchFamily="49" charset="0"/>
+                <a:cs typeface="Courier New" panose="02070309020205020404" pitchFamily="49" charset="0"/>
+              </a:rPr>
+              <a:t>getData</a:t>
+            </a:r>
+            <a:r>
+              <a:rPr kumimoji="0" lang="en-US" altLang="en-US" sz="1400" b="0" i="0" u="none" strike="noStrike" cap="none" normalizeH="0" baseline="0" dirty="0" smtClean="0">
+                <a:ln>
+                  <a:noFill/>
+                </a:ln>
+                <a:solidFill>
+                  <a:srgbClr val="000000"/>
+                </a:solidFill>
+                <a:effectLst/>
+                <a:latin typeface="Courier New" panose="02070309020205020404" pitchFamily="49" charset="0"/>
+                <a:cs typeface="Courier New" panose="02070309020205020404" pitchFamily="49" charset="0"/>
+              </a:rPr>
+              <a:t>(</a:t>
+            </a:r>
+            <a:r>
+              <a:rPr kumimoji="0" lang="en-US" altLang="en-US" sz="1400" b="0" i="0" u="none" strike="noStrike" cap="none" normalizeH="0" baseline="0" dirty="0" smtClean="0">
+                <a:ln>
+                  <a:noFill/>
+                </a:ln>
+                <a:solidFill>
+                  <a:srgbClr val="94558D"/>
+                </a:solidFill>
+                <a:effectLst/>
+                <a:latin typeface="Courier New" panose="02070309020205020404" pitchFamily="49" charset="0"/>
+                <a:cs typeface="Courier New" panose="02070309020205020404" pitchFamily="49" charset="0"/>
+              </a:rPr>
+              <a:t>self</a:t>
+            </a:r>
+            <a:r>
+              <a:rPr kumimoji="0" lang="en-US" altLang="en-US" sz="1400" b="0" i="0" u="none" strike="noStrike" cap="none" normalizeH="0" baseline="0" dirty="0" smtClean="0">
+                <a:ln>
+                  <a:noFill/>
+                </a:ln>
+                <a:solidFill>
+                  <a:srgbClr val="000000"/>
+                </a:solidFill>
+                <a:effectLst/>
+                <a:latin typeface="Courier New" panose="02070309020205020404" pitchFamily="49" charset="0"/>
+                <a:cs typeface="Courier New" panose="02070309020205020404" pitchFamily="49" charset="0"/>
+              </a:rPr>
+              <a:t>):</a:t>
+            </a:r>
+            <a:br>
+              <a:rPr kumimoji="0" lang="en-US" altLang="en-US" sz="1400" b="0" i="0" u="none" strike="noStrike" cap="none" normalizeH="0" baseline="0" dirty="0" smtClean="0">
+                <a:ln>
+                  <a:noFill/>
+                </a:ln>
+                <a:solidFill>
+                  <a:srgbClr val="000000"/>
+                </a:solidFill>
+                <a:effectLst/>
+                <a:latin typeface="Courier New" panose="02070309020205020404" pitchFamily="49" charset="0"/>
+                <a:cs typeface="Courier New" panose="02070309020205020404" pitchFamily="49" charset="0"/>
+              </a:rPr>
+            </a:br>
+            <a:r>
+              <a:rPr kumimoji="0" lang="en-US" altLang="en-US" sz="1400" b="0" i="0" u="none" strike="noStrike" cap="none" normalizeH="0" baseline="0" dirty="0" smtClean="0">
+                <a:ln>
+                  <a:noFill/>
+                </a:ln>
+                <a:solidFill>
+                  <a:srgbClr val="000000"/>
+                </a:solidFill>
+                <a:effectLst/>
+                <a:latin typeface="Courier New" panose="02070309020205020404" pitchFamily="49" charset="0"/>
+                <a:cs typeface="Courier New" panose="02070309020205020404" pitchFamily="49" charset="0"/>
+              </a:rPr>
+              <a:t>        </a:t>
+            </a:r>
+            <a:r>
+              <a:rPr kumimoji="0" lang="en-US" altLang="en-US" sz="1400" b="0" i="0" u="none" strike="noStrike" cap="none" normalizeH="0" baseline="0" dirty="0" smtClean="0">
+                <a:ln>
+                  <a:noFill/>
+                </a:ln>
+                <a:solidFill>
+                  <a:srgbClr val="000080"/>
+                </a:solidFill>
+                <a:effectLst/>
+                <a:latin typeface="Courier New" panose="02070309020205020404" pitchFamily="49" charset="0"/>
+                <a:cs typeface="Courier New" panose="02070309020205020404" pitchFamily="49" charset="0"/>
+              </a:rPr>
+              <a:t>print</a:t>
+            </a:r>
+            <a:r>
+              <a:rPr kumimoji="0" lang="en-US" altLang="en-US" sz="1400" b="0" i="0" u="none" strike="noStrike" cap="none" normalizeH="0" baseline="0" dirty="0" smtClean="0">
+                <a:ln>
+                  <a:noFill/>
+                </a:ln>
+                <a:solidFill>
+                  <a:srgbClr val="000000"/>
+                </a:solidFill>
+                <a:effectLst/>
+                <a:latin typeface="Courier New" panose="02070309020205020404" pitchFamily="49" charset="0"/>
+                <a:cs typeface="Courier New" panose="02070309020205020404" pitchFamily="49" charset="0"/>
+              </a:rPr>
+              <a:t>(</a:t>
+            </a:r>
+            <a:r>
+              <a:rPr kumimoji="0" lang="en-US" altLang="en-US" sz="1400" b="1" i="0" u="none" strike="noStrike" cap="none" normalizeH="0" baseline="0" dirty="0" smtClean="0">
+                <a:ln>
+                  <a:noFill/>
+                </a:ln>
+                <a:solidFill>
+                  <a:srgbClr val="008080"/>
+                </a:solidFill>
+                <a:effectLst/>
+                <a:latin typeface="Courier New" panose="02070309020205020404" pitchFamily="49" charset="0"/>
+                <a:cs typeface="Courier New" panose="02070309020205020404" pitchFamily="49" charset="0"/>
+              </a:rPr>
+              <a:t>"{0}+{1}</a:t>
+            </a:r>
+            <a:r>
+              <a:rPr kumimoji="0" lang="en-US" altLang="en-US" sz="1400" b="1" i="0" u="none" strike="noStrike" cap="none" normalizeH="0" baseline="0" dirty="0" err="1" smtClean="0">
+                <a:ln>
+                  <a:noFill/>
+                </a:ln>
+                <a:solidFill>
+                  <a:srgbClr val="008080"/>
+                </a:solidFill>
+                <a:effectLst/>
+                <a:latin typeface="Courier New" panose="02070309020205020404" pitchFamily="49" charset="0"/>
+                <a:cs typeface="Courier New" panose="02070309020205020404" pitchFamily="49" charset="0"/>
+              </a:rPr>
+              <a:t>j"</a:t>
+            </a:r>
+            <a:r>
+              <a:rPr kumimoji="0" lang="en-US" altLang="en-US" sz="1400" b="0" i="0" u="none" strike="noStrike" cap="none" normalizeH="0" baseline="0" dirty="0" err="1" smtClean="0">
+                <a:ln>
+                  <a:noFill/>
+                </a:ln>
+                <a:solidFill>
+                  <a:srgbClr val="000000"/>
+                </a:solidFill>
+                <a:effectLst/>
+                <a:latin typeface="Courier New" panose="02070309020205020404" pitchFamily="49" charset="0"/>
+                <a:cs typeface="Courier New" panose="02070309020205020404" pitchFamily="49" charset="0"/>
+              </a:rPr>
+              <a:t>.format</a:t>
+            </a:r>
+            <a:r>
+              <a:rPr kumimoji="0" lang="en-US" altLang="en-US" sz="1400" b="0" i="0" u="none" strike="noStrike" cap="none" normalizeH="0" baseline="0" dirty="0" smtClean="0">
+                <a:ln>
+                  <a:noFill/>
+                </a:ln>
+                <a:solidFill>
+                  <a:srgbClr val="000000"/>
+                </a:solidFill>
+                <a:effectLst/>
+                <a:latin typeface="Courier New" panose="02070309020205020404" pitchFamily="49" charset="0"/>
+                <a:cs typeface="Courier New" panose="02070309020205020404" pitchFamily="49" charset="0"/>
+              </a:rPr>
+              <a:t>(</a:t>
+            </a:r>
+            <a:r>
+              <a:rPr kumimoji="0" lang="en-US" altLang="en-US" sz="1400" b="0" i="0" u="none" strike="noStrike" cap="none" normalizeH="0" baseline="0" dirty="0" err="1" smtClean="0">
+                <a:ln>
+                  <a:noFill/>
+                </a:ln>
+                <a:solidFill>
+                  <a:srgbClr val="94558D"/>
+                </a:solidFill>
+                <a:effectLst/>
+                <a:latin typeface="Courier New" panose="02070309020205020404" pitchFamily="49" charset="0"/>
+                <a:cs typeface="Courier New" panose="02070309020205020404" pitchFamily="49" charset="0"/>
+              </a:rPr>
+              <a:t>self</a:t>
+            </a:r>
+            <a:r>
+              <a:rPr kumimoji="0" lang="en-US" altLang="en-US" sz="1400" b="0" i="0" u="none" strike="noStrike" cap="none" normalizeH="0" baseline="0" dirty="0" err="1" smtClean="0">
+                <a:ln>
+                  <a:noFill/>
+                </a:ln>
+                <a:solidFill>
+                  <a:srgbClr val="000000"/>
+                </a:solidFill>
+                <a:effectLst/>
+                <a:latin typeface="Courier New" panose="02070309020205020404" pitchFamily="49" charset="0"/>
+                <a:cs typeface="Courier New" panose="02070309020205020404" pitchFamily="49" charset="0"/>
+              </a:rPr>
+              <a:t>.real,</a:t>
+            </a:r>
+            <a:r>
+              <a:rPr kumimoji="0" lang="en-US" altLang="en-US" sz="1400" b="0" i="0" u="none" strike="noStrike" cap="none" normalizeH="0" baseline="0" dirty="0" err="1" smtClean="0">
+                <a:ln>
+                  <a:noFill/>
+                </a:ln>
+                <a:solidFill>
+                  <a:srgbClr val="94558D"/>
+                </a:solidFill>
+                <a:effectLst/>
+                <a:latin typeface="Courier New" panose="02070309020205020404" pitchFamily="49" charset="0"/>
+                <a:cs typeface="Courier New" panose="02070309020205020404" pitchFamily="49" charset="0"/>
+              </a:rPr>
+              <a:t>self</a:t>
+            </a:r>
+            <a:r>
+              <a:rPr kumimoji="0" lang="en-US" altLang="en-US" sz="1400" b="0" i="0" u="none" strike="noStrike" cap="none" normalizeH="0" baseline="0" dirty="0" err="1" smtClean="0">
+                <a:ln>
+                  <a:noFill/>
+                </a:ln>
+                <a:solidFill>
+                  <a:srgbClr val="000000"/>
+                </a:solidFill>
+                <a:effectLst/>
+                <a:latin typeface="Courier New" panose="02070309020205020404" pitchFamily="49" charset="0"/>
+                <a:cs typeface="Courier New" panose="02070309020205020404" pitchFamily="49" charset="0"/>
+              </a:rPr>
+              <a:t>.imag</a:t>
+            </a:r>
+            <a:r>
+              <a:rPr kumimoji="0" lang="en-US" altLang="en-US" sz="1400" b="0" i="0" u="none" strike="noStrike" cap="none" normalizeH="0" baseline="0" dirty="0" smtClean="0">
+                <a:ln>
+                  <a:noFill/>
+                </a:ln>
+                <a:solidFill>
+                  <a:srgbClr val="000000"/>
+                </a:solidFill>
+                <a:effectLst/>
+                <a:latin typeface="Courier New" panose="02070309020205020404" pitchFamily="49" charset="0"/>
+                <a:cs typeface="Courier New" panose="02070309020205020404" pitchFamily="49" charset="0"/>
+              </a:rPr>
+              <a:t>))</a:t>
+            </a:r>
+            <a:br>
+              <a:rPr kumimoji="0" lang="en-US" altLang="en-US" sz="1400" b="0" i="0" u="none" strike="noStrike" cap="none" normalizeH="0" baseline="0" dirty="0" smtClean="0">
+                <a:ln>
+                  <a:noFill/>
+                </a:ln>
+                <a:solidFill>
+                  <a:srgbClr val="000000"/>
+                </a:solidFill>
+                <a:effectLst/>
+                <a:latin typeface="Courier New" panose="02070309020205020404" pitchFamily="49" charset="0"/>
+                <a:cs typeface="Courier New" panose="02070309020205020404" pitchFamily="49" charset="0"/>
+              </a:rPr>
+            </a:br>
+            <a:r>
+              <a:rPr kumimoji="0" lang="en-US" altLang="en-US" sz="1400" b="0" i="0" u="none" strike="noStrike" cap="none" normalizeH="0" baseline="0" dirty="0" smtClean="0">
+                <a:ln>
+                  <a:noFill/>
+                </a:ln>
+                <a:solidFill>
+                  <a:srgbClr val="000000"/>
+                </a:solidFill>
+                <a:effectLst/>
+                <a:latin typeface="Courier New" panose="02070309020205020404" pitchFamily="49" charset="0"/>
+                <a:cs typeface="Courier New" panose="02070309020205020404" pitchFamily="49" charset="0"/>
+              </a:rPr>
+              <a:t/>
+            </a:r>
+            <a:br>
+              <a:rPr kumimoji="0" lang="en-US" altLang="en-US" sz="1400" b="0" i="0" u="none" strike="noStrike" cap="none" normalizeH="0" baseline="0" dirty="0" smtClean="0">
+                <a:ln>
+                  <a:noFill/>
+                </a:ln>
+                <a:solidFill>
+                  <a:srgbClr val="000000"/>
+                </a:solidFill>
+                <a:effectLst/>
+                <a:latin typeface="Courier New" panose="02070309020205020404" pitchFamily="49" charset="0"/>
+                <a:cs typeface="Courier New" panose="02070309020205020404" pitchFamily="49" charset="0"/>
+              </a:rPr>
+            </a:br>
+            <a:r>
+              <a:rPr kumimoji="0" lang="en-US" altLang="en-US" sz="1400" b="0" i="0" u="none" strike="noStrike" cap="none" normalizeH="0" baseline="0" dirty="0" smtClean="0">
+                <a:ln>
+                  <a:noFill/>
+                </a:ln>
+                <a:solidFill>
+                  <a:srgbClr val="000000"/>
+                </a:solidFill>
+                <a:effectLst/>
+                <a:latin typeface="Courier New" panose="02070309020205020404" pitchFamily="49" charset="0"/>
+                <a:cs typeface="Courier New" panose="02070309020205020404" pitchFamily="49" charset="0"/>
+              </a:rPr>
+              <a:t/>
+            </a:r>
+            <a:br>
+              <a:rPr kumimoji="0" lang="en-US" altLang="en-US" sz="1400" b="0" i="0" u="none" strike="noStrike" cap="none" normalizeH="0" baseline="0" dirty="0" smtClean="0">
+                <a:ln>
+                  <a:noFill/>
+                </a:ln>
+                <a:solidFill>
+                  <a:srgbClr val="000000"/>
+                </a:solidFill>
+                <a:effectLst/>
+                <a:latin typeface="Courier New" panose="02070309020205020404" pitchFamily="49" charset="0"/>
+                <a:cs typeface="Courier New" panose="02070309020205020404" pitchFamily="49" charset="0"/>
+              </a:rPr>
+            </a:br>
+            <a:r>
+              <a:rPr kumimoji="0" lang="en-US" altLang="en-US" sz="1400" b="0" i="0" u="none" strike="noStrike" cap="none" normalizeH="0" baseline="0" dirty="0" smtClean="0">
+                <a:ln>
+                  <a:noFill/>
+                </a:ln>
+                <a:solidFill>
+                  <a:srgbClr val="000000"/>
+                </a:solidFill>
+                <a:effectLst/>
+                <a:latin typeface="Courier New" panose="02070309020205020404" pitchFamily="49" charset="0"/>
+                <a:cs typeface="Courier New" panose="02070309020205020404" pitchFamily="49" charset="0"/>
+              </a:rPr>
+              <a:t>c1 = </a:t>
+            </a:r>
+            <a:r>
+              <a:rPr kumimoji="0" lang="en-US" altLang="en-US" sz="1400" b="0" i="0" u="none" strike="noStrike" cap="none" normalizeH="0" baseline="0" dirty="0" err="1" smtClean="0">
+                <a:ln>
+                  <a:noFill/>
+                </a:ln>
+                <a:solidFill>
+                  <a:srgbClr val="000000"/>
+                </a:solidFill>
+                <a:effectLst/>
+                <a:latin typeface="Courier New" panose="02070309020205020404" pitchFamily="49" charset="0"/>
+                <a:cs typeface="Courier New" panose="02070309020205020404" pitchFamily="49" charset="0"/>
+              </a:rPr>
+              <a:t>ComplexNumber</a:t>
+            </a:r>
+            <a:r>
+              <a:rPr kumimoji="0" lang="en-US" altLang="en-US" sz="1400" b="0" i="0" u="none" strike="noStrike" cap="none" normalizeH="0" baseline="0" dirty="0" smtClean="0">
+                <a:ln>
+                  <a:noFill/>
+                </a:ln>
+                <a:solidFill>
+                  <a:srgbClr val="000000"/>
+                </a:solidFill>
+                <a:effectLst/>
+                <a:latin typeface="Courier New" panose="02070309020205020404" pitchFamily="49" charset="0"/>
+                <a:cs typeface="Courier New" panose="02070309020205020404" pitchFamily="49" charset="0"/>
+              </a:rPr>
+              <a:t>(</a:t>
+            </a:r>
+            <a:r>
+              <a:rPr kumimoji="0" lang="en-US" altLang="en-US" sz="1400" b="0" i="0" u="none" strike="noStrike" cap="none" normalizeH="0" baseline="0" dirty="0" smtClean="0">
+                <a:ln>
+                  <a:noFill/>
+                </a:ln>
+                <a:solidFill>
+                  <a:srgbClr val="0000FF"/>
+                </a:solidFill>
+                <a:effectLst/>
+                <a:latin typeface="Courier New" panose="02070309020205020404" pitchFamily="49" charset="0"/>
+                <a:cs typeface="Courier New" panose="02070309020205020404" pitchFamily="49" charset="0"/>
+              </a:rPr>
+              <a:t>2</a:t>
+            </a:r>
+            <a:r>
+              <a:rPr kumimoji="0" lang="en-US" altLang="en-US" sz="1400" b="0" i="0" u="none" strike="noStrike" cap="none" normalizeH="0" baseline="0" dirty="0" smtClean="0">
+                <a:ln>
+                  <a:noFill/>
+                </a:ln>
+                <a:solidFill>
+                  <a:srgbClr val="000000"/>
+                </a:solidFill>
+                <a:effectLst/>
+                <a:latin typeface="Courier New" panose="02070309020205020404" pitchFamily="49" charset="0"/>
+                <a:cs typeface="Courier New" panose="02070309020205020404" pitchFamily="49" charset="0"/>
+              </a:rPr>
+              <a:t>,</a:t>
+            </a:r>
+            <a:r>
+              <a:rPr kumimoji="0" lang="en-US" altLang="en-US" sz="1400" b="0" i="0" u="none" strike="noStrike" cap="none" normalizeH="0" baseline="0" dirty="0" smtClean="0">
+                <a:ln>
+                  <a:noFill/>
+                </a:ln>
+                <a:solidFill>
+                  <a:srgbClr val="0000FF"/>
+                </a:solidFill>
+                <a:effectLst/>
+                <a:latin typeface="Courier New" panose="02070309020205020404" pitchFamily="49" charset="0"/>
+                <a:cs typeface="Courier New" panose="02070309020205020404" pitchFamily="49" charset="0"/>
+              </a:rPr>
+              <a:t>3</a:t>
+            </a:r>
+            <a:r>
+              <a:rPr kumimoji="0" lang="en-US" altLang="en-US" sz="1400" b="0" i="0" u="none" strike="noStrike" cap="none" normalizeH="0" baseline="0" dirty="0" smtClean="0">
+                <a:ln>
+                  <a:noFill/>
+                </a:ln>
+                <a:solidFill>
+                  <a:srgbClr val="000000"/>
+                </a:solidFill>
+                <a:effectLst/>
+                <a:latin typeface="Courier New" panose="02070309020205020404" pitchFamily="49" charset="0"/>
+                <a:cs typeface="Courier New" panose="02070309020205020404" pitchFamily="49" charset="0"/>
+              </a:rPr>
+              <a:t>)</a:t>
+            </a:r>
+            <a:br>
+              <a:rPr kumimoji="0" lang="en-US" altLang="en-US" sz="1400" b="0" i="0" u="none" strike="noStrike" cap="none" normalizeH="0" baseline="0" dirty="0" smtClean="0">
+                <a:ln>
+                  <a:noFill/>
+                </a:ln>
+                <a:solidFill>
+                  <a:srgbClr val="000000"/>
+                </a:solidFill>
+                <a:effectLst/>
+                <a:latin typeface="Courier New" panose="02070309020205020404" pitchFamily="49" charset="0"/>
+                <a:cs typeface="Courier New" panose="02070309020205020404" pitchFamily="49" charset="0"/>
+              </a:rPr>
+            </a:br>
+            <a:r>
+              <a:rPr kumimoji="0" lang="en-US" altLang="en-US" sz="1400" b="0" i="0" u="none" strike="noStrike" cap="none" normalizeH="0" baseline="0" dirty="0" smtClean="0">
+                <a:ln>
+                  <a:noFill/>
+                </a:ln>
+                <a:solidFill>
+                  <a:srgbClr val="000000"/>
+                </a:solidFill>
+                <a:effectLst/>
+                <a:latin typeface="Courier New" panose="02070309020205020404" pitchFamily="49" charset="0"/>
+                <a:cs typeface="Courier New" panose="02070309020205020404" pitchFamily="49" charset="0"/>
+              </a:rPr>
+              <a:t>c1.getData()</a:t>
+            </a:r>
+            <a:br>
+              <a:rPr kumimoji="0" lang="en-US" altLang="en-US" sz="1400" b="0" i="0" u="none" strike="noStrike" cap="none" normalizeH="0" baseline="0" dirty="0" smtClean="0">
+                <a:ln>
+                  <a:noFill/>
+                </a:ln>
+                <a:solidFill>
+                  <a:srgbClr val="000000"/>
+                </a:solidFill>
+                <a:effectLst/>
+                <a:latin typeface="Courier New" panose="02070309020205020404" pitchFamily="49" charset="0"/>
+                <a:cs typeface="Courier New" panose="02070309020205020404" pitchFamily="49" charset="0"/>
+              </a:rPr>
+            </a:br>
+            <a:r>
+              <a:rPr kumimoji="0" lang="en-US" altLang="en-US" sz="1400" b="1" i="0" u="none" strike="noStrike" cap="none" normalizeH="0" baseline="0" dirty="0" smtClean="0">
+                <a:ln>
+                  <a:noFill/>
+                </a:ln>
+                <a:solidFill>
+                  <a:srgbClr val="000080"/>
+                </a:solidFill>
+                <a:effectLst/>
+                <a:latin typeface="Courier New" panose="02070309020205020404" pitchFamily="49" charset="0"/>
+                <a:cs typeface="Courier New" panose="02070309020205020404" pitchFamily="49" charset="0"/>
+              </a:rPr>
+              <a:t>del</a:t>
+            </a:r>
+            <a:r>
+              <a:rPr kumimoji="0" lang="en-US" altLang="en-US" sz="1400" b="0" i="0" u="none" strike="noStrike" cap="none" normalizeH="0" baseline="0" dirty="0" smtClean="0">
+                <a:ln>
+                  <a:noFill/>
+                </a:ln>
+                <a:solidFill>
+                  <a:srgbClr val="000000"/>
+                </a:solidFill>
+                <a:effectLst/>
+                <a:latin typeface="Courier New" panose="02070309020205020404" pitchFamily="49" charset="0"/>
+                <a:cs typeface="Courier New" panose="02070309020205020404" pitchFamily="49" charset="0"/>
+              </a:rPr>
+              <a:t>(c1)</a:t>
+            </a:r>
+            <a:br>
+              <a:rPr kumimoji="0" lang="en-US" altLang="en-US" sz="1400" b="0" i="0" u="none" strike="noStrike" cap="none" normalizeH="0" baseline="0" dirty="0" smtClean="0">
+                <a:ln>
+                  <a:noFill/>
+                </a:ln>
+                <a:solidFill>
+                  <a:srgbClr val="000000"/>
+                </a:solidFill>
+                <a:effectLst/>
+                <a:latin typeface="Courier New" panose="02070309020205020404" pitchFamily="49" charset="0"/>
+                <a:cs typeface="Courier New" panose="02070309020205020404" pitchFamily="49" charset="0"/>
+              </a:rPr>
+            </a:br>
+            <a:r>
+              <a:rPr kumimoji="0" lang="en-US" altLang="en-US" sz="1400" b="0" i="1" u="none" strike="noStrike" cap="none" normalizeH="0" baseline="0" dirty="0" smtClean="0">
+                <a:ln>
+                  <a:noFill/>
+                </a:ln>
+                <a:solidFill>
+                  <a:srgbClr val="808080"/>
+                </a:solidFill>
+                <a:effectLst/>
+                <a:latin typeface="Courier New" panose="02070309020205020404" pitchFamily="49" charset="0"/>
+                <a:cs typeface="Courier New" panose="02070309020205020404" pitchFamily="49" charset="0"/>
+              </a:rPr>
+              <a:t>#c1.getData()</a:t>
+            </a:r>
+            <a:endParaRPr kumimoji="0" lang="en-US" altLang="en-US" sz="1800" b="0" i="0" u="none" strike="noStrike" cap="none" normalizeH="0" baseline="0" dirty="0" smtClean="0">
+              <a:ln>
+                <a:noFill/>
+              </a:ln>
+              <a:solidFill>
+                <a:schemeClr val="tx1"/>
+              </a:solidFill>
+              <a:effectLst/>
+              <a:latin typeface="Arial" panose="020B0604020202020204" pitchFamily="34" charset="0"/>
+            </a:endParaRPr>
+          </a:p>
+        </p:txBody>
+      </p:sp>
+    </p:spTree>
+    <p:extLst>
+      <p:ext uri="{BB962C8B-B14F-4D97-AF65-F5344CB8AC3E}">
+        <p14:creationId xmlns:p14="http://schemas.microsoft.com/office/powerpoint/2010/main" val="517513989"/>
+      </p:ext>
+    </p:extLst>
+  </p:cSld>
+  <p:clrMapOvr>
+    <a:masterClrMapping/>
+  </p:clrMapOvr>
+</p:sld>
+</file>
+
+<file path=ppt/slides/slide9.xml><?xml version="1.0" encoding="utf-8"?>
+<p:sld xmlns:a="http://schemas.openxmlformats.org/drawingml/2006/main" xmlns:r="http://schemas.openxmlformats.org/officeDocument/2006/relationships" xmlns:p="http://schemas.openxmlformats.org/presentationml/2006/main">
+  <p:cSld>
+    <p:spTree>
+      <p:nvGrpSpPr>
+        <p:cNvPr id="1" name=""/>
+        <p:cNvGrpSpPr/>
+        <p:nvPr/>
+      </p:nvGrpSpPr>
+      <p:grpSpPr>
+        <a:xfrm>
+          <a:off x="0" y="0"/>
+          <a:ext cx="0" cy="0"/>
+          <a:chOff x="0" y="0"/>
+          <a:chExt cx="0" cy="0"/>
+        </a:xfrm>
+      </p:grpSpPr>
+      <p:sp>
+        <p:nvSpPr>
+          <p:cNvPr id="2" name="Title 1"/>
+          <p:cNvSpPr>
+            <a:spLocks noGrp="1"/>
+          </p:cNvSpPr>
+          <p:nvPr>
+            <p:ph type="title"/>
+          </p:nvPr>
+        </p:nvSpPr>
+        <p:spPr/>
+        <p:txBody>
+          <a:bodyPr/>
+          <a:lstStyle/>
+          <a:p>
+            <a:r>
+              <a:rPr lang="en-IN" dirty="0"/>
+              <a:t>Inheritance</a:t>
+            </a:r>
+          </a:p>
+        </p:txBody>
+      </p:sp>
+      <p:sp>
+        <p:nvSpPr>
+          <p:cNvPr id="3" name="Content Placeholder 2"/>
+          <p:cNvSpPr>
+            <a:spLocks noGrp="1"/>
+          </p:cNvSpPr>
+          <p:nvPr>
+            <p:ph sz="half" idx="1"/>
+          </p:nvPr>
+        </p:nvSpPr>
+        <p:spPr/>
+        <p:txBody>
+          <a:bodyPr>
+            <a:normAutofit fontScale="92500"/>
+          </a:bodyPr>
+          <a:lstStyle/>
+          <a:p>
+            <a:pPr marL="0" indent="0">
+              <a:buNone/>
+            </a:pPr>
+            <a:r>
+              <a:rPr lang="en-IN" dirty="0"/>
+              <a:t>class </a:t>
+            </a:r>
+            <a:r>
+              <a:rPr lang="en-IN" dirty="0" err="1"/>
+              <a:t>DerivedClassName</a:t>
+            </a:r>
+            <a:r>
+              <a:rPr lang="en-IN" dirty="0"/>
+              <a:t>(</a:t>
+            </a:r>
+            <a:r>
+              <a:rPr lang="en-IN" dirty="0" err="1"/>
+              <a:t>BaseClassName</a:t>
+            </a:r>
+            <a:r>
+              <a:rPr lang="en-IN" dirty="0"/>
+              <a:t>):</a:t>
+            </a:r>
+          </a:p>
+          <a:p>
+            <a:pPr marL="0" indent="0">
+              <a:buNone/>
+            </a:pPr>
+            <a:r>
+              <a:rPr lang="en-IN" dirty="0"/>
+              <a:t>    &lt;statement-1&gt;</a:t>
+            </a:r>
+          </a:p>
+          <a:p>
+            <a:pPr marL="0" indent="0">
+              <a:buNone/>
+            </a:pPr>
+            <a:r>
+              <a:rPr lang="en-IN" dirty="0"/>
+              <a:t>    .</a:t>
+            </a:r>
+          </a:p>
+          <a:p>
+            <a:pPr marL="0" indent="0">
+              <a:buNone/>
+            </a:pPr>
+            <a:r>
+              <a:rPr lang="en-IN" dirty="0"/>
+              <a:t>    .</a:t>
+            </a:r>
+          </a:p>
+          <a:p>
+            <a:pPr marL="0" indent="0">
+              <a:buNone/>
+            </a:pPr>
+            <a:r>
+              <a:rPr lang="en-IN" dirty="0"/>
+              <a:t>    .</a:t>
+            </a:r>
+          </a:p>
+          <a:p>
+            <a:pPr marL="0" indent="0">
+              <a:buNone/>
+            </a:pPr>
+            <a:r>
+              <a:rPr lang="en-IN" dirty="0"/>
+              <a:t>    &lt;statement-N&gt;</a:t>
+            </a:r>
+          </a:p>
+        </p:txBody>
+      </p:sp>
+      <p:sp>
+        <p:nvSpPr>
+          <p:cNvPr id="6" name="Rectangle 2"/>
+          <p:cNvSpPr>
+            <a:spLocks noGrp="1" noChangeArrowheads="1"/>
+          </p:cNvSpPr>
+          <p:nvPr>
+            <p:ph sz="half" idx="2"/>
+          </p:nvPr>
+        </p:nvSpPr>
+        <p:spPr bwMode="auto">
+          <a:xfrm>
+            <a:off x="6172200" y="2142906"/>
+            <a:ext cx="5427617" cy="3754874"/>
+          </a:xfrm>
+          <a:prstGeom prst="rect">
+            <a:avLst/>
+          </a:prstGeom>
+          <a:solidFill>
+            <a:srgbClr val="FFFFFF"/>
+          </a:solidFill>
+          <a:ln>
+            <a:noFill/>
+          </a:ln>
+          <a:effectLst/>
+          <a:extLst>
+            <a:ext uri="{91240B29-F687-4F45-9708-019B960494DF}">
+              <a14:hiddenLine xmlns:a14="http://schemas.microsoft.com/office/drawing/2010/main" w="9525">
+                <a:solidFill>
+                  <a:schemeClr val="tx1"/>
+                </a:solidFill>
+                <a:miter lim="800000"/>
+                <a:headEnd/>
+                <a:tailEnd/>
+              </a14:hiddenLine>
+            </a:ext>
+            <a:ext uri="{AF507438-7753-43E0-B8FC-AC1667EBCBE1}">
+              <a14:hiddenEffects xmlns:a14="http://schemas.microsoft.com/office/drawing/2010/main">
+                <a:effectLst>
+                  <a:outerShdw dist="35921" dir="2700000" algn="ctr" rotWithShape="0">
+                    <a:schemeClr val="bg2"/>
+                  </a:outerShdw>
+                </a:effectLst>
+              </a14:hiddenEffects>
+            </a:ext>
+          </a:extLst>
+        </p:spPr>
+        <p:txBody>
+          <a:bodyPr vert="horz" wrap="square" lIns="91440" tIns="45720" rIns="91440" bIns="45720" numCol="1" anchor="ctr" anchorCtr="0" compatLnSpc="1">
+            <a:prstTxWarp prst="textNoShape">
+              <a:avLst/>
+            </a:prstTxWarp>
+            <a:spAutoFit/>
+          </a:bodyPr>
+          <a:lstStyle/>
+          <a:p>
+            <a:pPr marL="0" marR="0" lvl="0" indent="0" algn="l" defTabSz="914400" rtl="0" eaLnBrk="0" fontAlgn="base" latinLnBrk="0" hangingPunct="0">
+              <a:lnSpc>
+                <a:spcPct val="100000"/>
+              </a:lnSpc>
+              <a:spcBef>
+                <a:spcPct val="0"/>
+              </a:spcBef>
+              <a:spcAft>
+                <a:spcPct val="0"/>
+              </a:spcAft>
+              <a:buClrTx/>
+              <a:buSzTx/>
+              <a:buFontTx/>
+              <a:buNone/>
+              <a:tabLst/>
+            </a:pPr>
+            <a:r>
+              <a:rPr kumimoji="0" lang="en-US" altLang="en-US" sz="1400" b="0" i="1" u="none" strike="noStrike" cap="none" normalizeH="0" baseline="0" smtClean="0">
+                <a:ln>
+                  <a:noFill/>
+                </a:ln>
+                <a:solidFill>
+                  <a:srgbClr val="808080"/>
+                </a:solidFill>
+                <a:effectLst/>
+                <a:latin typeface="Courier New" panose="02070309020205020404" pitchFamily="49" charset="0"/>
+                <a:cs typeface="Courier New" panose="02070309020205020404" pitchFamily="49" charset="0"/>
+              </a:rPr>
+              <a:t>#Inheritance</a:t>
+            </a:r>
+            <a:br>
+              <a:rPr kumimoji="0" lang="en-US" altLang="en-US" sz="1400" b="0" i="1" u="none" strike="noStrike" cap="none" normalizeH="0" baseline="0" smtClean="0">
+                <a:ln>
+                  <a:noFill/>
+                </a:ln>
+                <a:solidFill>
+                  <a:srgbClr val="808080"/>
+                </a:solidFill>
+                <a:effectLst/>
+                <a:latin typeface="Courier New" panose="02070309020205020404" pitchFamily="49" charset="0"/>
+                <a:cs typeface="Courier New" panose="02070309020205020404" pitchFamily="49" charset="0"/>
+              </a:rPr>
+            </a:br>
+            <a:r>
+              <a:rPr kumimoji="0" lang="en-US" altLang="en-US" sz="1400" b="1" i="0" u="none" strike="noStrike" cap="none" normalizeH="0" baseline="0" smtClean="0">
+                <a:ln>
+                  <a:noFill/>
+                </a:ln>
+                <a:solidFill>
+                  <a:srgbClr val="000080"/>
+                </a:solidFill>
+                <a:effectLst/>
+                <a:latin typeface="Courier New" panose="02070309020205020404" pitchFamily="49" charset="0"/>
+                <a:cs typeface="Courier New" panose="02070309020205020404" pitchFamily="49" charset="0"/>
+              </a:rPr>
+              <a:t>class </a:t>
+            </a:r>
+            <a:r>
+              <a:rPr kumimoji="0" lang="en-US" altLang="en-US" sz="1400" b="0" i="0" u="none" strike="noStrike" cap="none" normalizeH="0" baseline="0" smtClean="0">
+                <a:ln>
+                  <a:noFill/>
+                </a:ln>
+                <a:solidFill>
+                  <a:srgbClr val="000000"/>
+                </a:solidFill>
+                <a:effectLst/>
+                <a:latin typeface="Courier New" panose="02070309020205020404" pitchFamily="49" charset="0"/>
+                <a:cs typeface="Courier New" panose="02070309020205020404" pitchFamily="49" charset="0"/>
+              </a:rPr>
+              <a:t>Student:</a:t>
+            </a:r>
+            <a:br>
+              <a:rPr kumimoji="0" lang="en-US" altLang="en-US" sz="1400" b="0" i="0" u="none" strike="noStrike" cap="none" normalizeH="0" baseline="0" smtClean="0">
+                <a:ln>
+                  <a:noFill/>
+                </a:ln>
+                <a:solidFill>
+                  <a:srgbClr val="000000"/>
+                </a:solidFill>
+                <a:effectLst/>
+                <a:latin typeface="Courier New" panose="02070309020205020404" pitchFamily="49" charset="0"/>
+                <a:cs typeface="Courier New" panose="02070309020205020404" pitchFamily="49" charset="0"/>
+              </a:rPr>
+            </a:br>
+            <a:r>
+              <a:rPr kumimoji="0" lang="en-US" altLang="en-US" sz="1400" b="0" i="0" u="none" strike="noStrike" cap="none" normalizeH="0" baseline="0" smtClean="0">
+                <a:ln>
+                  <a:noFill/>
+                </a:ln>
+                <a:solidFill>
+                  <a:srgbClr val="000000"/>
+                </a:solidFill>
+                <a:effectLst/>
+                <a:latin typeface="Courier New" panose="02070309020205020404" pitchFamily="49" charset="0"/>
+                <a:cs typeface="Courier New" panose="02070309020205020404" pitchFamily="49" charset="0"/>
+              </a:rPr>
+              <a:t>    firstname=</a:t>
+            </a:r>
+            <a:r>
+              <a:rPr kumimoji="0" lang="en-US" altLang="en-US" sz="1400" b="1" i="0" u="none" strike="noStrike" cap="none" normalizeH="0" baseline="0" smtClean="0">
+                <a:ln>
+                  <a:noFill/>
+                </a:ln>
+                <a:solidFill>
+                  <a:srgbClr val="008080"/>
+                </a:solidFill>
+                <a:effectLst/>
+                <a:latin typeface="Courier New" panose="02070309020205020404" pitchFamily="49" charset="0"/>
+                <a:cs typeface="Courier New" panose="02070309020205020404" pitchFamily="49" charset="0"/>
+              </a:rPr>
+              <a:t>""</a:t>
+            </a:r>
+            <a:br>
+              <a:rPr kumimoji="0" lang="en-US" altLang="en-US" sz="1400" b="1" i="0" u="none" strike="noStrike" cap="none" normalizeH="0" baseline="0" smtClean="0">
+                <a:ln>
+                  <a:noFill/>
+                </a:ln>
+                <a:solidFill>
+                  <a:srgbClr val="008080"/>
+                </a:solidFill>
+                <a:effectLst/>
+                <a:latin typeface="Courier New" panose="02070309020205020404" pitchFamily="49" charset="0"/>
+                <a:cs typeface="Courier New" panose="02070309020205020404" pitchFamily="49" charset="0"/>
+              </a:rPr>
+            </a:br>
+            <a:r>
+              <a:rPr kumimoji="0" lang="en-US" altLang="en-US" sz="1400" b="1" i="0" u="none" strike="noStrike" cap="none" normalizeH="0" baseline="0" smtClean="0">
+                <a:ln>
+                  <a:noFill/>
+                </a:ln>
+                <a:solidFill>
+                  <a:srgbClr val="008080"/>
+                </a:solidFill>
+                <a:effectLst/>
+                <a:latin typeface="Courier New" panose="02070309020205020404" pitchFamily="49" charset="0"/>
+                <a:cs typeface="Courier New" panose="02070309020205020404" pitchFamily="49" charset="0"/>
+              </a:rPr>
+              <a:t>    </a:t>
+            </a:r>
+            <a:r>
+              <a:rPr kumimoji="0" lang="en-US" altLang="en-US" sz="1400" b="0" i="0" u="none" strike="noStrike" cap="none" normalizeH="0" baseline="0" smtClean="0">
+                <a:ln>
+                  <a:noFill/>
+                </a:ln>
+                <a:solidFill>
+                  <a:srgbClr val="000000"/>
+                </a:solidFill>
+                <a:effectLst/>
+                <a:latin typeface="Courier New" panose="02070309020205020404" pitchFamily="49" charset="0"/>
+                <a:cs typeface="Courier New" panose="02070309020205020404" pitchFamily="49" charset="0"/>
+              </a:rPr>
+              <a:t>lastname=</a:t>
+            </a:r>
+            <a:r>
+              <a:rPr kumimoji="0" lang="en-US" altLang="en-US" sz="1400" b="1" i="0" u="none" strike="noStrike" cap="none" normalizeH="0" baseline="0" smtClean="0">
+                <a:ln>
+                  <a:noFill/>
+                </a:ln>
+                <a:solidFill>
+                  <a:srgbClr val="008080"/>
+                </a:solidFill>
+                <a:effectLst/>
+                <a:latin typeface="Courier New" panose="02070309020205020404" pitchFamily="49" charset="0"/>
+                <a:cs typeface="Courier New" panose="02070309020205020404" pitchFamily="49" charset="0"/>
+              </a:rPr>
+              <a:t>""</a:t>
+            </a:r>
+            <a:br>
+              <a:rPr kumimoji="0" lang="en-US" altLang="en-US" sz="1400" b="1" i="0" u="none" strike="noStrike" cap="none" normalizeH="0" baseline="0" smtClean="0">
+                <a:ln>
+                  <a:noFill/>
+                </a:ln>
+                <a:solidFill>
+                  <a:srgbClr val="008080"/>
+                </a:solidFill>
+                <a:effectLst/>
+                <a:latin typeface="Courier New" panose="02070309020205020404" pitchFamily="49" charset="0"/>
+                <a:cs typeface="Courier New" panose="02070309020205020404" pitchFamily="49" charset="0"/>
+              </a:rPr>
+            </a:br>
+            <a:r>
+              <a:rPr kumimoji="0" lang="en-US" altLang="en-US" sz="1400" b="1" i="0" u="none" strike="noStrike" cap="none" normalizeH="0" baseline="0" smtClean="0">
+                <a:ln>
+                  <a:noFill/>
+                </a:ln>
+                <a:solidFill>
+                  <a:srgbClr val="008080"/>
+                </a:solidFill>
+                <a:effectLst/>
+                <a:latin typeface="Courier New" panose="02070309020205020404" pitchFamily="49" charset="0"/>
+                <a:cs typeface="Courier New" panose="02070309020205020404" pitchFamily="49" charset="0"/>
+              </a:rPr>
+              <a:t>    </a:t>
+            </a:r>
+            <a:r>
+              <a:rPr kumimoji="0" lang="en-US" altLang="en-US" sz="1400" b="0" i="0" u="none" strike="noStrike" cap="none" normalizeH="0" baseline="0" smtClean="0">
+                <a:ln>
+                  <a:noFill/>
+                </a:ln>
+                <a:solidFill>
+                  <a:srgbClr val="000000"/>
+                </a:solidFill>
+                <a:effectLst/>
+                <a:latin typeface="Courier New" panose="02070309020205020404" pitchFamily="49" charset="0"/>
+                <a:cs typeface="Courier New" panose="02070309020205020404" pitchFamily="49" charset="0"/>
+              </a:rPr>
+              <a:t>schoolname=</a:t>
+            </a:r>
+            <a:r>
+              <a:rPr kumimoji="0" lang="en-US" altLang="en-US" sz="1400" b="1" i="0" u="none" strike="noStrike" cap="none" normalizeH="0" baseline="0" smtClean="0">
+                <a:ln>
+                  <a:noFill/>
+                </a:ln>
+                <a:solidFill>
+                  <a:srgbClr val="008080"/>
+                </a:solidFill>
+                <a:effectLst/>
+                <a:latin typeface="Courier New" panose="02070309020205020404" pitchFamily="49" charset="0"/>
+                <a:cs typeface="Courier New" panose="02070309020205020404" pitchFamily="49" charset="0"/>
+              </a:rPr>
+              <a:t>"Don Bosco"</a:t>
+            </a:r>
+            <a:br>
+              <a:rPr kumimoji="0" lang="en-US" altLang="en-US" sz="1400" b="1" i="0" u="none" strike="noStrike" cap="none" normalizeH="0" baseline="0" smtClean="0">
+                <a:ln>
+                  <a:noFill/>
+                </a:ln>
+                <a:solidFill>
+                  <a:srgbClr val="008080"/>
+                </a:solidFill>
+                <a:effectLst/>
+                <a:latin typeface="Courier New" panose="02070309020205020404" pitchFamily="49" charset="0"/>
+                <a:cs typeface="Courier New" panose="02070309020205020404" pitchFamily="49" charset="0"/>
+              </a:rPr>
+            </a:br>
+            <a:r>
+              <a:rPr kumimoji="0" lang="en-US" altLang="en-US" sz="1400" b="1" i="0" u="none" strike="noStrike" cap="none" normalizeH="0" baseline="0" smtClean="0">
+                <a:ln>
+                  <a:noFill/>
+                </a:ln>
+                <a:solidFill>
+                  <a:srgbClr val="008080"/>
+                </a:solidFill>
+                <a:effectLst/>
+                <a:latin typeface="Courier New" panose="02070309020205020404" pitchFamily="49" charset="0"/>
+                <a:cs typeface="Courier New" panose="02070309020205020404" pitchFamily="49" charset="0"/>
+              </a:rPr>
+              <a:t>    </a:t>
+            </a:r>
+            <a:r>
+              <a:rPr kumimoji="0" lang="en-US" altLang="en-US" sz="1400" b="1" i="0" u="none" strike="noStrike" cap="none" normalizeH="0" baseline="0" smtClean="0">
+                <a:ln>
+                  <a:noFill/>
+                </a:ln>
+                <a:solidFill>
+                  <a:srgbClr val="000080"/>
+                </a:solidFill>
+                <a:effectLst/>
+                <a:latin typeface="Courier New" panose="02070309020205020404" pitchFamily="49" charset="0"/>
+                <a:cs typeface="Courier New" panose="02070309020205020404" pitchFamily="49" charset="0"/>
+              </a:rPr>
+              <a:t>def </a:t>
+            </a:r>
+            <a:r>
+              <a:rPr kumimoji="0" lang="en-US" altLang="en-US" sz="1400" b="0" i="0" u="none" strike="noStrike" cap="none" normalizeH="0" baseline="0" smtClean="0">
+                <a:ln>
+                  <a:noFill/>
+                </a:ln>
+                <a:solidFill>
+                  <a:srgbClr val="000000"/>
+                </a:solidFill>
+                <a:effectLst/>
+                <a:latin typeface="Courier New" panose="02070309020205020404" pitchFamily="49" charset="0"/>
+                <a:cs typeface="Courier New" panose="02070309020205020404" pitchFamily="49" charset="0"/>
+              </a:rPr>
+              <a:t>name(</a:t>
+            </a:r>
+            <a:r>
+              <a:rPr kumimoji="0" lang="en-US" altLang="en-US" sz="1400" b="0" i="0" u="none" strike="noStrike" cap="none" normalizeH="0" baseline="0" smtClean="0">
+                <a:ln>
+                  <a:noFill/>
+                </a:ln>
+                <a:solidFill>
+                  <a:srgbClr val="94558D"/>
+                </a:solidFill>
+                <a:effectLst/>
+                <a:latin typeface="Courier New" panose="02070309020205020404" pitchFamily="49" charset="0"/>
+                <a:cs typeface="Courier New" panose="02070309020205020404" pitchFamily="49" charset="0"/>
+              </a:rPr>
+              <a:t>self</a:t>
+            </a:r>
+            <a:r>
+              <a:rPr kumimoji="0" lang="en-US" altLang="en-US" sz="1400" b="0" i="0" u="none" strike="noStrike" cap="none" normalizeH="0" baseline="0" smtClean="0">
+                <a:ln>
+                  <a:noFill/>
+                </a:ln>
+                <a:solidFill>
+                  <a:srgbClr val="000000"/>
+                </a:solidFill>
+                <a:effectLst/>
+                <a:latin typeface="Courier New" panose="02070309020205020404" pitchFamily="49" charset="0"/>
+                <a:cs typeface="Courier New" panose="02070309020205020404" pitchFamily="49" charset="0"/>
+              </a:rPr>
+              <a:t>,fname,lname):</a:t>
+            </a:r>
+            <a:br>
+              <a:rPr kumimoji="0" lang="en-US" altLang="en-US" sz="1400" b="0" i="0" u="none" strike="noStrike" cap="none" normalizeH="0" baseline="0" smtClean="0">
+                <a:ln>
+                  <a:noFill/>
+                </a:ln>
+                <a:solidFill>
+                  <a:srgbClr val="000000"/>
+                </a:solidFill>
+                <a:effectLst/>
+                <a:latin typeface="Courier New" panose="02070309020205020404" pitchFamily="49" charset="0"/>
+                <a:cs typeface="Courier New" panose="02070309020205020404" pitchFamily="49" charset="0"/>
+              </a:rPr>
+            </a:br>
+            <a:r>
+              <a:rPr kumimoji="0" lang="en-US" altLang="en-US" sz="1400" b="0" i="0" u="none" strike="noStrike" cap="none" normalizeH="0" baseline="0" smtClean="0">
+                <a:ln>
+                  <a:noFill/>
+                </a:ln>
+                <a:solidFill>
+                  <a:srgbClr val="000000"/>
+                </a:solidFill>
+                <a:effectLst/>
+                <a:latin typeface="Courier New" panose="02070309020205020404" pitchFamily="49" charset="0"/>
+                <a:cs typeface="Courier New" panose="02070309020205020404" pitchFamily="49" charset="0"/>
+              </a:rPr>
+              <a:t>        </a:t>
+            </a:r>
+            <a:r>
+              <a:rPr kumimoji="0" lang="en-US" altLang="en-US" sz="1400" b="0" i="0" u="none" strike="noStrike" cap="none" normalizeH="0" baseline="0" smtClean="0">
+                <a:ln>
+                  <a:noFill/>
+                </a:ln>
+                <a:solidFill>
+                  <a:srgbClr val="94558D"/>
+                </a:solidFill>
+                <a:effectLst/>
+                <a:latin typeface="Courier New" panose="02070309020205020404" pitchFamily="49" charset="0"/>
+                <a:cs typeface="Courier New" panose="02070309020205020404" pitchFamily="49" charset="0"/>
+              </a:rPr>
+              <a:t>self</a:t>
+            </a:r>
+            <a:r>
+              <a:rPr kumimoji="0" lang="en-US" altLang="en-US" sz="1400" b="0" i="0" u="none" strike="noStrike" cap="none" normalizeH="0" baseline="0" smtClean="0">
+                <a:ln>
+                  <a:noFill/>
+                </a:ln>
+                <a:solidFill>
+                  <a:srgbClr val="000000"/>
+                </a:solidFill>
+                <a:effectLst/>
+                <a:latin typeface="Courier New" panose="02070309020205020404" pitchFamily="49" charset="0"/>
+                <a:cs typeface="Courier New" panose="02070309020205020404" pitchFamily="49" charset="0"/>
+              </a:rPr>
+              <a:t>.firstname=fname</a:t>
+            </a:r>
+            <a:br>
+              <a:rPr kumimoji="0" lang="en-US" altLang="en-US" sz="1400" b="0" i="0" u="none" strike="noStrike" cap="none" normalizeH="0" baseline="0" smtClean="0">
+                <a:ln>
+                  <a:noFill/>
+                </a:ln>
+                <a:solidFill>
+                  <a:srgbClr val="000000"/>
+                </a:solidFill>
+                <a:effectLst/>
+                <a:latin typeface="Courier New" panose="02070309020205020404" pitchFamily="49" charset="0"/>
+                <a:cs typeface="Courier New" panose="02070309020205020404" pitchFamily="49" charset="0"/>
+              </a:rPr>
+            </a:br>
+            <a:r>
+              <a:rPr kumimoji="0" lang="en-US" altLang="en-US" sz="1400" b="0" i="0" u="none" strike="noStrike" cap="none" normalizeH="0" baseline="0" smtClean="0">
+                <a:ln>
+                  <a:noFill/>
+                </a:ln>
+                <a:solidFill>
+                  <a:srgbClr val="000000"/>
+                </a:solidFill>
+                <a:effectLst/>
+                <a:latin typeface="Courier New" panose="02070309020205020404" pitchFamily="49" charset="0"/>
+                <a:cs typeface="Courier New" panose="02070309020205020404" pitchFamily="49" charset="0"/>
+              </a:rPr>
+              <a:t>        </a:t>
+            </a:r>
+            <a:r>
+              <a:rPr kumimoji="0" lang="en-US" altLang="en-US" sz="1400" b="0" i="0" u="none" strike="noStrike" cap="none" normalizeH="0" baseline="0" smtClean="0">
+                <a:ln>
+                  <a:noFill/>
+                </a:ln>
+                <a:solidFill>
+                  <a:srgbClr val="94558D"/>
+                </a:solidFill>
+                <a:effectLst/>
+                <a:latin typeface="Courier New" panose="02070309020205020404" pitchFamily="49" charset="0"/>
+                <a:cs typeface="Courier New" panose="02070309020205020404" pitchFamily="49" charset="0"/>
+              </a:rPr>
+              <a:t>self</a:t>
+            </a:r>
+            <a:r>
+              <a:rPr kumimoji="0" lang="en-US" altLang="en-US" sz="1400" b="0" i="0" u="none" strike="noStrike" cap="none" normalizeH="0" baseline="0" smtClean="0">
+                <a:ln>
+                  <a:noFill/>
+                </a:ln>
+                <a:solidFill>
+                  <a:srgbClr val="000000"/>
+                </a:solidFill>
+                <a:effectLst/>
+                <a:latin typeface="Courier New" panose="02070309020205020404" pitchFamily="49" charset="0"/>
+                <a:cs typeface="Courier New" panose="02070309020205020404" pitchFamily="49" charset="0"/>
+              </a:rPr>
+              <a:t>.lastname=lname</a:t>
+            </a:r>
+            <a:br>
+              <a:rPr kumimoji="0" lang="en-US" altLang="en-US" sz="1400" b="0" i="0" u="none" strike="noStrike" cap="none" normalizeH="0" baseline="0" smtClean="0">
+                <a:ln>
+                  <a:noFill/>
+                </a:ln>
+                <a:solidFill>
+                  <a:srgbClr val="000000"/>
+                </a:solidFill>
+                <a:effectLst/>
+                <a:latin typeface="Courier New" panose="02070309020205020404" pitchFamily="49" charset="0"/>
+                <a:cs typeface="Courier New" panose="02070309020205020404" pitchFamily="49" charset="0"/>
+              </a:rPr>
+            </a:br>
+            <a:r>
+              <a:rPr kumimoji="0" lang="en-US" altLang="en-US" sz="1400" b="0" i="0" u="none" strike="noStrike" cap="none" normalizeH="0" baseline="0" smtClean="0">
+                <a:ln>
+                  <a:noFill/>
+                </a:ln>
+                <a:solidFill>
+                  <a:srgbClr val="000000"/>
+                </a:solidFill>
+                <a:effectLst/>
+                <a:latin typeface="Courier New" panose="02070309020205020404" pitchFamily="49" charset="0"/>
+                <a:cs typeface="Courier New" panose="02070309020205020404" pitchFamily="49" charset="0"/>
+              </a:rPr>
+              <a:t/>
+            </a:r>
+            <a:br>
+              <a:rPr kumimoji="0" lang="en-US" altLang="en-US" sz="1400" b="0" i="0" u="none" strike="noStrike" cap="none" normalizeH="0" baseline="0" smtClean="0">
+                <a:ln>
+                  <a:noFill/>
+                </a:ln>
+                <a:solidFill>
+                  <a:srgbClr val="000000"/>
+                </a:solidFill>
+                <a:effectLst/>
+                <a:latin typeface="Courier New" panose="02070309020205020404" pitchFamily="49" charset="0"/>
+                <a:cs typeface="Courier New" panose="02070309020205020404" pitchFamily="49" charset="0"/>
+              </a:rPr>
+            </a:br>
+            <a:r>
+              <a:rPr kumimoji="0" lang="en-US" altLang="en-US" sz="1400" b="1" i="0" u="none" strike="noStrike" cap="none" normalizeH="0" baseline="0" smtClean="0">
+                <a:ln>
+                  <a:noFill/>
+                </a:ln>
+                <a:solidFill>
+                  <a:srgbClr val="000080"/>
+                </a:solidFill>
+                <a:effectLst/>
+                <a:latin typeface="Courier New" panose="02070309020205020404" pitchFamily="49" charset="0"/>
+                <a:cs typeface="Courier New" panose="02070309020205020404" pitchFamily="49" charset="0"/>
+              </a:rPr>
+              <a:t>class </a:t>
+            </a:r>
+            <a:r>
+              <a:rPr kumimoji="0" lang="en-US" altLang="en-US" sz="1400" b="0" i="0" u="none" strike="noStrike" cap="none" normalizeH="0" baseline="0" smtClean="0">
+                <a:ln>
+                  <a:noFill/>
+                </a:ln>
+                <a:solidFill>
+                  <a:srgbClr val="000000"/>
+                </a:solidFill>
+                <a:effectLst/>
+                <a:latin typeface="Courier New" panose="02070309020205020404" pitchFamily="49" charset="0"/>
+                <a:cs typeface="Courier New" panose="02070309020205020404" pitchFamily="49" charset="0"/>
+              </a:rPr>
+              <a:t>CompleteDetails(Student):</a:t>
+            </a:r>
+            <a:br>
+              <a:rPr kumimoji="0" lang="en-US" altLang="en-US" sz="1400" b="0" i="0" u="none" strike="noStrike" cap="none" normalizeH="0" baseline="0" smtClean="0">
+                <a:ln>
+                  <a:noFill/>
+                </a:ln>
+                <a:solidFill>
+                  <a:srgbClr val="000000"/>
+                </a:solidFill>
+                <a:effectLst/>
+                <a:latin typeface="Courier New" panose="02070309020205020404" pitchFamily="49" charset="0"/>
+                <a:cs typeface="Courier New" panose="02070309020205020404" pitchFamily="49" charset="0"/>
+              </a:rPr>
+            </a:br>
+            <a:r>
+              <a:rPr kumimoji="0" lang="en-US" altLang="en-US" sz="1400" b="0" i="0" u="none" strike="noStrike" cap="none" normalizeH="0" baseline="0" smtClean="0">
+                <a:ln>
+                  <a:noFill/>
+                </a:ln>
+                <a:solidFill>
+                  <a:srgbClr val="000000"/>
+                </a:solidFill>
+                <a:effectLst/>
+                <a:latin typeface="Courier New" panose="02070309020205020404" pitchFamily="49" charset="0"/>
+                <a:cs typeface="Courier New" panose="02070309020205020404" pitchFamily="49" charset="0"/>
+              </a:rPr>
+              <a:t>    </a:t>
+            </a:r>
+            <a:r>
+              <a:rPr kumimoji="0" lang="en-US" altLang="en-US" sz="1400" b="1" i="0" u="none" strike="noStrike" cap="none" normalizeH="0" baseline="0" smtClean="0">
+                <a:ln>
+                  <a:noFill/>
+                </a:ln>
+                <a:solidFill>
+                  <a:srgbClr val="000080"/>
+                </a:solidFill>
+                <a:effectLst/>
+                <a:latin typeface="Courier New" panose="02070309020205020404" pitchFamily="49" charset="0"/>
+                <a:cs typeface="Courier New" panose="02070309020205020404" pitchFamily="49" charset="0"/>
+              </a:rPr>
+              <a:t>def </a:t>
+            </a:r>
+            <a:r>
+              <a:rPr kumimoji="0" lang="en-US" altLang="en-US" sz="1400" b="0" i="0" u="none" strike="noStrike" cap="none" normalizeH="0" baseline="0" smtClean="0">
+                <a:ln>
+                  <a:noFill/>
+                </a:ln>
+                <a:solidFill>
+                  <a:srgbClr val="000000"/>
+                </a:solidFill>
+                <a:effectLst/>
+                <a:latin typeface="Courier New" panose="02070309020205020404" pitchFamily="49" charset="0"/>
+                <a:cs typeface="Courier New" panose="02070309020205020404" pitchFamily="49" charset="0"/>
+              </a:rPr>
+              <a:t>details(</a:t>
+            </a:r>
+            <a:r>
+              <a:rPr kumimoji="0" lang="en-US" altLang="en-US" sz="1400" b="0" i="0" u="none" strike="noStrike" cap="none" normalizeH="0" baseline="0" smtClean="0">
+                <a:ln>
+                  <a:noFill/>
+                </a:ln>
+                <a:solidFill>
+                  <a:srgbClr val="94558D"/>
+                </a:solidFill>
+                <a:effectLst/>
+                <a:latin typeface="Courier New" panose="02070309020205020404" pitchFamily="49" charset="0"/>
+                <a:cs typeface="Courier New" panose="02070309020205020404" pitchFamily="49" charset="0"/>
+              </a:rPr>
+              <a:t>self</a:t>
+            </a:r>
+            <a:r>
+              <a:rPr kumimoji="0" lang="en-US" altLang="en-US" sz="1400" b="0" i="0" u="none" strike="noStrike" cap="none" normalizeH="0" baseline="0" smtClean="0">
+                <a:ln>
+                  <a:noFill/>
+                </a:ln>
+                <a:solidFill>
+                  <a:srgbClr val="000000"/>
+                </a:solidFill>
+                <a:effectLst/>
+                <a:latin typeface="Courier New" panose="02070309020205020404" pitchFamily="49" charset="0"/>
+                <a:cs typeface="Courier New" panose="02070309020205020404" pitchFamily="49" charset="0"/>
+              </a:rPr>
+              <a:t>):</a:t>
+            </a:r>
+            <a:br>
+              <a:rPr kumimoji="0" lang="en-US" altLang="en-US" sz="1400" b="0" i="0" u="none" strike="noStrike" cap="none" normalizeH="0" baseline="0" smtClean="0">
+                <a:ln>
+                  <a:noFill/>
+                </a:ln>
+                <a:solidFill>
+                  <a:srgbClr val="000000"/>
+                </a:solidFill>
+                <a:effectLst/>
+                <a:latin typeface="Courier New" panose="02070309020205020404" pitchFamily="49" charset="0"/>
+                <a:cs typeface="Courier New" panose="02070309020205020404" pitchFamily="49" charset="0"/>
+              </a:rPr>
+            </a:br>
+            <a:r>
+              <a:rPr kumimoji="0" lang="en-US" altLang="en-US" sz="1400" b="0" i="0" u="none" strike="noStrike" cap="none" normalizeH="0" baseline="0" smtClean="0">
+                <a:ln>
+                  <a:noFill/>
+                </a:ln>
+                <a:solidFill>
+                  <a:srgbClr val="000000"/>
+                </a:solidFill>
+                <a:effectLst/>
+                <a:latin typeface="Courier New" panose="02070309020205020404" pitchFamily="49" charset="0"/>
+                <a:cs typeface="Courier New" panose="02070309020205020404" pitchFamily="49" charset="0"/>
+              </a:rPr>
+              <a:t>        </a:t>
+            </a:r>
+            <a:r>
+              <a:rPr kumimoji="0" lang="en-US" altLang="en-US" sz="1400" b="1" i="0" u="none" strike="noStrike" cap="none" normalizeH="0" baseline="0" smtClean="0">
+                <a:ln>
+                  <a:noFill/>
+                </a:ln>
+                <a:solidFill>
+                  <a:srgbClr val="000080"/>
+                </a:solidFill>
+                <a:effectLst/>
+                <a:latin typeface="Courier New" panose="02070309020205020404" pitchFamily="49" charset="0"/>
+                <a:cs typeface="Courier New" panose="02070309020205020404" pitchFamily="49" charset="0"/>
+              </a:rPr>
+              <a:t>return </a:t>
+            </a:r>
+            <a:r>
+              <a:rPr kumimoji="0" lang="en-US" altLang="en-US" sz="1400" b="0" i="0" u="none" strike="noStrike" cap="none" normalizeH="0" baseline="0" smtClean="0">
+                <a:ln>
+                  <a:noFill/>
+                </a:ln>
+                <a:solidFill>
+                  <a:srgbClr val="94558D"/>
+                </a:solidFill>
+                <a:effectLst/>
+                <a:latin typeface="Courier New" panose="02070309020205020404" pitchFamily="49" charset="0"/>
+                <a:cs typeface="Courier New" panose="02070309020205020404" pitchFamily="49" charset="0"/>
+              </a:rPr>
+              <a:t>self</a:t>
+            </a:r>
+            <a:r>
+              <a:rPr kumimoji="0" lang="en-US" altLang="en-US" sz="1400" b="0" i="0" u="none" strike="noStrike" cap="none" normalizeH="0" baseline="0" smtClean="0">
+                <a:ln>
+                  <a:noFill/>
+                </a:ln>
+                <a:solidFill>
+                  <a:srgbClr val="000000"/>
+                </a:solidFill>
+                <a:effectLst/>
+                <a:latin typeface="Courier New" panose="02070309020205020404" pitchFamily="49" charset="0"/>
+                <a:cs typeface="Courier New" panose="02070309020205020404" pitchFamily="49" charset="0"/>
+              </a:rPr>
+              <a:t>.schoolname+</a:t>
+            </a:r>
+            <a:r>
+              <a:rPr kumimoji="0" lang="en-US" altLang="en-US" sz="1400" b="1" i="0" u="none" strike="noStrike" cap="none" normalizeH="0" baseline="0" smtClean="0">
+                <a:ln>
+                  <a:noFill/>
+                </a:ln>
+                <a:solidFill>
+                  <a:srgbClr val="008080"/>
+                </a:solidFill>
+                <a:effectLst/>
+                <a:latin typeface="Courier New" panose="02070309020205020404" pitchFamily="49" charset="0"/>
+                <a:cs typeface="Courier New" panose="02070309020205020404" pitchFamily="49" charset="0"/>
+              </a:rPr>
+              <a:t>"- "</a:t>
+            </a:r>
+            <a:r>
+              <a:rPr kumimoji="0" lang="en-US" altLang="en-US" sz="1400" b="0" i="0" u="none" strike="noStrike" cap="none" normalizeH="0" baseline="0" smtClean="0">
+                <a:ln>
+                  <a:noFill/>
+                </a:ln>
+                <a:solidFill>
+                  <a:srgbClr val="000000"/>
+                </a:solidFill>
+                <a:effectLst/>
+                <a:latin typeface="Courier New" panose="02070309020205020404" pitchFamily="49" charset="0"/>
+                <a:cs typeface="Courier New" panose="02070309020205020404" pitchFamily="49" charset="0"/>
+              </a:rPr>
+              <a:t>\</a:t>
+            </a:r>
+            <a:br>
+              <a:rPr kumimoji="0" lang="en-US" altLang="en-US" sz="1400" b="0" i="0" u="none" strike="noStrike" cap="none" normalizeH="0" baseline="0" smtClean="0">
+                <a:ln>
+                  <a:noFill/>
+                </a:ln>
+                <a:solidFill>
+                  <a:srgbClr val="000000"/>
+                </a:solidFill>
+                <a:effectLst/>
+                <a:latin typeface="Courier New" panose="02070309020205020404" pitchFamily="49" charset="0"/>
+                <a:cs typeface="Courier New" panose="02070309020205020404" pitchFamily="49" charset="0"/>
+              </a:rPr>
+            </a:br>
+            <a:r>
+              <a:rPr kumimoji="0" lang="en-US" altLang="en-US" sz="1400" b="0" i="0" u="none" strike="noStrike" cap="none" normalizeH="0" baseline="0" smtClean="0">
+                <a:ln>
+                  <a:noFill/>
+                </a:ln>
+                <a:solidFill>
+                  <a:srgbClr val="000000"/>
+                </a:solidFill>
+                <a:effectLst/>
+                <a:latin typeface="Courier New" panose="02070309020205020404" pitchFamily="49" charset="0"/>
+                <a:cs typeface="Courier New" panose="02070309020205020404" pitchFamily="49" charset="0"/>
+              </a:rPr>
+              <a:t>               +</a:t>
+            </a:r>
+            <a:r>
+              <a:rPr kumimoji="0" lang="en-US" altLang="en-US" sz="1400" b="0" i="0" u="none" strike="noStrike" cap="none" normalizeH="0" baseline="0" smtClean="0">
+                <a:ln>
+                  <a:noFill/>
+                </a:ln>
+                <a:solidFill>
+                  <a:srgbClr val="94558D"/>
+                </a:solidFill>
+                <a:effectLst/>
+                <a:latin typeface="Courier New" panose="02070309020205020404" pitchFamily="49" charset="0"/>
+                <a:cs typeface="Courier New" panose="02070309020205020404" pitchFamily="49" charset="0"/>
+              </a:rPr>
+              <a:t>self</a:t>
+            </a:r>
+            <a:r>
+              <a:rPr kumimoji="0" lang="en-US" altLang="en-US" sz="1400" b="0" i="0" u="none" strike="noStrike" cap="none" normalizeH="0" baseline="0" smtClean="0">
+                <a:ln>
+                  <a:noFill/>
+                </a:ln>
+                <a:solidFill>
+                  <a:srgbClr val="000000"/>
+                </a:solidFill>
+                <a:effectLst/>
+                <a:latin typeface="Courier New" panose="02070309020205020404" pitchFamily="49" charset="0"/>
+                <a:cs typeface="Courier New" panose="02070309020205020404" pitchFamily="49" charset="0"/>
+              </a:rPr>
+              <a:t>.firstname+</a:t>
+            </a:r>
+            <a:r>
+              <a:rPr kumimoji="0" lang="en-US" altLang="en-US" sz="1400" b="1" i="0" u="none" strike="noStrike" cap="none" normalizeH="0" baseline="0" smtClean="0">
+                <a:ln>
+                  <a:noFill/>
+                </a:ln>
+                <a:solidFill>
+                  <a:srgbClr val="008080"/>
+                </a:solidFill>
+                <a:effectLst/>
+                <a:latin typeface="Courier New" panose="02070309020205020404" pitchFamily="49" charset="0"/>
+                <a:cs typeface="Courier New" panose="02070309020205020404" pitchFamily="49" charset="0"/>
+              </a:rPr>
+              <a:t>", "</a:t>
+            </a:r>
+            <a:r>
+              <a:rPr kumimoji="0" lang="en-US" altLang="en-US" sz="1400" b="0" i="0" u="none" strike="noStrike" cap="none" normalizeH="0" baseline="0" smtClean="0">
+                <a:ln>
+                  <a:noFill/>
+                </a:ln>
+                <a:solidFill>
+                  <a:srgbClr val="000000"/>
+                </a:solidFill>
+                <a:effectLst/>
+                <a:latin typeface="Courier New" panose="02070309020205020404" pitchFamily="49" charset="0"/>
+                <a:cs typeface="Courier New" panose="02070309020205020404" pitchFamily="49" charset="0"/>
+              </a:rPr>
+              <a:t>+</a:t>
+            </a:r>
+            <a:r>
+              <a:rPr kumimoji="0" lang="en-US" altLang="en-US" sz="1400" b="0" i="0" u="none" strike="noStrike" cap="none" normalizeH="0" baseline="0" smtClean="0">
+                <a:ln>
+                  <a:noFill/>
+                </a:ln>
+                <a:solidFill>
+                  <a:srgbClr val="94558D"/>
+                </a:solidFill>
+                <a:effectLst/>
+                <a:latin typeface="Courier New" panose="02070309020205020404" pitchFamily="49" charset="0"/>
+                <a:cs typeface="Courier New" panose="02070309020205020404" pitchFamily="49" charset="0"/>
+              </a:rPr>
+              <a:t>self</a:t>
+            </a:r>
+            <a:r>
+              <a:rPr kumimoji="0" lang="en-US" altLang="en-US" sz="1400" b="0" i="0" u="none" strike="noStrike" cap="none" normalizeH="0" baseline="0" smtClean="0">
+                <a:ln>
+                  <a:noFill/>
+                </a:ln>
+                <a:solidFill>
+                  <a:srgbClr val="000000"/>
+                </a:solidFill>
+                <a:effectLst/>
+                <a:latin typeface="Courier New" panose="02070309020205020404" pitchFamily="49" charset="0"/>
+                <a:cs typeface="Courier New" panose="02070309020205020404" pitchFamily="49" charset="0"/>
+              </a:rPr>
+              <a:t>.lastname</a:t>
+            </a:r>
+            <a:br>
+              <a:rPr kumimoji="0" lang="en-US" altLang="en-US" sz="1400" b="0" i="0" u="none" strike="noStrike" cap="none" normalizeH="0" baseline="0" smtClean="0">
+                <a:ln>
+                  <a:noFill/>
+                </a:ln>
+                <a:solidFill>
+                  <a:srgbClr val="000000"/>
+                </a:solidFill>
+                <a:effectLst/>
+                <a:latin typeface="Courier New" panose="02070309020205020404" pitchFamily="49" charset="0"/>
+                <a:cs typeface="Courier New" panose="02070309020205020404" pitchFamily="49" charset="0"/>
+              </a:rPr>
+            </a:br>
+            <a:r>
+              <a:rPr kumimoji="0" lang="en-US" altLang="en-US" sz="1400" b="0" i="0" u="none" strike="noStrike" cap="none" normalizeH="0" baseline="0" smtClean="0">
+                <a:ln>
+                  <a:noFill/>
+                </a:ln>
+                <a:solidFill>
+                  <a:srgbClr val="000000"/>
+                </a:solidFill>
+                <a:effectLst/>
+                <a:latin typeface="Courier New" panose="02070309020205020404" pitchFamily="49" charset="0"/>
+                <a:cs typeface="Courier New" panose="02070309020205020404" pitchFamily="49" charset="0"/>
+              </a:rPr>
+              <a:t/>
+            </a:r>
+            <a:br>
+              <a:rPr kumimoji="0" lang="en-US" altLang="en-US" sz="1400" b="0" i="0" u="none" strike="noStrike" cap="none" normalizeH="0" baseline="0" smtClean="0">
+                <a:ln>
+                  <a:noFill/>
+                </a:ln>
+                <a:solidFill>
+                  <a:srgbClr val="000000"/>
+                </a:solidFill>
+                <a:effectLst/>
+                <a:latin typeface="Courier New" panose="02070309020205020404" pitchFamily="49" charset="0"/>
+                <a:cs typeface="Courier New" panose="02070309020205020404" pitchFamily="49" charset="0"/>
+              </a:rPr>
+            </a:br>
+            <a:r>
+              <a:rPr kumimoji="0" lang="en-US" altLang="en-US" sz="1400" b="0" i="0" u="none" strike="noStrike" cap="none" normalizeH="0" baseline="0" smtClean="0">
+                <a:ln>
+                  <a:noFill/>
+                </a:ln>
+                <a:solidFill>
+                  <a:srgbClr val="000000"/>
+                </a:solidFill>
+                <a:effectLst/>
+                <a:latin typeface="Courier New" panose="02070309020205020404" pitchFamily="49" charset="0"/>
+                <a:cs typeface="Courier New" panose="02070309020205020404" pitchFamily="49" charset="0"/>
+              </a:rPr>
+              <a:t>s1=CompleteDetails()</a:t>
+            </a:r>
+            <a:br>
+              <a:rPr kumimoji="0" lang="en-US" altLang="en-US" sz="1400" b="0" i="0" u="none" strike="noStrike" cap="none" normalizeH="0" baseline="0" smtClean="0">
+                <a:ln>
+                  <a:noFill/>
+                </a:ln>
+                <a:solidFill>
+                  <a:srgbClr val="000000"/>
+                </a:solidFill>
+                <a:effectLst/>
+                <a:latin typeface="Courier New" panose="02070309020205020404" pitchFamily="49" charset="0"/>
+                <a:cs typeface="Courier New" panose="02070309020205020404" pitchFamily="49" charset="0"/>
+              </a:rPr>
+            </a:br>
+            <a:r>
+              <a:rPr kumimoji="0" lang="en-US" altLang="en-US" sz="1400" b="0" i="0" u="none" strike="noStrike" cap="none" normalizeH="0" baseline="0" smtClean="0">
+                <a:ln>
+                  <a:noFill/>
+                </a:ln>
+                <a:solidFill>
+                  <a:srgbClr val="000000"/>
+                </a:solidFill>
+                <a:effectLst/>
+                <a:latin typeface="Courier New" panose="02070309020205020404" pitchFamily="49" charset="0"/>
+                <a:cs typeface="Courier New" panose="02070309020205020404" pitchFamily="49" charset="0"/>
+              </a:rPr>
+              <a:t>s1.name(</a:t>
+            </a:r>
+            <a:r>
+              <a:rPr kumimoji="0" lang="en-US" altLang="en-US" sz="1400" b="1" i="0" u="none" strike="noStrike" cap="none" normalizeH="0" baseline="0" smtClean="0">
+                <a:ln>
+                  <a:noFill/>
+                </a:ln>
+                <a:solidFill>
+                  <a:srgbClr val="008080"/>
+                </a:solidFill>
+                <a:effectLst/>
+                <a:latin typeface="Courier New" panose="02070309020205020404" pitchFamily="49" charset="0"/>
+                <a:cs typeface="Courier New" panose="02070309020205020404" pitchFamily="49" charset="0"/>
+              </a:rPr>
+              <a:t>'Roman'</a:t>
+            </a:r>
+            <a:r>
+              <a:rPr kumimoji="0" lang="en-US" altLang="en-US" sz="1400" b="0" i="0" u="none" strike="noStrike" cap="none" normalizeH="0" baseline="0" smtClean="0">
+                <a:ln>
+                  <a:noFill/>
+                </a:ln>
+                <a:solidFill>
+                  <a:srgbClr val="000000"/>
+                </a:solidFill>
+                <a:effectLst/>
+                <a:latin typeface="Courier New" panose="02070309020205020404" pitchFamily="49" charset="0"/>
+                <a:cs typeface="Courier New" panose="02070309020205020404" pitchFamily="49" charset="0"/>
+              </a:rPr>
+              <a:t>,</a:t>
+            </a:r>
+            <a:r>
+              <a:rPr kumimoji="0" lang="en-US" altLang="en-US" sz="1400" b="1" i="0" u="none" strike="noStrike" cap="none" normalizeH="0" baseline="0" smtClean="0">
+                <a:ln>
+                  <a:noFill/>
+                </a:ln>
+                <a:solidFill>
+                  <a:srgbClr val="008080"/>
+                </a:solidFill>
+                <a:effectLst/>
+                <a:latin typeface="Courier New" panose="02070309020205020404" pitchFamily="49" charset="0"/>
+                <a:cs typeface="Courier New" panose="02070309020205020404" pitchFamily="49" charset="0"/>
+              </a:rPr>
+              <a:t>'Reigns'</a:t>
+            </a:r>
+            <a:r>
+              <a:rPr kumimoji="0" lang="en-US" altLang="en-US" sz="1400" b="0" i="0" u="none" strike="noStrike" cap="none" normalizeH="0" baseline="0" smtClean="0">
+                <a:ln>
+                  <a:noFill/>
+                </a:ln>
+                <a:solidFill>
+                  <a:srgbClr val="000000"/>
+                </a:solidFill>
+                <a:effectLst/>
+                <a:latin typeface="Courier New" panose="02070309020205020404" pitchFamily="49" charset="0"/>
+                <a:cs typeface="Courier New" panose="02070309020205020404" pitchFamily="49" charset="0"/>
+              </a:rPr>
+              <a:t>)</a:t>
+            </a:r>
+            <a:br>
+              <a:rPr kumimoji="0" lang="en-US" altLang="en-US" sz="1400" b="0" i="0" u="none" strike="noStrike" cap="none" normalizeH="0" baseline="0" smtClean="0">
+                <a:ln>
+                  <a:noFill/>
+                </a:ln>
+                <a:solidFill>
+                  <a:srgbClr val="000000"/>
+                </a:solidFill>
+                <a:effectLst/>
+                <a:latin typeface="Courier New" panose="02070309020205020404" pitchFamily="49" charset="0"/>
+                <a:cs typeface="Courier New" panose="02070309020205020404" pitchFamily="49" charset="0"/>
+              </a:rPr>
+            </a:br>
+            <a:r>
+              <a:rPr kumimoji="0" lang="en-US" altLang="en-US" sz="1400" b="0" i="0" u="none" strike="noStrike" cap="none" normalizeH="0" baseline="0" smtClean="0">
+                <a:ln>
+                  <a:noFill/>
+                </a:ln>
+                <a:solidFill>
+                  <a:srgbClr val="000080"/>
+                </a:solidFill>
+                <a:effectLst/>
+                <a:latin typeface="Courier New" panose="02070309020205020404" pitchFamily="49" charset="0"/>
+                <a:cs typeface="Courier New" panose="02070309020205020404" pitchFamily="49" charset="0"/>
+              </a:rPr>
+              <a:t>print</a:t>
+            </a:r>
+            <a:r>
+              <a:rPr kumimoji="0" lang="en-US" altLang="en-US" sz="1400" b="0" i="0" u="none" strike="noStrike" cap="none" normalizeH="0" baseline="0" smtClean="0">
+                <a:ln>
+                  <a:noFill/>
+                </a:ln>
+                <a:solidFill>
+                  <a:srgbClr val="000000"/>
+                </a:solidFill>
+                <a:effectLst/>
+                <a:latin typeface="Courier New" panose="02070309020205020404" pitchFamily="49" charset="0"/>
+                <a:cs typeface="Courier New" panose="02070309020205020404" pitchFamily="49" charset="0"/>
+              </a:rPr>
+              <a:t>(s1.details())</a:t>
+            </a:r>
+            <a:endParaRPr kumimoji="0" lang="en-US" altLang="en-US" sz="1800" b="0" i="0" u="none" strike="noStrike" cap="none" normalizeH="0" baseline="0" smtClean="0">
+              <a:ln>
+                <a:noFill/>
+              </a:ln>
+              <a:solidFill>
+                <a:schemeClr val="tx1"/>
+              </a:solidFill>
+              <a:effectLst/>
+              <a:latin typeface="Arial" panose="020B0604020202020204" pitchFamily="34" charset="0"/>
+            </a:endParaRPr>
+          </a:p>
+        </p:txBody>
+      </p:sp>
+    </p:spTree>
+    <p:extLst>
+      <p:ext uri="{BB962C8B-B14F-4D97-AF65-F5344CB8AC3E}">
+        <p14:creationId xmlns:p14="http://schemas.microsoft.com/office/powerpoint/2010/main" val="517554524"/>
       </p:ext>
     </p:extLst>
   </p:cSld>
